--- a/Entwurf/1.Gruppentreffen.pptx
+++ b/Entwurf/1.Gruppentreffen.pptx
@@ -12,6 +12,12 @@
     <p:sldId id="259" r:id="rId7"/>
     <p:sldId id="260" r:id="rId8"/>
     <p:sldId id="261" r:id="rId9"/>
+    <p:sldId id="262" r:id="rId10"/>
+    <p:sldId id="263" r:id="rId11"/>
+    <p:sldId id="264" r:id="rId12"/>
+    <p:sldId id="265" r:id="rId13"/>
+    <p:sldId id="266" r:id="rId14"/>
+    <p:sldId id="267" r:id="rId15"/>
   </p:sldIdLst>
   <p:sldSz cx="12192000" cy="6858000"/>
   <p:notesSz cx="7559675" cy="10691812"/>
@@ -3294,8 +3300,8 @@
         </p:nvSpPr>
         <p:spPr>
           <a:xfrm>
-            <a:off x="838080" y="365040"/>
-            <a:ext cx="10514880" cy="1324800"/>
+            <a:off x="609480" y="273600"/>
+            <a:ext cx="10972080" cy="1144440"/>
           </a:xfrm>
           <a:prstGeom prst="rect">
             <a:avLst/>
@@ -3345,7 +3351,7 @@
         <p:spPr>
           <a:xfrm>
             <a:off x="609480" y="1604520"/>
-            <a:ext cx="10972440" cy="3977280"/>
+            <a:ext cx="10972080" cy="3976920"/>
           </a:xfrm>
           <a:prstGeom prst="rect">
             <a:avLst/>
@@ -3368,7 +3374,7 @@
               <a:buChar char=""/>
             </a:pPr>
             <a:r>
-              <a:rPr b="0" lang="de-DE" sz="3200" spc="-1" strike="noStrike">
+              <a:rPr b="0" lang="de-DE" sz="1800" spc="-1" strike="noStrike">
                 <a:solidFill>
                   <a:srgbClr val="000000"/>
                 </a:solidFill>
@@ -3381,7 +3387,7 @@
               </a:rPr>
               <a:t>Format des Gliederungstextes durch Klicken bearbeiten</a:t>
             </a:r>
-            <a:endParaRPr b="0" lang="de-DE" sz="3200" spc="-1" strike="noStrike">
+            <a:endParaRPr b="0" lang="de-DE" sz="1800" spc="-1" strike="noStrike">
               <a:solidFill>
                 <a:srgbClr val="000000"/>
               </a:solidFill>
@@ -3406,7 +3412,7 @@
               <a:buChar char=""/>
             </a:pPr>
             <a:r>
-              <a:rPr b="0" lang="de-DE" sz="2800" spc="-1" strike="noStrike">
+              <a:rPr b="0" lang="de-DE" sz="1800" spc="-1" strike="noStrike">
                 <a:solidFill>
                   <a:srgbClr val="000000"/>
                 </a:solidFill>
@@ -3419,7 +3425,7 @@
               </a:rPr>
               <a:t>Zweite Gliederungsebene</a:t>
             </a:r>
-            <a:endParaRPr b="0" lang="de-DE" sz="2800" spc="-1" strike="noStrike">
+            <a:endParaRPr b="0" lang="de-DE" sz="1800" spc="-1" strike="noStrike">
               <a:solidFill>
                 <a:srgbClr val="000000"/>
               </a:solidFill>
@@ -3444,7 +3450,7 @@
               <a:buChar char=""/>
             </a:pPr>
             <a:r>
-              <a:rPr b="0" lang="de-DE" sz="2400" spc="-1" strike="noStrike">
+              <a:rPr b="0" lang="de-DE" sz="1800" spc="-1" strike="noStrike">
                 <a:solidFill>
                   <a:srgbClr val="000000"/>
                 </a:solidFill>
@@ -3457,7 +3463,7 @@
               </a:rPr>
               <a:t>Dritte Gliederungsebene</a:t>
             </a:r>
-            <a:endParaRPr b="0" lang="de-DE" sz="2400" spc="-1" strike="noStrike">
+            <a:endParaRPr b="0" lang="de-DE" sz="1800" spc="-1" strike="noStrike">
               <a:solidFill>
                 <a:srgbClr val="000000"/>
               </a:solidFill>
@@ -3482,7 +3488,7 @@
               <a:buChar char=""/>
             </a:pPr>
             <a:r>
-              <a:rPr b="0" lang="de-DE" sz="2000" spc="-1" strike="noStrike">
+              <a:rPr b="0" lang="de-DE" sz="1800" spc="-1" strike="noStrike">
                 <a:solidFill>
                   <a:srgbClr val="000000"/>
                 </a:solidFill>
@@ -3495,7 +3501,7 @@
               </a:rPr>
               <a:t>Vierte Gliederungsebene</a:t>
             </a:r>
-            <a:endParaRPr b="0" lang="de-DE" sz="2000" spc="-1" strike="noStrike">
+            <a:endParaRPr b="0" lang="de-DE" sz="1800" spc="-1" strike="noStrike">
               <a:solidFill>
                 <a:srgbClr val="000000"/>
               </a:solidFill>
@@ -3520,7 +3526,7 @@
               <a:buChar char=""/>
             </a:pPr>
             <a:r>
-              <a:rPr b="0" lang="de-DE" sz="2000" spc="-1" strike="noStrike">
+              <a:rPr b="0" lang="de-DE" sz="1800" spc="-1" strike="noStrike">
                 <a:solidFill>
                   <a:srgbClr val="000000"/>
                 </a:solidFill>
@@ -3533,7 +3539,7 @@
               </a:rPr>
               <a:t>Fünfte Gliederungsebene</a:t>
             </a:r>
-            <a:endParaRPr b="0" lang="de-DE" sz="2000" spc="-1" strike="noStrike">
+            <a:endParaRPr b="0" lang="de-DE" sz="1800" spc="-1" strike="noStrike">
               <a:solidFill>
                 <a:srgbClr val="000000"/>
               </a:solidFill>
@@ -3558,7 +3564,7 @@
               <a:buChar char=""/>
             </a:pPr>
             <a:r>
-              <a:rPr b="0" lang="de-DE" sz="2000" spc="-1" strike="noStrike">
+              <a:rPr b="0" lang="de-DE" sz="1800" spc="-1" strike="noStrike">
                 <a:solidFill>
                   <a:srgbClr val="000000"/>
                 </a:solidFill>
@@ -3571,7 +3577,7 @@
               </a:rPr>
               <a:t>Sechste Gliederungsebene</a:t>
             </a:r>
-            <a:endParaRPr b="0" lang="de-DE" sz="2000" spc="-1" strike="noStrike">
+            <a:endParaRPr b="0" lang="de-DE" sz="1800" spc="-1" strike="noStrike">
               <a:solidFill>
                 <a:srgbClr val="000000"/>
               </a:solidFill>
@@ -3596,7 +3602,7 @@
               <a:buChar char=""/>
             </a:pPr>
             <a:r>
-              <a:rPr b="0" lang="de-DE" sz="2000" spc="-1" strike="noStrike">
+              <a:rPr b="0" lang="de-DE" sz="1800" spc="-1" strike="noStrike">
                 <a:solidFill>
                   <a:srgbClr val="000000"/>
                 </a:solidFill>
@@ -3609,7 +3615,7 @@
               </a:rPr>
               <a:t>Siebte Gliederungsebene</a:t>
             </a:r>
-            <a:endParaRPr b="0" lang="de-DE" sz="2000" spc="-1" strike="noStrike">
+            <a:endParaRPr b="0" lang="de-DE" sz="1800" spc="-1" strike="noStrike">
               <a:solidFill>
                 <a:srgbClr val="000000"/>
               </a:solidFill>
@@ -4055,7 +4061,7 @@
         <p:spPr>
           <a:xfrm>
             <a:off x="1440000" y="3886560"/>
-            <a:ext cx="9143280" cy="2386800"/>
+            <a:ext cx="9142920" cy="2386440"/>
           </a:xfrm>
           <a:prstGeom prst="rect">
             <a:avLst/>
@@ -4090,6 +4096,7 @@
                   </a:solidFill>
                 </a:uFill>
                 <a:latin typeface="Calibri Light"/>
+                <a:ea typeface="DejaVu Sans"/>
               </a:rPr>
               <a:t>myMD</a:t>
             </a:r>
@@ -4116,7 +4123,7 @@
         <p:spPr>
           <a:xfrm>
             <a:off x="1523880" y="3602160"/>
-            <a:ext cx="9143280" cy="1654920"/>
+            <a:ext cx="9142920" cy="1654560"/>
           </a:xfrm>
           <a:prstGeom prst="rect">
             <a:avLst/>
@@ -4146,7 +4153,7 @@
         <p:spPr>
           <a:xfrm>
             <a:off x="3807000" y="583920"/>
-            <a:ext cx="4409280" cy="4409280"/>
+            <a:ext cx="4408920" cy="4408920"/>
           </a:xfrm>
           <a:prstGeom prst="rect">
             <a:avLst/>
@@ -4188,6 +4195,983 @@
 </p:sld>
 </file>
 
+<file path=ppt/slides/slide10.xml><?xml version="1.0" encoding="utf-8"?>
+<p:sld xmlns:a="http://schemas.openxmlformats.org/drawingml/2006/main" xmlns:p="http://schemas.openxmlformats.org/presentationml/2006/main" xmlns:r="http://schemas.openxmlformats.org/officeDocument/2006/relationships" xmlns:p14="http://schemas.microsoft.com/office/powerpoint/2010/main" xmlns:p15="http://schemas.microsoft.com/office/powerpoint/2012/main" xmlns:mc="http://schemas.openxmlformats.org/markup-compatibility/2006">
+  <p:cSld>
+    <p:spTree>
+      <p:nvGrpSpPr>
+        <p:cNvPr id="1" name=""/>
+        <p:cNvGrpSpPr/>
+        <p:nvPr/>
+      </p:nvGrpSpPr>
+      <p:grpSpPr>
+        <a:xfrm>
+          <a:off x="0" y="0"/>
+          <a:ext cx="0" cy="0"/>
+          <a:chOff x="0" y="0"/>
+          <a:chExt cx="0" cy="0"/>
+        </a:xfrm>
+      </p:grpSpPr>
+      <p:sp>
+        <p:nvSpPr>
+          <p:cNvPr id="124" name="CustomShape 1"/>
+          <p:cNvSpPr/>
+          <p:nvPr/>
+        </p:nvSpPr>
+        <p:spPr>
+          <a:xfrm>
+            <a:off x="838080" y="365040"/>
+            <a:ext cx="10514520" cy="1324440"/>
+          </a:xfrm>
+          <a:prstGeom prst="rect">
+            <a:avLst/>
+          </a:prstGeom>
+          <a:noFill/>
+          <a:ln>
+            <a:noFill/>
+          </a:ln>
+        </p:spPr>
+        <p:style>
+          <a:lnRef idx="0"/>
+          <a:fillRef idx="0"/>
+          <a:effectRef idx="0"/>
+          <a:fontRef idx="minor"/>
+        </p:style>
+        <p:txBody>
+          <a:bodyPr lIns="90000" rIns="90000" tIns="45000" bIns="45000" anchor="ctr"/>
+          <a:p>
+            <a:pPr algn="ctr">
+              <a:lnSpc>
+                <a:spcPct val="90000"/>
+              </a:lnSpc>
+            </a:pPr>
+            <a:r>
+              <a:rPr b="0" lang="de-DE" sz="4400" spc="-1" strike="noStrike">
+                <a:solidFill>
+                  <a:srgbClr val="000000"/>
+                </a:solidFill>
+                <a:uFill>
+                  <a:solidFill>
+                    <a:srgbClr val="ffffff"/>
+                  </a:solidFill>
+                </a:uFill>
+                <a:latin typeface="Calibri Light"/>
+                <a:ea typeface="DejaVu Sans"/>
+              </a:rPr>
+              <a:t>OperationModel</a:t>
+            </a:r>
+            <a:endParaRPr b="0" lang="de-DE" sz="4400" spc="-1" strike="noStrike">
+              <a:solidFill>
+                <a:srgbClr val="000000"/>
+              </a:solidFill>
+              <a:uFill>
+                <a:solidFill>
+                  <a:srgbClr val="ffffff"/>
+                </a:solidFill>
+              </a:uFill>
+              <a:latin typeface="Arial"/>
+            </a:endParaRPr>
+          </a:p>
+        </p:txBody>
+      </p:sp>
+      <p:sp>
+        <p:nvSpPr>
+          <p:cNvPr id="125" name="CustomShape 2"/>
+          <p:cNvSpPr/>
+          <p:nvPr/>
+        </p:nvSpPr>
+        <p:spPr>
+          <a:xfrm>
+            <a:off x="838080" y="6356520"/>
+            <a:ext cx="2742120" cy="363960"/>
+          </a:xfrm>
+          <a:prstGeom prst="rect">
+            <a:avLst/>
+          </a:prstGeom>
+          <a:noFill/>
+          <a:ln>
+            <a:noFill/>
+          </a:ln>
+        </p:spPr>
+        <p:style>
+          <a:lnRef idx="0"/>
+          <a:fillRef idx="0"/>
+          <a:effectRef idx="0"/>
+          <a:fontRef idx="minor"/>
+        </p:style>
+        <p:txBody>
+          <a:bodyPr lIns="90000" rIns="90000" tIns="45000" bIns="45000" anchor="ctr"/>
+          <a:p>
+            <a:pPr>
+              <a:lnSpc>
+                <a:spcPct val="100000"/>
+              </a:lnSpc>
+            </a:pPr>
+            <a:r>
+              <a:rPr b="0" lang="de-DE" sz="1200" spc="-1" strike="noStrike">
+                <a:solidFill>
+                  <a:srgbClr val="8b8b8b"/>
+                </a:solidFill>
+                <a:uFill>
+                  <a:solidFill>
+                    <a:srgbClr val="ffffff"/>
+                  </a:solidFill>
+                </a:uFill>
+                <a:latin typeface="Calibri"/>
+                <a:ea typeface="DejaVu Sans"/>
+              </a:rPr>
+              <a:t>5.12.2017</a:t>
+            </a:r>
+            <a:endParaRPr b="0" lang="de-DE" sz="1200" spc="-1" strike="noStrike">
+              <a:solidFill>
+                <a:srgbClr val="000000"/>
+              </a:solidFill>
+              <a:uFill>
+                <a:solidFill>
+                  <a:srgbClr val="ffffff"/>
+                </a:solidFill>
+              </a:uFill>
+              <a:latin typeface="Arial"/>
+            </a:endParaRPr>
+          </a:p>
+        </p:txBody>
+      </p:sp>
+      <p:sp>
+        <p:nvSpPr>
+          <p:cNvPr id="126" name="CustomShape 3"/>
+          <p:cNvSpPr/>
+          <p:nvPr/>
+        </p:nvSpPr>
+        <p:spPr>
+          <a:xfrm>
+            <a:off x="4038480" y="6356520"/>
+            <a:ext cx="4113720" cy="363960"/>
+          </a:xfrm>
+          <a:prstGeom prst="rect">
+            <a:avLst/>
+          </a:prstGeom>
+          <a:noFill/>
+          <a:ln>
+            <a:noFill/>
+          </a:ln>
+        </p:spPr>
+        <p:style>
+          <a:lnRef idx="0"/>
+          <a:fillRef idx="0"/>
+          <a:effectRef idx="0"/>
+          <a:fontRef idx="minor"/>
+        </p:style>
+        <p:txBody>
+          <a:bodyPr lIns="90000" rIns="90000" tIns="45000" bIns="45000" anchor="ctr"/>
+          <a:p>
+            <a:pPr algn="ctr">
+              <a:lnSpc>
+                <a:spcPct val="100000"/>
+              </a:lnSpc>
+            </a:pPr>
+            <a:r>
+              <a:rPr b="0" lang="de-DE" sz="1200" spc="-1" strike="noStrike">
+                <a:solidFill>
+                  <a:srgbClr val="8b8b8b"/>
+                </a:solidFill>
+                <a:uFill>
+                  <a:solidFill>
+                    <a:srgbClr val="ffffff"/>
+                  </a:solidFill>
+                </a:uFill>
+                <a:latin typeface="Calibri"/>
+                <a:ea typeface="DejaVu Sans"/>
+              </a:rPr>
+              <a:t>Philipp Pelcz, Philipp Karcher, Jan-Luca Vettel</a:t>
+            </a:r>
+            <a:endParaRPr b="0" lang="de-DE" sz="1200" spc="-1" strike="noStrike">
+              <a:solidFill>
+                <a:srgbClr val="000000"/>
+              </a:solidFill>
+              <a:uFill>
+                <a:solidFill>
+                  <a:srgbClr val="ffffff"/>
+                </a:solidFill>
+              </a:uFill>
+              <a:latin typeface="Arial"/>
+            </a:endParaRPr>
+          </a:p>
+        </p:txBody>
+      </p:sp>
+      <p:sp>
+        <p:nvSpPr>
+          <p:cNvPr id="127" name="CustomShape 4"/>
+          <p:cNvSpPr/>
+          <p:nvPr/>
+        </p:nvSpPr>
+        <p:spPr>
+          <a:xfrm>
+            <a:off x="8610480" y="6356520"/>
+            <a:ext cx="2742120" cy="363960"/>
+          </a:xfrm>
+          <a:prstGeom prst="rect">
+            <a:avLst/>
+          </a:prstGeom>
+          <a:noFill/>
+          <a:ln>
+            <a:noFill/>
+          </a:ln>
+        </p:spPr>
+        <p:style>
+          <a:lnRef idx="0"/>
+          <a:fillRef idx="0"/>
+          <a:effectRef idx="0"/>
+          <a:fontRef idx="minor"/>
+        </p:style>
+        <p:txBody>
+          <a:bodyPr lIns="90000" rIns="90000" tIns="45000" bIns="45000" anchor="ctr"/>
+          <a:p>
+            <a:pPr algn="r">
+              <a:lnSpc>
+                <a:spcPct val="100000"/>
+              </a:lnSpc>
+            </a:pPr>
+            <a:fld id="{3A2312D5-55D7-4B64-AD46-796567ED52D0}" type="slidenum">
+              <a:rPr b="0" lang="de-DE" sz="1200" spc="-1" strike="noStrike">
+                <a:solidFill>
+                  <a:srgbClr val="8b8b8b"/>
+                </a:solidFill>
+                <a:uFill>
+                  <a:solidFill>
+                    <a:srgbClr val="ffffff"/>
+                  </a:solidFill>
+                </a:uFill>
+                <a:latin typeface="Calibri"/>
+                <a:ea typeface="DejaVu Sans"/>
+              </a:rPr>
+              <a:t>&lt;Foliennummer&gt;</a:t>
+            </a:fld>
+            <a:endParaRPr b="0" lang="de-DE" sz="1200" spc="-1" strike="noStrike">
+              <a:solidFill>
+                <a:srgbClr val="000000"/>
+              </a:solidFill>
+              <a:uFill>
+                <a:solidFill>
+                  <a:srgbClr val="ffffff"/>
+                </a:solidFill>
+              </a:uFill>
+              <a:latin typeface="Arial"/>
+            </a:endParaRPr>
+          </a:p>
+        </p:txBody>
+      </p:sp>
+      <p:pic>
+        <p:nvPicPr>
+          <p:cNvPr id="128" name="" descr=""/>
+          <p:cNvPicPr/>
+          <p:nvPr/>
+        </p:nvPicPr>
+        <p:blipFill>
+          <a:blip r:embed="rId1"/>
+          <a:stretch/>
+        </p:blipFill>
+        <p:spPr>
+          <a:xfrm>
+            <a:off x="752760" y="1604520"/>
+            <a:ext cx="5067000" cy="3977280"/>
+          </a:xfrm>
+          <a:prstGeom prst="rect">
+            <a:avLst/>
+          </a:prstGeom>
+          <a:ln>
+            <a:noFill/>
+          </a:ln>
+        </p:spPr>
+      </p:pic>
+      <p:sp>
+        <p:nvSpPr>
+          <p:cNvPr id="129" name="TextShape 5"/>
+          <p:cNvSpPr txBox="1"/>
+          <p:nvPr/>
+        </p:nvSpPr>
+        <p:spPr>
+          <a:xfrm>
+            <a:off x="6231960" y="1604520"/>
+            <a:ext cx="5354280" cy="3977280"/>
+          </a:xfrm>
+          <a:prstGeom prst="rect">
+            <a:avLst/>
+          </a:prstGeom>
+          <a:noFill/>
+          <a:ln>
+            <a:noFill/>
+          </a:ln>
+        </p:spPr>
+        <p:txBody>
+          <a:bodyPr lIns="0" rIns="0" tIns="0" bIns="0">
+            <a:normAutofit/>
+          </a:bodyPr>
+          <a:p>
+            <a:pPr marL="432000" indent="-324000">
+              <a:spcBef>
+                <a:spcPts val="1417"/>
+              </a:spcBef>
+              <a:buClr>
+                <a:srgbClr val="000000"/>
+              </a:buClr>
+              <a:buSzPct val="45000"/>
+              <a:buFont typeface="Wingdings" charset="2"/>
+              <a:buChar char=""/>
+            </a:pPr>
+            <a:r>
+              <a:rPr b="0" lang="de-DE" sz="3200" spc="-1" strike="noStrike">
+                <a:solidFill>
+                  <a:srgbClr val="000000"/>
+                </a:solidFill>
+                <a:uFill>
+                  <a:solidFill>
+                    <a:srgbClr val="ffffff"/>
+                  </a:solidFill>
+                </a:uFill>
+                <a:latin typeface="Arial"/>
+              </a:rPr>
+              <a:t>Operationen auf Objekten in DataModel</a:t>
+            </a:r>
+            <a:endParaRPr b="0" lang="de-DE" sz="3200" spc="-1" strike="noStrike">
+              <a:solidFill>
+                <a:srgbClr val="000000"/>
+              </a:solidFill>
+              <a:uFill>
+                <a:solidFill>
+                  <a:srgbClr val="ffffff"/>
+                </a:solidFill>
+              </a:uFill>
+              <a:latin typeface="Arial"/>
+            </a:endParaRPr>
+          </a:p>
+          <a:p>
+            <a:pPr marL="432000" indent="-324000">
+              <a:spcBef>
+                <a:spcPts val="1417"/>
+              </a:spcBef>
+              <a:buClr>
+                <a:srgbClr val="000000"/>
+              </a:buClr>
+              <a:buSzPct val="45000"/>
+              <a:buFont typeface="Wingdings" charset="2"/>
+              <a:buChar char=""/>
+            </a:pPr>
+            <a:r>
+              <a:rPr b="0" lang="de-DE" sz="3200" spc="-1" strike="noStrike">
+                <a:solidFill>
+                  <a:srgbClr val="000000"/>
+                </a:solidFill>
+                <a:uFill>
+                  <a:solidFill>
+                    <a:srgbClr val="ffffff"/>
+                  </a:solidFill>
+                </a:uFill>
+                <a:latin typeface="Arial"/>
+              </a:rPr>
+              <a:t>TODO (Besucher?)</a:t>
+            </a:r>
+            <a:endParaRPr b="0" lang="de-DE" sz="3200" spc="-1" strike="noStrike">
+              <a:solidFill>
+                <a:srgbClr val="000000"/>
+              </a:solidFill>
+              <a:uFill>
+                <a:solidFill>
+                  <a:srgbClr val="ffffff"/>
+                </a:solidFill>
+              </a:uFill>
+              <a:latin typeface="Arial"/>
+            </a:endParaRPr>
+          </a:p>
+        </p:txBody>
+      </p:sp>
+    </p:spTree>
+  </p:cSld>
+  <p:timing>
+    <p:tnLst>
+      <p:par>
+        <p:cTn id="19" dur="indefinite" restart="never" nodeType="tmRoot">
+          <p:childTnLst>
+            <p:seq>
+              <p:cTn id="20" nodeType="mainSeq"/>
+              <p:prevCondLst>
+                <p:cond delay="0" evt="onPrev">
+                  <p:tgtEl>
+                    <p:sldTgt/>
+                  </p:tgtEl>
+                </p:cond>
+              </p:prevCondLst>
+              <p:nextCondLst>
+                <p:cond delay="0" evt="onNext">
+                  <p:tgtEl>
+                    <p:sldTgt/>
+                  </p:tgtEl>
+                </p:cond>
+              </p:nextCondLst>
+            </p:seq>
+          </p:childTnLst>
+        </p:cTn>
+      </p:par>
+    </p:tnLst>
+  </p:timing>
+</p:sld>
+</file>
+
+<file path=ppt/slides/slide11.xml><?xml version="1.0" encoding="utf-8"?>
+<p:sld xmlns:a="http://schemas.openxmlformats.org/drawingml/2006/main" xmlns:p="http://schemas.openxmlformats.org/presentationml/2006/main" xmlns:r="http://schemas.openxmlformats.org/officeDocument/2006/relationships" xmlns:p14="http://schemas.microsoft.com/office/powerpoint/2010/main" xmlns:p15="http://schemas.microsoft.com/office/powerpoint/2012/main" xmlns:mc="http://schemas.openxmlformats.org/markup-compatibility/2006">
+  <p:cSld>
+    <p:spTree>
+      <p:nvGrpSpPr>
+        <p:cNvPr id="1" name=""/>
+        <p:cNvGrpSpPr/>
+        <p:nvPr/>
+      </p:nvGrpSpPr>
+      <p:grpSpPr>
+        <a:xfrm>
+          <a:off x="0" y="0"/>
+          <a:ext cx="0" cy="0"/>
+          <a:chOff x="0" y="0"/>
+          <a:chExt cx="0" cy="0"/>
+        </a:xfrm>
+      </p:grpSpPr>
+      <p:sp>
+        <p:nvSpPr>
+          <p:cNvPr id="130" name="CustomShape 1"/>
+          <p:cNvSpPr/>
+          <p:nvPr/>
+        </p:nvSpPr>
+        <p:spPr>
+          <a:xfrm>
+            <a:off x="838080" y="365040"/>
+            <a:ext cx="10514520" cy="1324440"/>
+          </a:xfrm>
+          <a:prstGeom prst="rect">
+            <a:avLst/>
+          </a:prstGeom>
+          <a:noFill/>
+          <a:ln>
+            <a:noFill/>
+          </a:ln>
+        </p:spPr>
+        <p:style>
+          <a:lnRef idx="0"/>
+          <a:fillRef idx="0"/>
+          <a:effectRef idx="0"/>
+          <a:fontRef idx="minor"/>
+        </p:style>
+        <p:txBody>
+          <a:bodyPr lIns="90000" rIns="90000" tIns="45000" bIns="45000" anchor="ctr"/>
+          <a:p>
+            <a:pPr algn="ctr">
+              <a:lnSpc>
+                <a:spcPct val="90000"/>
+              </a:lnSpc>
+            </a:pPr>
+            <a:r>
+              <a:rPr b="0" lang="de-DE" sz="4400" spc="-1" strike="noStrike">
+                <a:solidFill>
+                  <a:srgbClr val="000000"/>
+                </a:solidFill>
+                <a:uFill>
+                  <a:solidFill>
+                    <a:srgbClr val="ffffff"/>
+                  </a:solidFill>
+                </a:uFill>
+                <a:latin typeface="Calibri Light"/>
+                <a:ea typeface="DejaVu Sans"/>
+              </a:rPr>
+              <a:t>TransmissionModel</a:t>
+            </a:r>
+            <a:endParaRPr b="0" lang="de-DE" sz="4400" spc="-1" strike="noStrike">
+              <a:solidFill>
+                <a:srgbClr val="000000"/>
+              </a:solidFill>
+              <a:uFill>
+                <a:solidFill>
+                  <a:srgbClr val="ffffff"/>
+                </a:solidFill>
+              </a:uFill>
+              <a:latin typeface="Arial"/>
+            </a:endParaRPr>
+          </a:p>
+        </p:txBody>
+      </p:sp>
+      <p:sp>
+        <p:nvSpPr>
+          <p:cNvPr id="131" name="CustomShape 2"/>
+          <p:cNvSpPr/>
+          <p:nvPr/>
+        </p:nvSpPr>
+        <p:spPr>
+          <a:xfrm>
+            <a:off x="838080" y="6356520"/>
+            <a:ext cx="2742120" cy="363960"/>
+          </a:xfrm>
+          <a:prstGeom prst="rect">
+            <a:avLst/>
+          </a:prstGeom>
+          <a:noFill/>
+          <a:ln>
+            <a:noFill/>
+          </a:ln>
+        </p:spPr>
+        <p:style>
+          <a:lnRef idx="0"/>
+          <a:fillRef idx="0"/>
+          <a:effectRef idx="0"/>
+          <a:fontRef idx="minor"/>
+        </p:style>
+        <p:txBody>
+          <a:bodyPr lIns="90000" rIns="90000" tIns="45000" bIns="45000" anchor="ctr"/>
+          <a:p>
+            <a:pPr>
+              <a:lnSpc>
+                <a:spcPct val="100000"/>
+              </a:lnSpc>
+            </a:pPr>
+            <a:r>
+              <a:rPr b="0" lang="de-DE" sz="1200" spc="-1" strike="noStrike">
+                <a:solidFill>
+                  <a:srgbClr val="8b8b8b"/>
+                </a:solidFill>
+                <a:uFill>
+                  <a:solidFill>
+                    <a:srgbClr val="ffffff"/>
+                  </a:solidFill>
+                </a:uFill>
+                <a:latin typeface="Calibri"/>
+                <a:ea typeface="DejaVu Sans"/>
+              </a:rPr>
+              <a:t>5.12.2017</a:t>
+            </a:r>
+            <a:endParaRPr b="0" lang="de-DE" sz="1200" spc="-1" strike="noStrike">
+              <a:solidFill>
+                <a:srgbClr val="000000"/>
+              </a:solidFill>
+              <a:uFill>
+                <a:solidFill>
+                  <a:srgbClr val="ffffff"/>
+                </a:solidFill>
+              </a:uFill>
+              <a:latin typeface="Arial"/>
+            </a:endParaRPr>
+          </a:p>
+        </p:txBody>
+      </p:sp>
+      <p:sp>
+        <p:nvSpPr>
+          <p:cNvPr id="132" name="CustomShape 3"/>
+          <p:cNvSpPr/>
+          <p:nvPr/>
+        </p:nvSpPr>
+        <p:spPr>
+          <a:xfrm>
+            <a:off x="4038480" y="6356520"/>
+            <a:ext cx="4113720" cy="363960"/>
+          </a:xfrm>
+          <a:prstGeom prst="rect">
+            <a:avLst/>
+          </a:prstGeom>
+          <a:noFill/>
+          <a:ln>
+            <a:noFill/>
+          </a:ln>
+        </p:spPr>
+        <p:style>
+          <a:lnRef idx="0"/>
+          <a:fillRef idx="0"/>
+          <a:effectRef idx="0"/>
+          <a:fontRef idx="minor"/>
+        </p:style>
+        <p:txBody>
+          <a:bodyPr lIns="90000" rIns="90000" tIns="45000" bIns="45000" anchor="ctr"/>
+          <a:p>
+            <a:pPr algn="ctr">
+              <a:lnSpc>
+                <a:spcPct val="100000"/>
+              </a:lnSpc>
+            </a:pPr>
+            <a:r>
+              <a:rPr b="0" lang="de-DE" sz="1200" spc="-1" strike="noStrike">
+                <a:solidFill>
+                  <a:srgbClr val="8b8b8b"/>
+                </a:solidFill>
+                <a:uFill>
+                  <a:solidFill>
+                    <a:srgbClr val="ffffff"/>
+                  </a:solidFill>
+                </a:uFill>
+                <a:latin typeface="Calibri"/>
+                <a:ea typeface="DejaVu Sans"/>
+              </a:rPr>
+              <a:t>Philipp Pelcz, Philipp Karcher, Jan-Luca Vettel</a:t>
+            </a:r>
+            <a:endParaRPr b="0" lang="de-DE" sz="1200" spc="-1" strike="noStrike">
+              <a:solidFill>
+                <a:srgbClr val="000000"/>
+              </a:solidFill>
+              <a:uFill>
+                <a:solidFill>
+                  <a:srgbClr val="ffffff"/>
+                </a:solidFill>
+              </a:uFill>
+              <a:latin typeface="Arial"/>
+            </a:endParaRPr>
+          </a:p>
+        </p:txBody>
+      </p:sp>
+      <p:sp>
+        <p:nvSpPr>
+          <p:cNvPr id="133" name="CustomShape 4"/>
+          <p:cNvSpPr/>
+          <p:nvPr/>
+        </p:nvSpPr>
+        <p:spPr>
+          <a:xfrm>
+            <a:off x="8610480" y="6356520"/>
+            <a:ext cx="2742120" cy="363960"/>
+          </a:xfrm>
+          <a:prstGeom prst="rect">
+            <a:avLst/>
+          </a:prstGeom>
+          <a:noFill/>
+          <a:ln>
+            <a:noFill/>
+          </a:ln>
+        </p:spPr>
+        <p:style>
+          <a:lnRef idx="0"/>
+          <a:fillRef idx="0"/>
+          <a:effectRef idx="0"/>
+          <a:fontRef idx="minor"/>
+        </p:style>
+        <p:txBody>
+          <a:bodyPr lIns="90000" rIns="90000" tIns="45000" bIns="45000" anchor="ctr"/>
+          <a:p>
+            <a:pPr algn="r">
+              <a:lnSpc>
+                <a:spcPct val="100000"/>
+              </a:lnSpc>
+            </a:pPr>
+            <a:fld id="{79E3F3E1-5D39-41B7-867B-25870F118EBA}" type="slidenum">
+              <a:rPr b="0" lang="de-DE" sz="1200" spc="-1" strike="noStrike">
+                <a:solidFill>
+                  <a:srgbClr val="8b8b8b"/>
+                </a:solidFill>
+                <a:uFill>
+                  <a:solidFill>
+                    <a:srgbClr val="ffffff"/>
+                  </a:solidFill>
+                </a:uFill>
+                <a:latin typeface="Calibri"/>
+                <a:ea typeface="DejaVu Sans"/>
+              </a:rPr>
+              <a:t>&lt;Foliennummer&gt;</a:t>
+            </a:fld>
+            <a:endParaRPr b="0" lang="de-DE" sz="1200" spc="-1" strike="noStrike">
+              <a:solidFill>
+                <a:srgbClr val="000000"/>
+              </a:solidFill>
+              <a:uFill>
+                <a:solidFill>
+                  <a:srgbClr val="ffffff"/>
+                </a:solidFill>
+              </a:uFill>
+              <a:latin typeface="Arial"/>
+            </a:endParaRPr>
+          </a:p>
+        </p:txBody>
+      </p:sp>
+      <p:pic>
+        <p:nvPicPr>
+          <p:cNvPr id="134" name="" descr=""/>
+          <p:cNvPicPr/>
+          <p:nvPr/>
+        </p:nvPicPr>
+        <p:blipFill>
+          <a:blip r:embed="rId1"/>
+          <a:stretch/>
+        </p:blipFill>
+        <p:spPr>
+          <a:xfrm>
+            <a:off x="752760" y="1604520"/>
+            <a:ext cx="5067000" cy="3977280"/>
+          </a:xfrm>
+          <a:prstGeom prst="rect">
+            <a:avLst/>
+          </a:prstGeom>
+          <a:ln>
+            <a:noFill/>
+          </a:ln>
+        </p:spPr>
+      </p:pic>
+      <p:sp>
+        <p:nvSpPr>
+          <p:cNvPr id="135" name="TextShape 5"/>
+          <p:cNvSpPr txBox="1"/>
+          <p:nvPr/>
+        </p:nvSpPr>
+        <p:spPr>
+          <a:xfrm>
+            <a:off x="6231960" y="1604520"/>
+            <a:ext cx="5354280" cy="3977280"/>
+          </a:xfrm>
+          <a:prstGeom prst="rect">
+            <a:avLst/>
+          </a:prstGeom>
+          <a:noFill/>
+          <a:ln>
+            <a:noFill/>
+          </a:ln>
+        </p:spPr>
+        <p:txBody>
+          <a:bodyPr lIns="0" rIns="0" tIns="0" bIns="0">
+            <a:normAutofit/>
+          </a:bodyPr>
+          <a:p>
+            <a:pPr marL="432000" indent="-324000">
+              <a:spcBef>
+                <a:spcPts val="1417"/>
+              </a:spcBef>
+              <a:buClr>
+                <a:srgbClr val="000000"/>
+              </a:buClr>
+              <a:buSzPct val="45000"/>
+              <a:buFont typeface="Wingdings" charset="2"/>
+              <a:buChar char=""/>
+            </a:pPr>
+            <a:r>
+              <a:rPr b="0" lang="de-DE" sz="3200" spc="-1" strike="noStrike">
+                <a:solidFill>
+                  <a:srgbClr val="000000"/>
+                </a:solidFill>
+                <a:uFill>
+                  <a:solidFill>
+                    <a:srgbClr val="ffffff"/>
+                  </a:solidFill>
+                </a:uFill>
+                <a:latin typeface="Arial"/>
+              </a:rPr>
+              <a:t>Datenübertragunslogik </a:t>
+            </a:r>
+            <a:endParaRPr b="0" lang="de-DE" sz="3200" spc="-1" strike="noStrike">
+              <a:solidFill>
+                <a:srgbClr val="000000"/>
+              </a:solidFill>
+              <a:uFill>
+                <a:solidFill>
+                  <a:srgbClr val="ffffff"/>
+                </a:solidFill>
+              </a:uFill>
+              <a:latin typeface="Arial"/>
+            </a:endParaRPr>
+          </a:p>
+          <a:p>
+            <a:pPr marL="432000" indent="-324000">
+              <a:spcBef>
+                <a:spcPts val="1417"/>
+              </a:spcBef>
+              <a:buClr>
+                <a:srgbClr val="000000"/>
+              </a:buClr>
+              <a:buSzPct val="45000"/>
+              <a:buFont typeface="Wingdings" charset="2"/>
+              <a:buChar char=""/>
+            </a:pPr>
+            <a:r>
+              <a:rPr b="0" lang="de-DE" sz="3200" spc="-1" strike="noStrike">
+                <a:solidFill>
+                  <a:srgbClr val="000000"/>
+                </a:solidFill>
+                <a:uFill>
+                  <a:solidFill>
+                    <a:srgbClr val="ffffff"/>
+                  </a:solidFill>
+                </a:uFill>
+                <a:latin typeface="Arial"/>
+              </a:rPr>
+              <a:t>TODO</a:t>
+            </a:r>
+            <a:endParaRPr b="0" lang="de-DE" sz="3200" spc="-1" strike="noStrike">
+              <a:solidFill>
+                <a:srgbClr val="000000"/>
+              </a:solidFill>
+              <a:uFill>
+                <a:solidFill>
+                  <a:srgbClr val="ffffff"/>
+                </a:solidFill>
+              </a:uFill>
+              <a:latin typeface="Arial"/>
+            </a:endParaRPr>
+          </a:p>
+        </p:txBody>
+      </p:sp>
+    </p:spTree>
+  </p:cSld>
+  <p:timing>
+    <p:tnLst>
+      <p:par>
+        <p:cTn id="21" dur="indefinite" restart="never" nodeType="tmRoot">
+          <p:childTnLst>
+            <p:seq>
+              <p:cTn id="22" nodeType="mainSeq"/>
+              <p:prevCondLst>
+                <p:cond delay="0" evt="onPrev">
+                  <p:tgtEl>
+                    <p:sldTgt/>
+                  </p:tgtEl>
+                </p:cond>
+              </p:prevCondLst>
+              <p:nextCondLst>
+                <p:cond delay="0" evt="onNext">
+                  <p:tgtEl>
+                    <p:sldTgt/>
+                  </p:tgtEl>
+                </p:cond>
+              </p:nextCondLst>
+            </p:seq>
+          </p:childTnLst>
+        </p:cTn>
+      </p:par>
+    </p:tnLst>
+  </p:timing>
+</p:sld>
+</file>
+
+<file path=ppt/slides/slide12.xml><?xml version="1.0" encoding="utf-8"?>
+<p:sld xmlns:a="http://schemas.openxmlformats.org/drawingml/2006/main" xmlns:p="http://schemas.openxmlformats.org/presentationml/2006/main" xmlns:r="http://schemas.openxmlformats.org/officeDocument/2006/relationships" xmlns:p14="http://schemas.microsoft.com/office/powerpoint/2010/main" xmlns:p15="http://schemas.microsoft.com/office/powerpoint/2012/main" xmlns:mc="http://schemas.openxmlformats.org/markup-compatibility/2006">
+  <p:cSld>
+    <p:spTree>
+      <p:nvGrpSpPr>
+        <p:cNvPr id="1" name=""/>
+        <p:cNvGrpSpPr/>
+        <p:nvPr/>
+      </p:nvGrpSpPr>
+      <p:grpSpPr>
+        <a:xfrm>
+          <a:off x="0" y="0"/>
+          <a:ext cx="0" cy="0"/>
+          <a:chOff x="0" y="0"/>
+          <a:chExt cx="0" cy="0"/>
+        </a:xfrm>
+      </p:grpSpPr>
+      <p:sp>
+        <p:nvSpPr>
+          <p:cNvPr id="136" name="TextShape 1"/>
+          <p:cNvSpPr txBox="1"/>
+          <p:nvPr/>
+        </p:nvSpPr>
+        <p:spPr>
+          <a:xfrm>
+            <a:off x="609480" y="273600"/>
+            <a:ext cx="10972440" cy="1144800"/>
+          </a:xfrm>
+          <a:prstGeom prst="rect">
+            <a:avLst/>
+          </a:prstGeom>
+          <a:noFill/>
+          <a:ln>
+            <a:noFill/>
+          </a:ln>
+        </p:spPr>
+        <p:txBody>
+          <a:bodyPr lIns="0" rIns="0" tIns="0" bIns="0" anchor="ctr"/>
+          <a:p>
+            <a:pPr algn="ctr"/>
+            <a:endParaRPr b="0" lang="de-DE" sz="4400" spc="-1" strike="noStrike">
+              <a:solidFill>
+                <a:srgbClr val="000000"/>
+              </a:solidFill>
+              <a:uFill>
+                <a:solidFill>
+                  <a:srgbClr val="ffffff"/>
+                </a:solidFill>
+              </a:uFill>
+              <a:latin typeface="Arial"/>
+            </a:endParaRPr>
+          </a:p>
+        </p:txBody>
+      </p:sp>
+      <p:sp>
+        <p:nvSpPr>
+          <p:cNvPr id="137" name="TextShape 2"/>
+          <p:cNvSpPr txBox="1"/>
+          <p:nvPr/>
+        </p:nvSpPr>
+        <p:spPr>
+          <a:xfrm>
+            <a:off x="609480" y="1604520"/>
+            <a:ext cx="5354280" cy="3977280"/>
+          </a:xfrm>
+          <a:prstGeom prst="rect">
+            <a:avLst/>
+          </a:prstGeom>
+          <a:noFill/>
+          <a:ln>
+            <a:noFill/>
+          </a:ln>
+        </p:spPr>
+        <p:txBody>
+          <a:bodyPr lIns="0" rIns="0" tIns="0" bIns="0">
+            <a:normAutofit/>
+          </a:bodyPr>
+          <a:p>
+            <a:endParaRPr b="0" lang="de-DE" sz="3200" spc="-1" strike="noStrike">
+              <a:solidFill>
+                <a:srgbClr val="000000"/>
+              </a:solidFill>
+              <a:uFill>
+                <a:solidFill>
+                  <a:srgbClr val="ffffff"/>
+                </a:solidFill>
+              </a:uFill>
+              <a:latin typeface="Arial"/>
+            </a:endParaRPr>
+          </a:p>
+        </p:txBody>
+      </p:sp>
+      <p:sp>
+        <p:nvSpPr>
+          <p:cNvPr id="138" name="TextShape 3"/>
+          <p:cNvSpPr txBox="1"/>
+          <p:nvPr/>
+        </p:nvSpPr>
+        <p:spPr>
+          <a:xfrm>
+            <a:off x="6231960" y="1604520"/>
+            <a:ext cx="5354280" cy="3977280"/>
+          </a:xfrm>
+          <a:prstGeom prst="rect">
+            <a:avLst/>
+          </a:prstGeom>
+          <a:noFill/>
+          <a:ln>
+            <a:noFill/>
+          </a:ln>
+        </p:spPr>
+        <p:txBody>
+          <a:bodyPr lIns="0" rIns="0" tIns="0" bIns="0">
+            <a:normAutofit/>
+          </a:bodyPr>
+          <a:p>
+            <a:endParaRPr b="0" lang="de-DE" sz="3200" spc="-1" strike="noStrike">
+              <a:solidFill>
+                <a:srgbClr val="000000"/>
+              </a:solidFill>
+              <a:uFill>
+                <a:solidFill>
+                  <a:srgbClr val="ffffff"/>
+                </a:solidFill>
+              </a:uFill>
+              <a:latin typeface="Arial"/>
+            </a:endParaRPr>
+          </a:p>
+        </p:txBody>
+      </p:sp>
+    </p:spTree>
+  </p:cSld>
+</p:sld>
+</file>
+
 <file path=ppt/slides/slide2.xml><?xml version="1.0" encoding="utf-8"?>
 <p:sld xmlns:a="http://schemas.openxmlformats.org/drawingml/2006/main" xmlns:p="http://schemas.openxmlformats.org/presentationml/2006/main" xmlns:r="http://schemas.openxmlformats.org/officeDocument/2006/relationships" xmlns:p14="http://schemas.microsoft.com/office/powerpoint/2010/main" xmlns:p15="http://schemas.microsoft.com/office/powerpoint/2012/main" xmlns:mc="http://schemas.openxmlformats.org/markup-compatibility/2006">
   <p:cSld>
@@ -4214,7 +5198,7 @@
         <p:spPr>
           <a:xfrm>
             <a:off x="838080" y="365040"/>
-            <a:ext cx="10514880" cy="1324800"/>
+            <a:ext cx="10514520" cy="1324440"/>
           </a:xfrm>
           <a:prstGeom prst="rect">
             <a:avLst/>
@@ -4249,6 +5233,7 @@
                   </a:solidFill>
                 </a:uFill>
                 <a:latin typeface="Calibri Light"/>
+                <a:ea typeface="DejaVu Sans"/>
               </a:rPr>
               <a:t>UML Tool</a:t>
             </a:r>
@@ -4275,7 +5260,7 @@
         <p:spPr>
           <a:xfrm>
             <a:off x="838080" y="1825560"/>
-            <a:ext cx="10514880" cy="4350600"/>
+            <a:ext cx="10514520" cy="4350240"/>
           </a:xfrm>
           <a:prstGeom prst="rect">
             <a:avLst/>
@@ -4294,7 +5279,7 @@
         <p:txBody>
           <a:bodyPr lIns="90000" rIns="90000" tIns="45000" bIns="45000"/>
           <a:p>
-            <a:pPr marL="228600" indent="-227880">
+            <a:pPr marL="228600" indent="-227520">
               <a:lnSpc>
                 <a:spcPct val="90000"/>
               </a:lnSpc>
@@ -4318,6 +5303,7 @@
                   </a:solidFill>
                 </a:uFill>
                 <a:latin typeface="Calibri"/>
+                <a:ea typeface="DejaVu Sans"/>
               </a:rPr>
               <a:t>Astah</a:t>
             </a:r>
@@ -4334,7 +5320,7 @@
             </a:endParaRPr>
           </a:p>
           <a:p>
-            <a:pPr marL="228600" indent="-227880">
+            <a:pPr marL="228600" indent="-227520">
               <a:lnSpc>
                 <a:spcPct val="90000"/>
               </a:lnSpc>
@@ -4358,6 +5344,7 @@
                   </a:solidFill>
                 </a:uFill>
                 <a:latin typeface="Calibri"/>
+                <a:ea typeface="DejaVu Sans"/>
               </a:rPr>
               <a:t>Professional umsonst für Studenten</a:t>
             </a:r>
@@ -4374,7 +5361,7 @@
             </a:endParaRPr>
           </a:p>
           <a:p>
-            <a:pPr marL="228600" indent="-227880">
+            <a:pPr marL="228600" indent="-227520">
               <a:lnSpc>
                 <a:spcPct val="90000"/>
               </a:lnSpc>
@@ -4398,6 +5385,7 @@
                   </a:solidFill>
                 </a:uFill>
                 <a:latin typeface="Calibri"/>
+                <a:ea typeface="DejaVu Sans"/>
               </a:rPr>
               <a:t>Code Generierung, etc.</a:t>
             </a:r>
@@ -4424,7 +5412,7 @@
         <p:spPr>
           <a:xfrm>
             <a:off x="838080" y="6356520"/>
-            <a:ext cx="2742480" cy="364320"/>
+            <a:ext cx="2742120" cy="363960"/>
           </a:xfrm>
           <a:prstGeom prst="rect">
             <a:avLst/>
@@ -4459,6 +5447,7 @@
                   </a:solidFill>
                 </a:uFill>
                 <a:latin typeface="Calibri"/>
+                <a:ea typeface="DejaVu Sans"/>
               </a:rPr>
               <a:t>5.12.2017</a:t>
             </a:r>
@@ -4485,7 +5474,7 @@
         <p:spPr>
           <a:xfrm>
             <a:off x="4038480" y="6356520"/>
-            <a:ext cx="4114080" cy="364320"/>
+            <a:ext cx="4113720" cy="363960"/>
           </a:xfrm>
           <a:prstGeom prst="rect">
             <a:avLst/>
@@ -4520,6 +5509,7 @@
                   </a:solidFill>
                 </a:uFill>
                 <a:latin typeface="Calibri"/>
+                <a:ea typeface="DejaVu Sans"/>
               </a:rPr>
               <a:t>Philipp Pelcz, Philipp Karcher, Jan-Luca Vettel</a:t>
             </a:r>
@@ -4546,7 +5536,7 @@
         <p:spPr>
           <a:xfrm>
             <a:off x="8610480" y="6356520"/>
-            <a:ext cx="2742480" cy="364320"/>
+            <a:ext cx="2742120" cy="363960"/>
           </a:xfrm>
           <a:prstGeom prst="rect">
             <a:avLst/>
@@ -4570,7 +5560,7 @@
                 <a:spcPct val="100000"/>
               </a:lnSpc>
             </a:pPr>
-            <a:fld id="{EC409342-0FDF-43BC-A771-CD85F093FB27}" type="slidenum">
+            <a:fld id="{7F00EB24-240D-46AD-B2DC-BED6A9CB7EA9}" type="slidenum">
               <a:rPr b="0" lang="de-DE" sz="1200" spc="-1" strike="noStrike">
                 <a:solidFill>
                   <a:srgbClr val="8b8b8b"/>
@@ -4581,6 +5571,7 @@
                   </a:solidFill>
                 </a:uFill>
                 <a:latin typeface="Calibri"/>
+                <a:ea typeface="DejaVu Sans"/>
               </a:rPr>
               <a:t>1</a:t>
             </a:fld>
@@ -4656,7 +5647,7 @@
         <p:spPr>
           <a:xfrm>
             <a:off x="838080" y="365040"/>
-            <a:ext cx="10514880" cy="1324800"/>
+            <a:ext cx="10514520" cy="1324440"/>
           </a:xfrm>
           <a:prstGeom prst="rect">
             <a:avLst/>
@@ -4691,6 +5682,7 @@
                   </a:solidFill>
                 </a:uFill>
                 <a:latin typeface="Calibri Light"/>
+                <a:ea typeface="DejaVu Sans"/>
               </a:rPr>
               <a:t>Überblick</a:t>
             </a:r>
@@ -4717,7 +5709,7 @@
         <p:spPr>
           <a:xfrm>
             <a:off x="838080" y="6356520"/>
-            <a:ext cx="2742480" cy="364320"/>
+            <a:ext cx="2742120" cy="363960"/>
           </a:xfrm>
           <a:prstGeom prst="rect">
             <a:avLst/>
@@ -4752,6 +5744,7 @@
                   </a:solidFill>
                 </a:uFill>
                 <a:latin typeface="Calibri"/>
+                <a:ea typeface="DejaVu Sans"/>
               </a:rPr>
               <a:t>5.12.2017</a:t>
             </a:r>
@@ -4778,7 +5771,7 @@
         <p:spPr>
           <a:xfrm>
             <a:off x="4038480" y="6356520"/>
-            <a:ext cx="4114080" cy="364320"/>
+            <a:ext cx="4113720" cy="363960"/>
           </a:xfrm>
           <a:prstGeom prst="rect">
             <a:avLst/>
@@ -4813,6 +5806,7 @@
                   </a:solidFill>
                 </a:uFill>
                 <a:latin typeface="Calibri"/>
+                <a:ea typeface="DejaVu Sans"/>
               </a:rPr>
               <a:t>Philipp Pelcz, Philipp Karcher, Jan-Luca Vettel</a:t>
             </a:r>
@@ -4839,7 +5833,7 @@
         <p:spPr>
           <a:xfrm>
             <a:off x="8610480" y="6356520"/>
-            <a:ext cx="2742480" cy="364320"/>
+            <a:ext cx="2742120" cy="363960"/>
           </a:xfrm>
           <a:prstGeom prst="rect">
             <a:avLst/>
@@ -4863,7 +5857,7 @@
                 <a:spcPct val="100000"/>
               </a:lnSpc>
             </a:pPr>
-            <a:fld id="{4D827C32-0CCB-4A07-900D-BB23AA503A39}" type="slidenum">
+            <a:fld id="{45882F74-6074-4F9E-9BB0-29AC19BF3DA4}" type="slidenum">
               <a:rPr b="0" lang="de-DE" sz="1200" spc="-1" strike="noStrike">
                 <a:solidFill>
                   <a:srgbClr val="8b8b8b"/>
@@ -4874,6 +5868,7 @@
                   </a:solidFill>
                 </a:uFill>
                 <a:latin typeface="Calibri"/>
+                <a:ea typeface="DejaVu Sans"/>
               </a:rPr>
               <a:t>1</a:t>
             </a:fld>
@@ -4903,8 +5898,8 @@
         </p:blipFill>
         <p:spPr>
           <a:xfrm>
-            <a:off x="3060000" y="1561680"/>
-            <a:ext cx="6119640" cy="4683240"/>
+            <a:off x="752760" y="1604520"/>
+            <a:ext cx="5067000" cy="3977280"/>
           </a:xfrm>
           <a:prstGeom prst="rect">
             <a:avLst/>
@@ -4914,6 +5909,145 @@
           </a:ln>
         </p:spPr>
       </p:pic>
+      <p:sp>
+        <p:nvSpPr>
+          <p:cNvPr id="89" name="TextShape 5"/>
+          <p:cNvSpPr txBox="1"/>
+          <p:nvPr/>
+        </p:nvSpPr>
+        <p:spPr>
+          <a:xfrm>
+            <a:off x="6231960" y="1604520"/>
+            <a:ext cx="5354280" cy="3977280"/>
+          </a:xfrm>
+          <a:prstGeom prst="rect">
+            <a:avLst/>
+          </a:prstGeom>
+          <a:noFill/>
+          <a:ln>
+            <a:noFill/>
+          </a:ln>
+        </p:spPr>
+        <p:txBody>
+          <a:bodyPr lIns="0" rIns="0" tIns="0" bIns="0">
+            <a:normAutofit/>
+          </a:bodyPr>
+          <a:p>
+            <a:pPr marL="432000" indent="-324000">
+              <a:spcBef>
+                <a:spcPts val="1417"/>
+              </a:spcBef>
+              <a:buClr>
+                <a:srgbClr val="000000"/>
+              </a:buClr>
+              <a:buSzPct val="45000"/>
+              <a:buFont typeface="Wingdings" charset="2"/>
+              <a:buChar char=""/>
+            </a:pPr>
+            <a:r>
+              <a:rPr b="0" lang="de-DE" sz="3200" spc="-1" strike="noStrike">
+                <a:solidFill>
+                  <a:srgbClr val="000000"/>
+                </a:solidFill>
+                <a:uFill>
+                  <a:solidFill>
+                    <a:srgbClr val="ffffff"/>
+                  </a:solidFill>
+                </a:uFill>
+                <a:latin typeface="Arial"/>
+              </a:rPr>
+              <a:t>Model View Presenter mit passivem View</a:t>
+            </a:r>
+            <a:endParaRPr b="0" lang="de-DE" sz="3200" spc="-1" strike="noStrike">
+              <a:solidFill>
+                <a:srgbClr val="000000"/>
+              </a:solidFill>
+              <a:uFill>
+                <a:solidFill>
+                  <a:srgbClr val="ffffff"/>
+                </a:solidFill>
+              </a:uFill>
+              <a:latin typeface="Arial"/>
+            </a:endParaRPr>
+          </a:p>
+          <a:p>
+            <a:pPr marL="432000" indent="-324000">
+              <a:spcBef>
+                <a:spcPts val="1417"/>
+              </a:spcBef>
+              <a:buClr>
+                <a:srgbClr val="000000"/>
+              </a:buClr>
+              <a:buSzPct val="45000"/>
+              <a:buFont typeface="Wingdings" charset="2"/>
+              <a:buChar char=""/>
+            </a:pPr>
+            <a:r>
+              <a:rPr b="0" lang="de-DE" sz="3200" spc="-1" strike="noStrike">
+                <a:solidFill>
+                  <a:srgbClr val="000000"/>
+                </a:solidFill>
+                <a:uFill>
+                  <a:solidFill>
+                    <a:srgbClr val="ffffff"/>
+                  </a:solidFill>
+                </a:uFill>
+                <a:latin typeface="Arial"/>
+              </a:rPr>
+              <a:t>Presenter kennt View/Model über ihre Schnittstelle</a:t>
+            </a:r>
+            <a:endParaRPr b="0" lang="de-DE" sz="3200" spc="-1" strike="noStrike">
+              <a:solidFill>
+                <a:srgbClr val="000000"/>
+              </a:solidFill>
+              <a:uFill>
+                <a:solidFill>
+                  <a:srgbClr val="ffffff"/>
+                </a:solidFill>
+              </a:uFill>
+              <a:latin typeface="Arial"/>
+            </a:endParaRPr>
+          </a:p>
+          <a:p>
+            <a:pPr marL="432000" indent="-324000">
+              <a:spcBef>
+                <a:spcPts val="1417"/>
+              </a:spcBef>
+              <a:buClr>
+                <a:srgbClr val="000000"/>
+              </a:buClr>
+              <a:buSzPct val="45000"/>
+              <a:buFont typeface="Wingdings" charset="2"/>
+              <a:buChar char=""/>
+            </a:pPr>
+            <a:r>
+              <a:rPr b="0" lang="de-DE" sz="3200" spc="-1" strike="noStrike">
+                <a:solidFill>
+                  <a:srgbClr val="000000"/>
+                </a:solidFill>
+                <a:uFill>
+                  <a:solidFill>
+                    <a:srgbClr val="ffffff"/>
+                  </a:solidFill>
+                </a:uFill>
+                <a:latin typeface="Arial"/>
+              </a:rPr>
+              <a:t>UI-Logik komplett im Presenter</a:t>
+            </a:r>
+            <a:endParaRPr b="0" lang="de-DE" sz="3200" spc="-1" strike="noStrike">
+              <a:solidFill>
+                <a:srgbClr val="000000"/>
+              </a:solidFill>
+              <a:uFill>
+                <a:solidFill>
+                  <a:srgbClr val="ffffff"/>
+                </a:solidFill>
+              </a:uFill>
+              <a:latin typeface="Arial"/>
+            </a:endParaRPr>
+          </a:p>
+        </p:txBody>
+      </p:sp>
     </p:spTree>
   </p:cSld>
   <p:timing>
@@ -4965,14 +6099,14 @@
       </p:grpSpPr>
       <p:sp>
         <p:nvSpPr>
-          <p:cNvPr id="89" name="CustomShape 1"/>
+          <p:cNvPr id="90" name="CustomShape 1"/>
           <p:cNvSpPr/>
           <p:nvPr/>
         </p:nvSpPr>
         <p:spPr>
           <a:xfrm>
             <a:off x="838080" y="365040"/>
-            <a:ext cx="10514880" cy="1324800"/>
+            <a:ext cx="10514520" cy="1324440"/>
           </a:xfrm>
           <a:prstGeom prst="rect">
             <a:avLst/>
@@ -5007,8 +6141,9 @@
                   </a:solidFill>
                 </a:uFill>
                 <a:latin typeface="Calibri Light"/>
+                <a:ea typeface="DejaVu Sans"/>
               </a:rPr>
-              <a:t>DataModel</a:t>
+              <a:t>Überblick</a:t>
             </a:r>
             <a:endParaRPr b="0" lang="de-DE" sz="4400" spc="-1" strike="noStrike">
               <a:solidFill>
@@ -5026,14 +6161,14 @@
       </p:sp>
       <p:sp>
         <p:nvSpPr>
-          <p:cNvPr id="90" name="CustomShape 2"/>
+          <p:cNvPr id="91" name="CustomShape 2"/>
           <p:cNvSpPr/>
           <p:nvPr/>
         </p:nvSpPr>
         <p:spPr>
           <a:xfrm>
             <a:off x="838080" y="6356520"/>
-            <a:ext cx="2742480" cy="364320"/>
+            <a:ext cx="2742120" cy="363960"/>
           </a:xfrm>
           <a:prstGeom prst="rect">
             <a:avLst/>
@@ -5068,6 +6203,7 @@
                   </a:solidFill>
                 </a:uFill>
                 <a:latin typeface="Calibri"/>
+                <a:ea typeface="DejaVu Sans"/>
               </a:rPr>
               <a:t>5.12.2017</a:t>
             </a:r>
@@ -5087,14 +6223,14 @@
       </p:sp>
       <p:sp>
         <p:nvSpPr>
-          <p:cNvPr id="91" name="CustomShape 3"/>
+          <p:cNvPr id="92" name="CustomShape 3"/>
           <p:cNvSpPr/>
           <p:nvPr/>
         </p:nvSpPr>
         <p:spPr>
           <a:xfrm>
             <a:off x="4038480" y="6356520"/>
-            <a:ext cx="4114080" cy="364320"/>
+            <a:ext cx="4113720" cy="363960"/>
           </a:xfrm>
           <a:prstGeom prst="rect">
             <a:avLst/>
@@ -5129,6 +6265,7 @@
                   </a:solidFill>
                 </a:uFill>
                 <a:latin typeface="Calibri"/>
+                <a:ea typeface="DejaVu Sans"/>
               </a:rPr>
               <a:t>Philipp Pelcz, Philipp Karcher, Jan-Luca Vettel</a:t>
             </a:r>
@@ -5148,14 +6285,14 @@
       </p:sp>
       <p:sp>
         <p:nvSpPr>
-          <p:cNvPr id="92" name="CustomShape 4"/>
+          <p:cNvPr id="93" name="CustomShape 4"/>
           <p:cNvSpPr/>
           <p:nvPr/>
         </p:nvSpPr>
         <p:spPr>
           <a:xfrm>
             <a:off x="8610480" y="6356520"/>
-            <a:ext cx="2742480" cy="364320"/>
+            <a:ext cx="2742120" cy="363960"/>
           </a:xfrm>
           <a:prstGeom prst="rect">
             <a:avLst/>
@@ -5179,7 +6316,7 @@
                 <a:spcPct val="100000"/>
               </a:lnSpc>
             </a:pPr>
-            <a:fld id="{9E5FF801-3E97-4EA8-9091-3D9B7F7A7FEF}" type="slidenum">
+            <a:fld id="{2733E00B-28BE-4226-A35B-FBCB6DFBFED5}" type="slidenum">
               <a:rPr b="0" lang="de-DE" sz="1200" spc="-1" strike="noStrike">
                 <a:solidFill>
                   <a:srgbClr val="8b8b8b"/>
@@ -5190,6 +6327,7 @@
                   </a:solidFill>
                 </a:uFill>
                 <a:latin typeface="Calibri"/>
+                <a:ea typeface="DejaVu Sans"/>
               </a:rPr>
               <a:t>1</a:t>
             </a:fld>
@@ -5209,7 +6347,7 @@
       </p:sp>
       <p:pic>
         <p:nvPicPr>
-          <p:cNvPr id="93" name="" descr=""/>
+          <p:cNvPr id="94" name="" descr=""/>
           <p:cNvPicPr/>
           <p:nvPr/>
         </p:nvPicPr>
@@ -5219,8 +6357,8 @@
         </p:blipFill>
         <p:spPr>
           <a:xfrm>
-            <a:off x="1584000" y="1512000"/>
-            <a:ext cx="8712000" cy="4769280"/>
+            <a:off x="752760" y="1604520"/>
+            <a:ext cx="5067000" cy="3977280"/>
           </a:xfrm>
           <a:prstGeom prst="rect">
             <a:avLst/>
@@ -5230,6 +6368,183 @@
           </a:ln>
         </p:spPr>
       </p:pic>
+      <p:sp>
+        <p:nvSpPr>
+          <p:cNvPr id="95" name="TextShape 5"/>
+          <p:cNvSpPr txBox="1"/>
+          <p:nvPr/>
+        </p:nvSpPr>
+        <p:spPr>
+          <a:xfrm>
+            <a:off x="6231960" y="1604520"/>
+            <a:ext cx="5354280" cy="3977280"/>
+          </a:xfrm>
+          <a:prstGeom prst="rect">
+            <a:avLst/>
+          </a:prstGeom>
+          <a:noFill/>
+          <a:ln>
+            <a:noFill/>
+          </a:ln>
+        </p:spPr>
+        <p:txBody>
+          <a:bodyPr lIns="0" rIns="0" tIns="0" bIns="0">
+            <a:normAutofit/>
+          </a:bodyPr>
+          <a:p>
+            <a:pPr marL="432000" indent="-324000">
+              <a:spcBef>
+                <a:spcPts val="1417"/>
+              </a:spcBef>
+              <a:buClr>
+                <a:srgbClr val="000000"/>
+              </a:buClr>
+              <a:buSzPct val="45000"/>
+              <a:buFont typeface="Wingdings" charset="2"/>
+              <a:buChar char=""/>
+            </a:pPr>
+            <a:r>
+              <a:rPr b="0" lang="de-DE" sz="3200" spc="-1" strike="noStrike">
+                <a:solidFill>
+                  <a:srgbClr val="000000"/>
+                </a:solidFill>
+                <a:uFill>
+                  <a:solidFill>
+                    <a:srgbClr val="ffffff"/>
+                  </a:solidFill>
+                </a:uFill>
+                <a:latin typeface="Arial"/>
+              </a:rPr>
+              <a:t>View registriert Benutzereingabe</a:t>
+            </a:r>
+            <a:endParaRPr b="0" lang="de-DE" sz="3200" spc="-1" strike="noStrike">
+              <a:solidFill>
+                <a:srgbClr val="000000"/>
+              </a:solidFill>
+              <a:uFill>
+                <a:solidFill>
+                  <a:srgbClr val="ffffff"/>
+                </a:solidFill>
+              </a:uFill>
+              <a:latin typeface="Arial"/>
+            </a:endParaRPr>
+          </a:p>
+          <a:p>
+            <a:pPr marL="432000" indent="-324000">
+              <a:spcBef>
+                <a:spcPts val="1417"/>
+              </a:spcBef>
+              <a:buClr>
+                <a:srgbClr val="000000"/>
+              </a:buClr>
+              <a:buSzPct val="45000"/>
+              <a:buFont typeface="Wingdings" charset="2"/>
+              <a:buChar char=""/>
+            </a:pPr>
+            <a:r>
+              <a:rPr b="0" lang="de-DE" sz="3200" spc="-1" strike="noStrike">
+                <a:solidFill>
+                  <a:srgbClr val="000000"/>
+                </a:solidFill>
+                <a:uFill>
+                  <a:solidFill>
+                    <a:srgbClr val="ffffff"/>
+                  </a:solidFill>
+                </a:uFill>
+                <a:latin typeface="Arial"/>
+              </a:rPr>
+              <a:t>Übergibt an Presenter</a:t>
+            </a:r>
+            <a:endParaRPr b="0" lang="de-DE" sz="3200" spc="-1" strike="noStrike">
+              <a:solidFill>
+                <a:srgbClr val="000000"/>
+              </a:solidFill>
+              <a:uFill>
+                <a:solidFill>
+                  <a:srgbClr val="ffffff"/>
+                </a:solidFill>
+              </a:uFill>
+              <a:latin typeface="Arial"/>
+            </a:endParaRPr>
+          </a:p>
+          <a:p>
+            <a:pPr marL="432000" indent="-324000">
+              <a:spcBef>
+                <a:spcPts val="1417"/>
+              </a:spcBef>
+              <a:buClr>
+                <a:srgbClr val="000000"/>
+              </a:buClr>
+              <a:buSzPct val="45000"/>
+              <a:buFont typeface="Wingdings" charset="2"/>
+              <a:buChar char=""/>
+            </a:pPr>
+            <a:r>
+              <a:rPr b="0" lang="de-DE" sz="3200" spc="-1" strike="noStrike">
+                <a:solidFill>
+                  <a:srgbClr val="000000"/>
+                </a:solidFill>
+                <a:uFill>
+                  <a:solidFill>
+                    <a:srgbClr val="ffffff"/>
+                  </a:solidFill>
+                </a:uFill>
+                <a:latin typeface="Arial"/>
+              </a:rPr>
+              <a:t>Presenter modifiziert Model und/oder holt Daten aus Model</a:t>
+            </a:r>
+            <a:endParaRPr b="0" lang="de-DE" sz="3200" spc="-1" strike="noStrike">
+              <a:solidFill>
+                <a:srgbClr val="000000"/>
+              </a:solidFill>
+              <a:uFill>
+                <a:solidFill>
+                  <a:srgbClr val="ffffff"/>
+                </a:solidFill>
+              </a:uFill>
+              <a:latin typeface="Arial"/>
+            </a:endParaRPr>
+          </a:p>
+          <a:p>
+            <a:pPr marL="432000" indent="-324000">
+              <a:spcBef>
+                <a:spcPts val="1417"/>
+              </a:spcBef>
+              <a:buClr>
+                <a:srgbClr val="000000"/>
+              </a:buClr>
+              <a:buSzPct val="45000"/>
+              <a:buFont typeface="Wingdings" charset="2"/>
+              <a:buChar char=""/>
+            </a:pPr>
+            <a:r>
+              <a:rPr b="0" lang="de-DE" sz="3200" spc="-1" strike="noStrike">
+                <a:solidFill>
+                  <a:srgbClr val="000000"/>
+                </a:solidFill>
+                <a:uFill>
+                  <a:solidFill>
+                    <a:srgbClr val="ffffff"/>
+                  </a:solidFill>
+                </a:uFill>
+                <a:latin typeface="Arial"/>
+              </a:rPr>
+              <a:t>Übergibt sie formatiert an View</a:t>
+            </a:r>
+            <a:endParaRPr b="0" lang="de-DE" sz="3200" spc="-1" strike="noStrike">
+              <a:solidFill>
+                <a:srgbClr val="000000"/>
+              </a:solidFill>
+              <a:uFill>
+                <a:solidFill>
+                  <a:srgbClr val="ffffff"/>
+                </a:solidFill>
+              </a:uFill>
+              <a:latin typeface="Arial"/>
+            </a:endParaRPr>
+          </a:p>
+        </p:txBody>
+      </p:sp>
     </p:spTree>
   </p:cSld>
   <p:timing>
@@ -5281,14 +6596,14 @@
       </p:grpSpPr>
       <p:sp>
         <p:nvSpPr>
-          <p:cNvPr id="94" name="CustomShape 1"/>
+          <p:cNvPr id="96" name="CustomShape 1"/>
           <p:cNvSpPr/>
           <p:nvPr/>
         </p:nvSpPr>
         <p:spPr>
           <a:xfrm>
             <a:off x="838080" y="365040"/>
-            <a:ext cx="10514880" cy="1324800"/>
+            <a:ext cx="10514520" cy="1324440"/>
           </a:xfrm>
           <a:prstGeom prst="rect">
             <a:avLst/>
@@ -5307,7 +6622,7 @@
         <p:txBody>
           <a:bodyPr lIns="90000" rIns="90000" tIns="45000" bIns="45000" anchor="ctr"/>
           <a:p>
-            <a:pPr algn="ctr">
+            <a:pPr>
               <a:lnSpc>
                 <a:spcPct val="90000"/>
               </a:lnSpc>
@@ -5323,8 +6638,9 @@
                   </a:solidFill>
                 </a:uFill>
                 <a:latin typeface="Calibri Light"/>
+                <a:ea typeface="DejaVu Sans"/>
               </a:rPr>
-              <a:t>Parser</a:t>
+              <a:t>View</a:t>
             </a:r>
             <a:endParaRPr b="0" lang="de-DE" sz="4400" spc="-1" strike="noStrike">
               <a:solidFill>
@@ -5342,14 +6658,209 @@
       </p:sp>
       <p:sp>
         <p:nvSpPr>
-          <p:cNvPr id="95" name="CustomShape 2"/>
+          <p:cNvPr id="97" name="CustomShape 2"/>
           <p:cNvSpPr/>
           <p:nvPr/>
         </p:nvSpPr>
         <p:spPr>
           <a:xfrm>
+            <a:off x="838080" y="1825560"/>
+            <a:ext cx="10514520" cy="4350240"/>
+          </a:xfrm>
+          <a:prstGeom prst="rect">
+            <a:avLst/>
+          </a:prstGeom>
+          <a:noFill/>
+          <a:ln>
+            <a:noFill/>
+          </a:ln>
+        </p:spPr>
+        <p:style>
+          <a:lnRef idx="0"/>
+          <a:fillRef idx="0"/>
+          <a:effectRef idx="0"/>
+          <a:fontRef idx="minor"/>
+        </p:style>
+        <p:txBody>
+          <a:bodyPr lIns="90000" rIns="90000" tIns="45000" bIns="45000"/>
+          <a:p>
+            <a:pPr marL="228600" indent="-227520">
+              <a:lnSpc>
+                <a:spcPct val="90000"/>
+              </a:lnSpc>
+              <a:spcBef>
+                <a:spcPts val="1001"/>
+              </a:spcBef>
+              <a:buClr>
+                <a:srgbClr val="000000"/>
+              </a:buClr>
+              <a:buFont typeface="Arial"/>
+              <a:buChar char="•"/>
+            </a:pPr>
+            <a:r>
+              <a:rPr b="0" lang="de-DE" sz="2800" spc="-1" strike="noStrike">
+                <a:solidFill>
+                  <a:srgbClr val="000000"/>
+                </a:solidFill>
+                <a:uFill>
+                  <a:solidFill>
+                    <a:srgbClr val="ffffff"/>
+                  </a:solidFill>
+                </a:uFill>
+                <a:latin typeface="Calibri"/>
+                <a:ea typeface="DejaVu Sans"/>
+              </a:rPr>
+              <a:t>So „dumm“ wie möglich</a:t>
+            </a:r>
+            <a:endParaRPr b="0" lang="de-DE" sz="2800" spc="-1" strike="noStrike">
+              <a:solidFill>
+                <a:srgbClr val="000000"/>
+              </a:solidFill>
+              <a:uFill>
+                <a:solidFill>
+                  <a:srgbClr val="ffffff"/>
+                </a:solidFill>
+              </a:uFill>
+              <a:latin typeface="Arial"/>
+            </a:endParaRPr>
+          </a:p>
+          <a:p>
+            <a:pPr marL="228600" indent="-227520">
+              <a:lnSpc>
+                <a:spcPct val="90000"/>
+              </a:lnSpc>
+              <a:spcBef>
+                <a:spcPts val="1001"/>
+              </a:spcBef>
+              <a:buClr>
+                <a:srgbClr val="000000"/>
+              </a:buClr>
+              <a:buFont typeface="Arial"/>
+              <a:buChar char="•"/>
+            </a:pPr>
+            <a:r>
+              <a:rPr b="0" lang="de-DE" sz="2800" spc="-1" strike="noStrike">
+                <a:solidFill>
+                  <a:srgbClr val="000000"/>
+                </a:solidFill>
+                <a:uFill>
+                  <a:solidFill>
+                    <a:srgbClr val="ffffff"/>
+                  </a:solidFill>
+                </a:uFill>
+                <a:latin typeface="Calibri"/>
+                <a:ea typeface="DejaVu Sans"/>
+              </a:rPr>
+              <a:t>Durch Schnittstelle einfach austauschbar</a:t>
+            </a:r>
+            <a:endParaRPr b="0" lang="de-DE" sz="2800" spc="-1" strike="noStrike">
+              <a:solidFill>
+                <a:srgbClr val="000000"/>
+              </a:solidFill>
+              <a:uFill>
+                <a:solidFill>
+                  <a:srgbClr val="ffffff"/>
+                </a:solidFill>
+              </a:uFill>
+              <a:latin typeface="Arial"/>
+            </a:endParaRPr>
+          </a:p>
+          <a:p>
+            <a:pPr lvl="1" marL="432000" indent="-216000">
+              <a:lnSpc>
+                <a:spcPct val="90000"/>
+              </a:lnSpc>
+              <a:spcBef>
+                <a:spcPts val="1001"/>
+              </a:spcBef>
+              <a:buClr>
+                <a:srgbClr val="000000"/>
+              </a:buClr>
+              <a:buSzPct val="45000"/>
+              <a:buFont typeface="Wingdings" charset="2"/>
+              <a:buChar char=""/>
+            </a:pPr>
+            <a:r>
+              <a:rPr b="0" lang="de-DE" sz="2800" spc="-1" strike="noStrike">
+                <a:solidFill>
+                  <a:srgbClr val="000000"/>
+                </a:solidFill>
+                <a:uFill>
+                  <a:solidFill>
+                    <a:srgbClr val="ffffff"/>
+                  </a:solidFill>
+                </a:uFill>
+                <a:latin typeface="Calibri"/>
+                <a:ea typeface="DejaVu Sans"/>
+              </a:rPr>
+              <a:t>Stub für UI-Logik Tests</a:t>
+            </a:r>
+            <a:endParaRPr b="0" lang="de-DE" sz="2800" spc="-1" strike="noStrike">
+              <a:solidFill>
+                <a:srgbClr val="000000"/>
+              </a:solidFill>
+              <a:uFill>
+                <a:solidFill>
+                  <a:srgbClr val="ffffff"/>
+                </a:solidFill>
+              </a:uFill>
+              <a:latin typeface="Arial"/>
+            </a:endParaRPr>
+          </a:p>
+          <a:p>
+            <a:pPr lvl="1" marL="432000" indent="-216000">
+              <a:lnSpc>
+                <a:spcPct val="90000"/>
+              </a:lnSpc>
+              <a:spcBef>
+                <a:spcPts val="1001"/>
+              </a:spcBef>
+              <a:buClr>
+                <a:srgbClr val="000000"/>
+              </a:buClr>
+              <a:buSzPct val="45000"/>
+              <a:buFont typeface="Wingdings" charset="2"/>
+              <a:buChar char=""/>
+            </a:pPr>
+            <a:r>
+              <a:rPr b="0" lang="de-DE" sz="2800" spc="-1" strike="noStrike">
+                <a:solidFill>
+                  <a:srgbClr val="000000"/>
+                </a:solidFill>
+                <a:uFill>
+                  <a:solidFill>
+                    <a:srgbClr val="ffffff"/>
+                  </a:solidFill>
+                </a:uFill>
+                <a:latin typeface="Calibri"/>
+                <a:ea typeface="DejaVu Sans"/>
+              </a:rPr>
+              <a:t>Android/iOS</a:t>
+            </a:r>
+            <a:endParaRPr b="0" lang="de-DE" sz="2800" spc="-1" strike="noStrike">
+              <a:solidFill>
+                <a:srgbClr val="000000"/>
+              </a:solidFill>
+              <a:uFill>
+                <a:solidFill>
+                  <a:srgbClr val="ffffff"/>
+                </a:solidFill>
+              </a:uFill>
+              <a:latin typeface="Arial"/>
+            </a:endParaRPr>
+          </a:p>
+        </p:txBody>
+      </p:sp>
+      <p:sp>
+        <p:nvSpPr>
+          <p:cNvPr id="98" name="CustomShape 3"/>
+          <p:cNvSpPr/>
+          <p:nvPr/>
+        </p:nvSpPr>
+        <p:spPr>
+          <a:xfrm>
             <a:off x="838080" y="6356520"/>
-            <a:ext cx="2742480" cy="364320"/>
+            <a:ext cx="2742120" cy="363960"/>
           </a:xfrm>
           <a:prstGeom prst="rect">
             <a:avLst/>
@@ -5384,6 +6895,7 @@
                   </a:solidFill>
                 </a:uFill>
                 <a:latin typeface="Calibri"/>
+                <a:ea typeface="DejaVu Sans"/>
               </a:rPr>
               <a:t>5.12.2017</a:t>
             </a:r>
@@ -5403,14 +6915,14 @@
       </p:sp>
       <p:sp>
         <p:nvSpPr>
-          <p:cNvPr id="96" name="CustomShape 3"/>
+          <p:cNvPr id="99" name="CustomShape 4"/>
           <p:cNvSpPr/>
           <p:nvPr/>
         </p:nvSpPr>
         <p:spPr>
           <a:xfrm>
             <a:off x="4038480" y="6356520"/>
-            <a:ext cx="4114080" cy="364320"/>
+            <a:ext cx="4113720" cy="363960"/>
           </a:xfrm>
           <a:prstGeom prst="rect">
             <a:avLst/>
@@ -5445,6 +6957,7 @@
                   </a:solidFill>
                 </a:uFill>
                 <a:latin typeface="Calibri"/>
+                <a:ea typeface="DejaVu Sans"/>
               </a:rPr>
               <a:t>Philipp Pelcz, Philipp Karcher, Jan-Luca Vettel</a:t>
             </a:r>
@@ -5464,14 +6977,14 @@
       </p:sp>
       <p:sp>
         <p:nvSpPr>
-          <p:cNvPr id="97" name="CustomShape 4"/>
+          <p:cNvPr id="100" name="CustomShape 5"/>
           <p:cNvSpPr/>
           <p:nvPr/>
         </p:nvSpPr>
         <p:spPr>
           <a:xfrm>
             <a:off x="8610480" y="6356520"/>
-            <a:ext cx="2742480" cy="364320"/>
+            <a:ext cx="2742120" cy="363960"/>
           </a:xfrm>
           <a:prstGeom prst="rect">
             <a:avLst/>
@@ -5495,7 +7008,7 @@
                 <a:spcPct val="100000"/>
               </a:lnSpc>
             </a:pPr>
-            <a:fld id="{58A0993B-CF54-45CC-A041-51FFD200497C}" type="slidenum">
+            <a:fld id="{3E60435F-A823-47C6-881B-9D256F2E7783}" type="slidenum">
               <a:rPr b="0" lang="de-DE" sz="1200" spc="-1" strike="noStrike">
                 <a:solidFill>
                   <a:srgbClr val="8b8b8b"/>
@@ -5506,6 +7019,7 @@
                   </a:solidFill>
                 </a:uFill>
                 <a:latin typeface="Calibri"/>
+                <a:ea typeface="DejaVu Sans"/>
               </a:rPr>
               <a:t>&lt;Foliennummer&gt;</a:t>
             </a:fld>
@@ -5523,29 +7037,6 @@
           </a:p>
         </p:txBody>
       </p:sp>
-      <p:pic>
-        <p:nvPicPr>
-          <p:cNvPr id="98" name="" descr=""/>
-          <p:cNvPicPr/>
-          <p:nvPr/>
-        </p:nvPicPr>
-        <p:blipFill>
-          <a:blip r:embed="rId1"/>
-          <a:stretch/>
-        </p:blipFill>
-        <p:spPr>
-          <a:xfrm>
-            <a:off x="3168000" y="1728000"/>
-            <a:ext cx="5759640" cy="4358880"/>
-          </a:xfrm>
-          <a:prstGeom prst="rect">
-            <a:avLst/>
-          </a:prstGeom>
-          <a:ln>
-            <a:noFill/>
-          </a:ln>
-        </p:spPr>
-      </p:pic>
     </p:spTree>
   </p:cSld>
   <p:timing>
@@ -5597,14 +7088,14 @@
       </p:grpSpPr>
       <p:sp>
         <p:nvSpPr>
-          <p:cNvPr id="99" name="CustomShape 1"/>
+          <p:cNvPr id="101" name="CustomShape 1"/>
           <p:cNvSpPr/>
           <p:nvPr/>
         </p:nvSpPr>
         <p:spPr>
           <a:xfrm>
             <a:off x="838080" y="365040"/>
-            <a:ext cx="10514880" cy="1324800"/>
+            <a:ext cx="10514520" cy="1324440"/>
           </a:xfrm>
           <a:prstGeom prst="rect">
             <a:avLst/>
@@ -5623,7 +7114,7 @@
         <p:txBody>
           <a:bodyPr lIns="90000" rIns="90000" tIns="45000" bIns="45000" anchor="ctr"/>
           <a:p>
-            <a:pPr>
+            <a:pPr algn="ctr">
               <a:lnSpc>
                 <a:spcPct val="90000"/>
               </a:lnSpc>
@@ -5639,8 +7130,9 @@
                   </a:solidFill>
                 </a:uFill>
                 <a:latin typeface="Calibri Light"/>
+                <a:ea typeface="DejaVu Sans"/>
               </a:rPr>
-              <a:t>TODO</a:t>
+              <a:t>Model</a:t>
             </a:r>
             <a:endParaRPr b="0" lang="de-DE" sz="4400" spc="-1" strike="noStrike">
               <a:solidFill>
@@ -5658,163 +7150,14 @@
       </p:sp>
       <p:sp>
         <p:nvSpPr>
-          <p:cNvPr id="100" name="CustomShape 2"/>
+          <p:cNvPr id="102" name="CustomShape 2"/>
           <p:cNvSpPr/>
           <p:nvPr/>
         </p:nvSpPr>
         <p:spPr>
           <a:xfrm>
-            <a:off x="838080" y="1825560"/>
-            <a:ext cx="10514880" cy="4350600"/>
-          </a:xfrm>
-          <a:prstGeom prst="rect">
-            <a:avLst/>
-          </a:prstGeom>
-          <a:noFill/>
-          <a:ln>
-            <a:noFill/>
-          </a:ln>
-        </p:spPr>
-        <p:style>
-          <a:lnRef idx="0"/>
-          <a:fillRef idx="0"/>
-          <a:effectRef idx="0"/>
-          <a:fontRef idx="minor"/>
-        </p:style>
-        <p:txBody>
-          <a:bodyPr lIns="90000" rIns="90000" tIns="45000" bIns="45000"/>
-          <a:p>
-            <a:pPr marL="228600" indent="-227880">
-              <a:lnSpc>
-                <a:spcPct val="90000"/>
-              </a:lnSpc>
-              <a:spcBef>
-                <a:spcPts val="1001"/>
-              </a:spcBef>
-              <a:buClr>
-                <a:srgbClr val="000000"/>
-              </a:buClr>
-              <a:buFont typeface="Arial"/>
-              <a:buChar char="•"/>
-            </a:pPr>
-            <a:r>
-              <a:rPr b="0" lang="de-DE" sz="2800" spc="-1" strike="noStrike">
-                <a:solidFill>
-                  <a:srgbClr val="000000"/>
-                </a:solidFill>
-                <a:uFill>
-                  <a:solidFill>
-                    <a:srgbClr val="ffffff"/>
-                  </a:solidFill>
-                </a:uFill>
-                <a:latin typeface="Calibri"/>
-              </a:rPr>
-              <a:t>Weiter entwerfen…</a:t>
-            </a:r>
-            <a:endParaRPr b="0" lang="de-DE" sz="2800" spc="-1" strike="noStrike">
-              <a:solidFill>
-                <a:srgbClr val="000000"/>
-              </a:solidFill>
-              <a:uFill>
-                <a:solidFill>
-                  <a:srgbClr val="ffffff"/>
-                </a:solidFill>
-              </a:uFill>
-              <a:latin typeface="Arial"/>
-            </a:endParaRPr>
-          </a:p>
-          <a:p>
-            <a:pPr marL="228600" indent="-227880">
-              <a:lnSpc>
-                <a:spcPct val="90000"/>
-              </a:lnSpc>
-              <a:spcBef>
-                <a:spcPts val="1001"/>
-              </a:spcBef>
-              <a:buClr>
-                <a:srgbClr val="000000"/>
-              </a:buClr>
-              <a:buFont typeface="Arial"/>
-              <a:buChar char="•"/>
-            </a:pPr>
-            <a:r>
-              <a:rPr b="0" lang="de-DE" sz="2800" spc="-1" strike="noStrike">
-                <a:solidFill>
-                  <a:srgbClr val="000000"/>
-                </a:solidFill>
-                <a:uFill>
-                  <a:solidFill>
-                    <a:srgbClr val="ffffff"/>
-                  </a:solidFill>
-                </a:uFill>
-                <a:latin typeface="Calibri"/>
-              </a:rPr>
-              <a:t>Datenübertragung</a:t>
-            </a:r>
-            <a:endParaRPr b="0" lang="de-DE" sz="2800" spc="-1" strike="noStrike">
-              <a:solidFill>
-                <a:srgbClr val="000000"/>
-              </a:solidFill>
-              <a:uFill>
-                <a:solidFill>
-                  <a:srgbClr val="ffffff"/>
-                </a:solidFill>
-              </a:uFill>
-              <a:latin typeface="Arial"/>
-            </a:endParaRPr>
-          </a:p>
-          <a:p>
-            <a:pPr marL="228600" indent="-227880">
-              <a:lnSpc>
-                <a:spcPct val="90000"/>
-              </a:lnSpc>
-              <a:spcBef>
-                <a:spcPts val="1001"/>
-              </a:spcBef>
-              <a:buClr>
-                <a:srgbClr val="000000"/>
-              </a:buClr>
-              <a:buFont typeface="Arial"/>
-              <a:buChar char="•"/>
-            </a:pPr>
-            <a:r>
-              <a:rPr b="0" lang="de-DE" sz="2800" spc="-1" strike="noStrike">
-                <a:solidFill>
-                  <a:srgbClr val="000000"/>
-                </a:solidFill>
-                <a:uFill>
-                  <a:solidFill>
-                    <a:srgbClr val="ffffff"/>
-                  </a:solidFill>
-                </a:uFill>
-                <a:latin typeface="Calibri"/>
-              </a:rPr>
-              <a:t>Lokale Speicherung (SQLite, XML, JSON)</a:t>
-            </a:r>
-            <a:endParaRPr b="0" lang="de-DE" sz="2800" spc="-1" strike="noStrike">
-              <a:solidFill>
-                <a:srgbClr val="000000"/>
-              </a:solidFill>
-              <a:uFill>
-                <a:solidFill>
-                  <a:srgbClr val="ffffff"/>
-                </a:solidFill>
-              </a:uFill>
-              <a:latin typeface="Arial"/>
-            </a:endParaRPr>
-          </a:p>
-        </p:txBody>
-      </p:sp>
-      <p:sp>
-        <p:nvSpPr>
-          <p:cNvPr id="101" name="CustomShape 3"/>
-          <p:cNvSpPr/>
-          <p:nvPr/>
-        </p:nvSpPr>
-        <p:spPr>
-          <a:xfrm>
             <a:off x="838080" y="6356520"/>
-            <a:ext cx="2742480" cy="364320"/>
+            <a:ext cx="2742120" cy="363960"/>
           </a:xfrm>
           <a:prstGeom prst="rect">
             <a:avLst/>
@@ -5849,6 +7192,7 @@
                   </a:solidFill>
                 </a:uFill>
                 <a:latin typeface="Calibri"/>
+                <a:ea typeface="DejaVu Sans"/>
               </a:rPr>
               <a:t>5.12.2017</a:t>
             </a:r>
@@ -5868,14 +7212,14 @@
       </p:sp>
       <p:sp>
         <p:nvSpPr>
-          <p:cNvPr id="102" name="CustomShape 4"/>
+          <p:cNvPr id="103" name="CustomShape 3"/>
           <p:cNvSpPr/>
           <p:nvPr/>
         </p:nvSpPr>
         <p:spPr>
           <a:xfrm>
             <a:off x="4038480" y="6356520"/>
-            <a:ext cx="4114080" cy="364320"/>
+            <a:ext cx="4113720" cy="363960"/>
           </a:xfrm>
           <a:prstGeom prst="rect">
             <a:avLst/>
@@ -5910,6 +7254,7 @@
                   </a:solidFill>
                 </a:uFill>
                 <a:latin typeface="Calibri"/>
+                <a:ea typeface="DejaVu Sans"/>
               </a:rPr>
               <a:t>Philipp Pelcz, Philipp Karcher, Jan-Luca Vettel</a:t>
             </a:r>
@@ -5929,14 +7274,14 @@
       </p:sp>
       <p:sp>
         <p:nvSpPr>
-          <p:cNvPr id="103" name="CustomShape 5"/>
+          <p:cNvPr id="104" name="CustomShape 4"/>
           <p:cNvSpPr/>
           <p:nvPr/>
         </p:nvSpPr>
         <p:spPr>
           <a:xfrm>
             <a:off x="8610480" y="6356520"/>
-            <a:ext cx="2742480" cy="364320"/>
+            <a:ext cx="2742120" cy="363960"/>
           </a:xfrm>
           <a:prstGeom prst="rect">
             <a:avLst/>
@@ -5960,7 +7305,7 @@
                 <a:spcPct val="100000"/>
               </a:lnSpc>
             </a:pPr>
-            <a:fld id="{47AB2880-8153-4B25-A1AF-98A0BCDD125F}" type="slidenum">
+            <a:fld id="{53834A55-C417-48A2-A390-6B7D114B1496}" type="slidenum">
               <a:rPr b="0" lang="de-DE" sz="1200" spc="-1" strike="noStrike">
                 <a:solidFill>
                   <a:srgbClr val="8b8b8b"/>
@@ -5971,10 +7316,135 @@
                   </a:solidFill>
                 </a:uFill>
                 <a:latin typeface="Calibri"/>
+                <a:ea typeface="DejaVu Sans"/>
               </a:rPr>
               <a:t>&lt;Foliennummer&gt;</a:t>
             </a:fld>
             <a:endParaRPr b="0" lang="de-DE" sz="1200" spc="-1" strike="noStrike">
+              <a:solidFill>
+                <a:srgbClr val="000000"/>
+              </a:solidFill>
+              <a:uFill>
+                <a:solidFill>
+                  <a:srgbClr val="ffffff"/>
+                </a:solidFill>
+              </a:uFill>
+              <a:latin typeface="Arial"/>
+            </a:endParaRPr>
+          </a:p>
+        </p:txBody>
+      </p:sp>
+      <p:pic>
+        <p:nvPicPr>
+          <p:cNvPr id="105" name="" descr=""/>
+          <p:cNvPicPr/>
+          <p:nvPr/>
+        </p:nvPicPr>
+        <p:blipFill>
+          <a:blip r:embed="rId1"/>
+          <a:stretch/>
+        </p:blipFill>
+        <p:spPr>
+          <a:xfrm>
+            <a:off x="752760" y="1604520"/>
+            <a:ext cx="5067000" cy="3977280"/>
+          </a:xfrm>
+          <a:prstGeom prst="rect">
+            <a:avLst/>
+          </a:prstGeom>
+          <a:ln>
+            <a:noFill/>
+          </a:ln>
+        </p:spPr>
+      </p:pic>
+      <p:sp>
+        <p:nvSpPr>
+          <p:cNvPr id="106" name="TextShape 5"/>
+          <p:cNvSpPr txBox="1"/>
+          <p:nvPr/>
+        </p:nvSpPr>
+        <p:spPr>
+          <a:xfrm>
+            <a:off x="6231960" y="1604520"/>
+            <a:ext cx="5354280" cy="3977280"/>
+          </a:xfrm>
+          <a:prstGeom prst="rect">
+            <a:avLst/>
+          </a:prstGeom>
+          <a:noFill/>
+          <a:ln>
+            <a:noFill/>
+          </a:ln>
+        </p:spPr>
+        <p:txBody>
+          <a:bodyPr lIns="0" rIns="0" tIns="0" bIns="0">
+            <a:normAutofit/>
+          </a:bodyPr>
+          <a:p>
+            <a:pPr marL="432000" indent="-324000">
+              <a:spcBef>
+                <a:spcPts val="1417"/>
+              </a:spcBef>
+              <a:buClr>
+                <a:srgbClr val="000000"/>
+              </a:buClr>
+              <a:buSzPct val="45000"/>
+              <a:buFont typeface="Wingdings" charset="2"/>
+              <a:buChar char=""/>
+            </a:pPr>
+            <a:r>
+              <a:rPr b="0" lang="de-DE" sz="3200" spc="-1" strike="noStrike">
+                <a:solidFill>
+                  <a:srgbClr val="000000"/>
+                </a:solidFill>
+                <a:uFill>
+                  <a:solidFill>
+                    <a:srgbClr val="ffffff"/>
+                  </a:solidFill>
+                </a:uFill>
+                <a:latin typeface="Arial"/>
+              </a:rPr>
+              <a:t>Zugriff durch Presenter über Schnittstelle</a:t>
+            </a:r>
+            <a:endParaRPr b="0" lang="de-DE" sz="3200" spc="-1" strike="noStrike">
+              <a:solidFill>
+                <a:srgbClr val="000000"/>
+              </a:solidFill>
+              <a:uFill>
+                <a:solidFill>
+                  <a:srgbClr val="ffffff"/>
+                </a:solidFill>
+              </a:uFill>
+              <a:latin typeface="Arial"/>
+            </a:endParaRPr>
+          </a:p>
+          <a:p>
+            <a:pPr marL="432000" indent="-324000">
+              <a:spcBef>
+                <a:spcPts val="1417"/>
+              </a:spcBef>
+              <a:buClr>
+                <a:srgbClr val="000000"/>
+              </a:buClr>
+              <a:buSzPct val="45000"/>
+              <a:buFont typeface="Wingdings" charset="2"/>
+              <a:buChar char=""/>
+            </a:pPr>
+            <a:r>
+              <a:rPr b="0" lang="de-DE" sz="3200" spc="-1" strike="noStrike">
+                <a:solidFill>
+                  <a:srgbClr val="000000"/>
+                </a:solidFill>
+                <a:uFill>
+                  <a:solidFill>
+                    <a:srgbClr val="ffffff"/>
+                  </a:solidFill>
+                </a:uFill>
+                <a:latin typeface="Arial"/>
+              </a:rPr>
+              <a:t>Aufbau hinter Fassade versteckt</a:t>
+            </a:r>
+            <a:endParaRPr b="0" lang="de-DE" sz="3200" spc="-1" strike="noStrike">
               <a:solidFill>
                 <a:srgbClr val="000000"/>
               </a:solidFill>
@@ -5997,6 +7467,1258 @@
           <p:childTnLst>
             <p:seq>
               <p:cTn id="12" nodeType="mainSeq"/>
+              <p:prevCondLst>
+                <p:cond delay="0" evt="onPrev">
+                  <p:tgtEl>
+                    <p:sldTgt/>
+                  </p:tgtEl>
+                </p:cond>
+              </p:prevCondLst>
+              <p:nextCondLst>
+                <p:cond delay="0" evt="onNext">
+                  <p:tgtEl>
+                    <p:sldTgt/>
+                  </p:tgtEl>
+                </p:cond>
+              </p:nextCondLst>
+            </p:seq>
+          </p:childTnLst>
+        </p:cTn>
+      </p:par>
+    </p:tnLst>
+  </p:timing>
+</p:sld>
+</file>
+
+<file path=ppt/slides/slide7.xml><?xml version="1.0" encoding="utf-8"?>
+<p:sld xmlns:a="http://schemas.openxmlformats.org/drawingml/2006/main" xmlns:p="http://schemas.openxmlformats.org/presentationml/2006/main" xmlns:r="http://schemas.openxmlformats.org/officeDocument/2006/relationships" xmlns:p14="http://schemas.microsoft.com/office/powerpoint/2010/main" xmlns:p15="http://schemas.microsoft.com/office/powerpoint/2012/main" xmlns:mc="http://schemas.openxmlformats.org/markup-compatibility/2006">
+  <p:cSld>
+    <p:spTree>
+      <p:nvGrpSpPr>
+        <p:cNvPr id="1" name=""/>
+        <p:cNvGrpSpPr/>
+        <p:nvPr/>
+      </p:nvGrpSpPr>
+      <p:grpSpPr>
+        <a:xfrm>
+          <a:off x="0" y="0"/>
+          <a:ext cx="0" cy="0"/>
+          <a:chOff x="0" y="0"/>
+          <a:chExt cx="0" cy="0"/>
+        </a:xfrm>
+      </p:grpSpPr>
+      <p:sp>
+        <p:nvSpPr>
+          <p:cNvPr id="107" name="CustomShape 1"/>
+          <p:cNvSpPr/>
+          <p:nvPr/>
+        </p:nvSpPr>
+        <p:spPr>
+          <a:xfrm>
+            <a:off x="838080" y="365040"/>
+            <a:ext cx="10514520" cy="1324440"/>
+          </a:xfrm>
+          <a:prstGeom prst="rect">
+            <a:avLst/>
+          </a:prstGeom>
+          <a:noFill/>
+          <a:ln>
+            <a:noFill/>
+          </a:ln>
+        </p:spPr>
+        <p:style>
+          <a:lnRef idx="0"/>
+          <a:fillRef idx="0"/>
+          <a:effectRef idx="0"/>
+          <a:fontRef idx="minor"/>
+        </p:style>
+        <p:txBody>
+          <a:bodyPr lIns="90000" rIns="90000" tIns="45000" bIns="45000" anchor="ctr"/>
+          <a:p>
+            <a:pPr algn="ctr">
+              <a:lnSpc>
+                <a:spcPct val="90000"/>
+              </a:lnSpc>
+            </a:pPr>
+            <a:r>
+              <a:rPr b="0" lang="de-DE" sz="4400" spc="-1" strike="noStrike">
+                <a:solidFill>
+                  <a:srgbClr val="000000"/>
+                </a:solidFill>
+                <a:uFill>
+                  <a:solidFill>
+                    <a:srgbClr val="ffffff"/>
+                  </a:solidFill>
+                </a:uFill>
+                <a:latin typeface="Calibri Light"/>
+                <a:ea typeface="DejaVu Sans"/>
+              </a:rPr>
+              <a:t>DataModel</a:t>
+            </a:r>
+            <a:endParaRPr b="0" lang="de-DE" sz="4400" spc="-1" strike="noStrike">
+              <a:solidFill>
+                <a:srgbClr val="000000"/>
+              </a:solidFill>
+              <a:uFill>
+                <a:solidFill>
+                  <a:srgbClr val="ffffff"/>
+                </a:solidFill>
+              </a:uFill>
+              <a:latin typeface="Arial"/>
+            </a:endParaRPr>
+          </a:p>
+        </p:txBody>
+      </p:sp>
+      <p:sp>
+        <p:nvSpPr>
+          <p:cNvPr id="108" name="CustomShape 2"/>
+          <p:cNvSpPr/>
+          <p:nvPr/>
+        </p:nvSpPr>
+        <p:spPr>
+          <a:xfrm>
+            <a:off x="838080" y="6356520"/>
+            <a:ext cx="2742120" cy="363960"/>
+          </a:xfrm>
+          <a:prstGeom prst="rect">
+            <a:avLst/>
+          </a:prstGeom>
+          <a:noFill/>
+          <a:ln>
+            <a:noFill/>
+          </a:ln>
+        </p:spPr>
+        <p:style>
+          <a:lnRef idx="0"/>
+          <a:fillRef idx="0"/>
+          <a:effectRef idx="0"/>
+          <a:fontRef idx="minor"/>
+        </p:style>
+        <p:txBody>
+          <a:bodyPr lIns="90000" rIns="90000" tIns="45000" bIns="45000" anchor="ctr"/>
+          <a:p>
+            <a:pPr>
+              <a:lnSpc>
+                <a:spcPct val="100000"/>
+              </a:lnSpc>
+            </a:pPr>
+            <a:r>
+              <a:rPr b="0" lang="de-DE" sz="1200" spc="-1" strike="noStrike">
+                <a:solidFill>
+                  <a:srgbClr val="8b8b8b"/>
+                </a:solidFill>
+                <a:uFill>
+                  <a:solidFill>
+                    <a:srgbClr val="ffffff"/>
+                  </a:solidFill>
+                </a:uFill>
+                <a:latin typeface="Calibri"/>
+                <a:ea typeface="DejaVu Sans"/>
+              </a:rPr>
+              <a:t>5.12.2017</a:t>
+            </a:r>
+            <a:endParaRPr b="0" lang="de-DE" sz="1200" spc="-1" strike="noStrike">
+              <a:solidFill>
+                <a:srgbClr val="000000"/>
+              </a:solidFill>
+              <a:uFill>
+                <a:solidFill>
+                  <a:srgbClr val="ffffff"/>
+                </a:solidFill>
+              </a:uFill>
+              <a:latin typeface="Arial"/>
+            </a:endParaRPr>
+          </a:p>
+        </p:txBody>
+      </p:sp>
+      <p:sp>
+        <p:nvSpPr>
+          <p:cNvPr id="109" name="CustomShape 3"/>
+          <p:cNvSpPr/>
+          <p:nvPr/>
+        </p:nvSpPr>
+        <p:spPr>
+          <a:xfrm>
+            <a:off x="4038480" y="6356520"/>
+            <a:ext cx="4113720" cy="363960"/>
+          </a:xfrm>
+          <a:prstGeom prst="rect">
+            <a:avLst/>
+          </a:prstGeom>
+          <a:noFill/>
+          <a:ln>
+            <a:noFill/>
+          </a:ln>
+        </p:spPr>
+        <p:style>
+          <a:lnRef idx="0"/>
+          <a:fillRef idx="0"/>
+          <a:effectRef idx="0"/>
+          <a:fontRef idx="minor"/>
+        </p:style>
+        <p:txBody>
+          <a:bodyPr lIns="90000" rIns="90000" tIns="45000" bIns="45000" anchor="ctr"/>
+          <a:p>
+            <a:pPr algn="ctr">
+              <a:lnSpc>
+                <a:spcPct val="100000"/>
+              </a:lnSpc>
+            </a:pPr>
+            <a:r>
+              <a:rPr b="0" lang="de-DE" sz="1200" spc="-1" strike="noStrike">
+                <a:solidFill>
+                  <a:srgbClr val="8b8b8b"/>
+                </a:solidFill>
+                <a:uFill>
+                  <a:solidFill>
+                    <a:srgbClr val="ffffff"/>
+                  </a:solidFill>
+                </a:uFill>
+                <a:latin typeface="Calibri"/>
+                <a:ea typeface="DejaVu Sans"/>
+              </a:rPr>
+              <a:t>Philipp Pelcz, Philipp Karcher, Jan-Luca Vettel</a:t>
+            </a:r>
+            <a:endParaRPr b="0" lang="de-DE" sz="1200" spc="-1" strike="noStrike">
+              <a:solidFill>
+                <a:srgbClr val="000000"/>
+              </a:solidFill>
+              <a:uFill>
+                <a:solidFill>
+                  <a:srgbClr val="ffffff"/>
+                </a:solidFill>
+              </a:uFill>
+              <a:latin typeface="Arial"/>
+            </a:endParaRPr>
+          </a:p>
+        </p:txBody>
+      </p:sp>
+      <p:sp>
+        <p:nvSpPr>
+          <p:cNvPr id="110" name="CustomShape 4"/>
+          <p:cNvSpPr/>
+          <p:nvPr/>
+        </p:nvSpPr>
+        <p:spPr>
+          <a:xfrm>
+            <a:off x="8610480" y="6356520"/>
+            <a:ext cx="2742120" cy="363960"/>
+          </a:xfrm>
+          <a:prstGeom prst="rect">
+            <a:avLst/>
+          </a:prstGeom>
+          <a:noFill/>
+          <a:ln>
+            <a:noFill/>
+          </a:ln>
+        </p:spPr>
+        <p:style>
+          <a:lnRef idx="0"/>
+          <a:fillRef idx="0"/>
+          <a:effectRef idx="0"/>
+          <a:fontRef idx="minor"/>
+        </p:style>
+        <p:txBody>
+          <a:bodyPr lIns="90000" rIns="90000" tIns="45000" bIns="45000" anchor="ctr"/>
+          <a:p>
+            <a:pPr algn="r">
+              <a:lnSpc>
+                <a:spcPct val="100000"/>
+              </a:lnSpc>
+            </a:pPr>
+            <a:fld id="{3ABD423F-9974-49EA-9675-5B938D70BABE}" type="slidenum">
+              <a:rPr b="0" lang="de-DE" sz="1200" spc="-1" strike="noStrike">
+                <a:solidFill>
+                  <a:srgbClr val="8b8b8b"/>
+                </a:solidFill>
+                <a:uFill>
+                  <a:solidFill>
+                    <a:srgbClr val="ffffff"/>
+                  </a:solidFill>
+                </a:uFill>
+                <a:latin typeface="Calibri"/>
+                <a:ea typeface="DejaVu Sans"/>
+              </a:rPr>
+              <a:t>&lt;Foliennummer&gt;</a:t>
+            </a:fld>
+            <a:endParaRPr b="0" lang="de-DE" sz="1200" spc="-1" strike="noStrike">
+              <a:solidFill>
+                <a:srgbClr val="000000"/>
+              </a:solidFill>
+              <a:uFill>
+                <a:solidFill>
+                  <a:srgbClr val="ffffff"/>
+                </a:solidFill>
+              </a:uFill>
+              <a:latin typeface="Arial"/>
+            </a:endParaRPr>
+          </a:p>
+        </p:txBody>
+      </p:sp>
+      <p:pic>
+        <p:nvPicPr>
+          <p:cNvPr id="111" name="" descr=""/>
+          <p:cNvPicPr/>
+          <p:nvPr/>
+        </p:nvPicPr>
+        <p:blipFill>
+          <a:blip r:embed="rId1"/>
+          <a:stretch/>
+        </p:blipFill>
+        <p:spPr>
+          <a:xfrm>
+            <a:off x="752760" y="1604520"/>
+            <a:ext cx="5067000" cy="3977280"/>
+          </a:xfrm>
+          <a:prstGeom prst="rect">
+            <a:avLst/>
+          </a:prstGeom>
+          <a:ln>
+            <a:noFill/>
+          </a:ln>
+        </p:spPr>
+      </p:pic>
+      <p:sp>
+        <p:nvSpPr>
+          <p:cNvPr id="112" name="TextShape 5"/>
+          <p:cNvSpPr txBox="1"/>
+          <p:nvPr/>
+        </p:nvSpPr>
+        <p:spPr>
+          <a:xfrm>
+            <a:off x="6231960" y="1604520"/>
+            <a:ext cx="5354280" cy="3977280"/>
+          </a:xfrm>
+          <a:prstGeom prst="rect">
+            <a:avLst/>
+          </a:prstGeom>
+          <a:noFill/>
+          <a:ln>
+            <a:noFill/>
+          </a:ln>
+        </p:spPr>
+        <p:txBody>
+          <a:bodyPr lIns="0" rIns="0" tIns="0" bIns="0">
+            <a:normAutofit/>
+          </a:bodyPr>
+          <a:p>
+            <a:pPr marL="432000" indent="-324000">
+              <a:spcBef>
+                <a:spcPts val="1417"/>
+              </a:spcBef>
+              <a:buClr>
+                <a:srgbClr val="000000"/>
+              </a:buClr>
+              <a:buSzPct val="45000"/>
+              <a:buFont typeface="Wingdings" charset="2"/>
+              <a:buChar char=""/>
+            </a:pPr>
+            <a:r>
+              <a:rPr b="0" lang="de-DE" sz="3200" spc="-1" strike="noStrike">
+                <a:solidFill>
+                  <a:srgbClr val="000000"/>
+                </a:solidFill>
+                <a:uFill>
+                  <a:solidFill>
+                    <a:srgbClr val="ffffff"/>
+                  </a:solidFill>
+                </a:uFill>
+                <a:latin typeface="Arial"/>
+              </a:rPr>
+              <a:t>In der App gespeicherte Daten</a:t>
+            </a:r>
+            <a:endParaRPr b="0" lang="de-DE" sz="3200" spc="-1" strike="noStrike">
+              <a:solidFill>
+                <a:srgbClr val="000000"/>
+              </a:solidFill>
+              <a:uFill>
+                <a:solidFill>
+                  <a:srgbClr val="ffffff"/>
+                </a:solidFill>
+              </a:uFill>
+              <a:latin typeface="Arial"/>
+            </a:endParaRPr>
+          </a:p>
+          <a:p>
+            <a:pPr marL="432000" indent="-324000">
+              <a:spcBef>
+                <a:spcPts val="1417"/>
+              </a:spcBef>
+              <a:buClr>
+                <a:srgbClr val="000000"/>
+              </a:buClr>
+              <a:buSzPct val="45000"/>
+              <a:buFont typeface="Wingdings" charset="2"/>
+              <a:buChar char=""/>
+            </a:pPr>
+            <a:r>
+              <a:rPr b="0" lang="de-DE" sz="3200" spc="-1" strike="noStrike">
+                <a:solidFill>
+                  <a:srgbClr val="000000"/>
+                </a:solidFill>
+                <a:uFill>
+                  <a:solidFill>
+                    <a:srgbClr val="ffffff"/>
+                  </a:solidFill>
+                </a:uFill>
+                <a:latin typeface="Arial"/>
+              </a:rPr>
+              <a:t>Arztbriefe, Medikation, etc.</a:t>
+            </a:r>
+            <a:endParaRPr b="0" lang="de-DE" sz="3200" spc="-1" strike="noStrike">
+              <a:solidFill>
+                <a:srgbClr val="000000"/>
+              </a:solidFill>
+              <a:uFill>
+                <a:solidFill>
+                  <a:srgbClr val="ffffff"/>
+                </a:solidFill>
+              </a:uFill>
+              <a:latin typeface="Arial"/>
+            </a:endParaRPr>
+          </a:p>
+          <a:p>
+            <a:pPr marL="432000" indent="-324000">
+              <a:spcBef>
+                <a:spcPts val="1417"/>
+              </a:spcBef>
+              <a:buClr>
+                <a:srgbClr val="000000"/>
+              </a:buClr>
+              <a:buSzPct val="45000"/>
+              <a:buFont typeface="Wingdings" charset="2"/>
+              <a:buChar char=""/>
+            </a:pPr>
+            <a:r>
+              <a:rPr b="0" lang="de-DE" sz="3200" spc="-1" strike="noStrike">
+                <a:solidFill>
+                  <a:srgbClr val="000000"/>
+                </a:solidFill>
+                <a:uFill>
+                  <a:solidFill>
+                    <a:srgbClr val="ffffff"/>
+                  </a:solidFill>
+                </a:uFill>
+                <a:latin typeface="Arial"/>
+              </a:rPr>
+              <a:t>Speicherung mit SQLite</a:t>
+            </a:r>
+            <a:endParaRPr b="0" lang="de-DE" sz="3200" spc="-1" strike="noStrike">
+              <a:solidFill>
+                <a:srgbClr val="000000"/>
+              </a:solidFill>
+              <a:uFill>
+                <a:solidFill>
+                  <a:srgbClr val="ffffff"/>
+                </a:solidFill>
+              </a:uFill>
+              <a:latin typeface="Arial"/>
+            </a:endParaRPr>
+          </a:p>
+        </p:txBody>
+      </p:sp>
+    </p:spTree>
+  </p:cSld>
+  <p:timing>
+    <p:tnLst>
+      <p:par>
+        <p:cTn id="13" dur="indefinite" restart="never" nodeType="tmRoot">
+          <p:childTnLst>
+            <p:seq>
+              <p:cTn id="14" nodeType="mainSeq"/>
+              <p:prevCondLst>
+                <p:cond delay="0" evt="onPrev">
+                  <p:tgtEl>
+                    <p:sldTgt/>
+                  </p:tgtEl>
+                </p:cond>
+              </p:prevCondLst>
+              <p:nextCondLst>
+                <p:cond delay="0" evt="onNext">
+                  <p:tgtEl>
+                    <p:sldTgt/>
+                  </p:tgtEl>
+                </p:cond>
+              </p:nextCondLst>
+            </p:seq>
+          </p:childTnLst>
+        </p:cTn>
+      </p:par>
+    </p:tnLst>
+  </p:timing>
+</p:sld>
+</file>
+
+<file path=ppt/slides/slide8.xml><?xml version="1.0" encoding="utf-8"?>
+<p:sld xmlns:a="http://schemas.openxmlformats.org/drawingml/2006/main" xmlns:p="http://schemas.openxmlformats.org/presentationml/2006/main" xmlns:r="http://schemas.openxmlformats.org/officeDocument/2006/relationships" xmlns:p14="http://schemas.microsoft.com/office/powerpoint/2010/main" xmlns:p15="http://schemas.microsoft.com/office/powerpoint/2012/main" xmlns:mc="http://schemas.openxmlformats.org/markup-compatibility/2006">
+  <p:cSld>
+    <p:spTree>
+      <p:nvGrpSpPr>
+        <p:cNvPr id="1" name=""/>
+        <p:cNvGrpSpPr/>
+        <p:nvPr/>
+      </p:nvGrpSpPr>
+      <p:grpSpPr>
+        <a:xfrm>
+          <a:off x="0" y="0"/>
+          <a:ext cx="0" cy="0"/>
+          <a:chOff x="0" y="0"/>
+          <a:chExt cx="0" cy="0"/>
+        </a:xfrm>
+      </p:grpSpPr>
+      <p:sp>
+        <p:nvSpPr>
+          <p:cNvPr id="113" name="CustomShape 1"/>
+          <p:cNvSpPr/>
+          <p:nvPr/>
+        </p:nvSpPr>
+        <p:spPr>
+          <a:xfrm>
+            <a:off x="838080" y="365040"/>
+            <a:ext cx="10514520" cy="1324440"/>
+          </a:xfrm>
+          <a:prstGeom prst="rect">
+            <a:avLst/>
+          </a:prstGeom>
+          <a:noFill/>
+          <a:ln>
+            <a:noFill/>
+          </a:ln>
+        </p:spPr>
+        <p:style>
+          <a:lnRef idx="0"/>
+          <a:fillRef idx="0"/>
+          <a:effectRef idx="0"/>
+          <a:fontRef idx="minor"/>
+        </p:style>
+        <p:txBody>
+          <a:bodyPr lIns="90000" rIns="90000" tIns="45000" bIns="45000" anchor="ctr"/>
+          <a:p>
+            <a:pPr algn="ctr">
+              <a:lnSpc>
+                <a:spcPct val="90000"/>
+              </a:lnSpc>
+            </a:pPr>
+            <a:r>
+              <a:rPr b="0" lang="de-DE" sz="4400" spc="-1" strike="noStrike">
+                <a:solidFill>
+                  <a:srgbClr val="000000"/>
+                </a:solidFill>
+                <a:uFill>
+                  <a:solidFill>
+                    <a:srgbClr val="ffffff"/>
+                  </a:solidFill>
+                </a:uFill>
+                <a:latin typeface="Calibri Light"/>
+                <a:ea typeface="DejaVu Sans"/>
+              </a:rPr>
+              <a:t>DataModel</a:t>
+            </a:r>
+            <a:endParaRPr b="0" lang="de-DE" sz="4400" spc="-1" strike="noStrike">
+              <a:solidFill>
+                <a:srgbClr val="000000"/>
+              </a:solidFill>
+              <a:uFill>
+                <a:solidFill>
+                  <a:srgbClr val="ffffff"/>
+                </a:solidFill>
+              </a:uFill>
+              <a:latin typeface="Arial"/>
+            </a:endParaRPr>
+          </a:p>
+        </p:txBody>
+      </p:sp>
+      <p:sp>
+        <p:nvSpPr>
+          <p:cNvPr id="114" name="CustomShape 2"/>
+          <p:cNvSpPr/>
+          <p:nvPr/>
+        </p:nvSpPr>
+        <p:spPr>
+          <a:xfrm>
+            <a:off x="838080" y="6356520"/>
+            <a:ext cx="2742120" cy="363960"/>
+          </a:xfrm>
+          <a:prstGeom prst="rect">
+            <a:avLst/>
+          </a:prstGeom>
+          <a:noFill/>
+          <a:ln>
+            <a:noFill/>
+          </a:ln>
+        </p:spPr>
+        <p:style>
+          <a:lnRef idx="0"/>
+          <a:fillRef idx="0"/>
+          <a:effectRef idx="0"/>
+          <a:fontRef idx="minor"/>
+        </p:style>
+        <p:txBody>
+          <a:bodyPr lIns="90000" rIns="90000" tIns="45000" bIns="45000" anchor="ctr"/>
+          <a:p>
+            <a:pPr>
+              <a:lnSpc>
+                <a:spcPct val="100000"/>
+              </a:lnSpc>
+            </a:pPr>
+            <a:r>
+              <a:rPr b="0" lang="de-DE" sz="1200" spc="-1" strike="noStrike">
+                <a:solidFill>
+                  <a:srgbClr val="8b8b8b"/>
+                </a:solidFill>
+                <a:uFill>
+                  <a:solidFill>
+                    <a:srgbClr val="ffffff"/>
+                  </a:solidFill>
+                </a:uFill>
+                <a:latin typeface="Calibri"/>
+                <a:ea typeface="DejaVu Sans"/>
+              </a:rPr>
+              <a:t>5.12.2017</a:t>
+            </a:r>
+            <a:endParaRPr b="0" lang="de-DE" sz="1200" spc="-1" strike="noStrike">
+              <a:solidFill>
+                <a:srgbClr val="000000"/>
+              </a:solidFill>
+              <a:uFill>
+                <a:solidFill>
+                  <a:srgbClr val="ffffff"/>
+                </a:solidFill>
+              </a:uFill>
+              <a:latin typeface="Arial"/>
+            </a:endParaRPr>
+          </a:p>
+        </p:txBody>
+      </p:sp>
+      <p:sp>
+        <p:nvSpPr>
+          <p:cNvPr id="115" name="CustomShape 3"/>
+          <p:cNvSpPr/>
+          <p:nvPr/>
+        </p:nvSpPr>
+        <p:spPr>
+          <a:xfrm>
+            <a:off x="4038480" y="6356520"/>
+            <a:ext cx="4113720" cy="363960"/>
+          </a:xfrm>
+          <a:prstGeom prst="rect">
+            <a:avLst/>
+          </a:prstGeom>
+          <a:noFill/>
+          <a:ln>
+            <a:noFill/>
+          </a:ln>
+        </p:spPr>
+        <p:style>
+          <a:lnRef idx="0"/>
+          <a:fillRef idx="0"/>
+          <a:effectRef idx="0"/>
+          <a:fontRef idx="minor"/>
+        </p:style>
+        <p:txBody>
+          <a:bodyPr lIns="90000" rIns="90000" tIns="45000" bIns="45000" anchor="ctr"/>
+          <a:p>
+            <a:pPr algn="ctr">
+              <a:lnSpc>
+                <a:spcPct val="100000"/>
+              </a:lnSpc>
+            </a:pPr>
+            <a:r>
+              <a:rPr b="0" lang="de-DE" sz="1200" spc="-1" strike="noStrike">
+                <a:solidFill>
+                  <a:srgbClr val="8b8b8b"/>
+                </a:solidFill>
+                <a:uFill>
+                  <a:solidFill>
+                    <a:srgbClr val="ffffff"/>
+                  </a:solidFill>
+                </a:uFill>
+                <a:latin typeface="Calibri"/>
+                <a:ea typeface="DejaVu Sans"/>
+              </a:rPr>
+              <a:t>Philipp Pelcz, Philipp Karcher, Jan-Luca Vettel</a:t>
+            </a:r>
+            <a:endParaRPr b="0" lang="de-DE" sz="1200" spc="-1" strike="noStrike">
+              <a:solidFill>
+                <a:srgbClr val="000000"/>
+              </a:solidFill>
+              <a:uFill>
+                <a:solidFill>
+                  <a:srgbClr val="ffffff"/>
+                </a:solidFill>
+              </a:uFill>
+              <a:latin typeface="Arial"/>
+            </a:endParaRPr>
+          </a:p>
+        </p:txBody>
+      </p:sp>
+      <p:sp>
+        <p:nvSpPr>
+          <p:cNvPr id="116" name="CustomShape 4"/>
+          <p:cNvSpPr/>
+          <p:nvPr/>
+        </p:nvSpPr>
+        <p:spPr>
+          <a:xfrm>
+            <a:off x="8610480" y="6356520"/>
+            <a:ext cx="2742120" cy="363960"/>
+          </a:xfrm>
+          <a:prstGeom prst="rect">
+            <a:avLst/>
+          </a:prstGeom>
+          <a:noFill/>
+          <a:ln>
+            <a:noFill/>
+          </a:ln>
+        </p:spPr>
+        <p:style>
+          <a:lnRef idx="0"/>
+          <a:fillRef idx="0"/>
+          <a:effectRef idx="0"/>
+          <a:fontRef idx="minor"/>
+        </p:style>
+        <p:txBody>
+          <a:bodyPr lIns="90000" rIns="90000" tIns="45000" bIns="45000" anchor="ctr"/>
+          <a:p>
+            <a:pPr algn="r">
+              <a:lnSpc>
+                <a:spcPct val="100000"/>
+              </a:lnSpc>
+            </a:pPr>
+            <a:fld id="{2A55EC0E-E92A-4528-8541-451279382DEB}" type="slidenum">
+              <a:rPr b="0" lang="de-DE" sz="1200" spc="-1" strike="noStrike">
+                <a:solidFill>
+                  <a:srgbClr val="8b8b8b"/>
+                </a:solidFill>
+                <a:uFill>
+                  <a:solidFill>
+                    <a:srgbClr val="ffffff"/>
+                  </a:solidFill>
+                </a:uFill>
+                <a:latin typeface="Calibri"/>
+                <a:ea typeface="DejaVu Sans"/>
+              </a:rPr>
+              <a:t>&lt;Foliennummer&gt;</a:t>
+            </a:fld>
+            <a:endParaRPr b="0" lang="de-DE" sz="1200" spc="-1" strike="noStrike">
+              <a:solidFill>
+                <a:srgbClr val="000000"/>
+              </a:solidFill>
+              <a:uFill>
+                <a:solidFill>
+                  <a:srgbClr val="ffffff"/>
+                </a:solidFill>
+              </a:uFill>
+              <a:latin typeface="Arial"/>
+            </a:endParaRPr>
+          </a:p>
+        </p:txBody>
+      </p:sp>
+      <p:pic>
+        <p:nvPicPr>
+          <p:cNvPr id="117" name="" descr=""/>
+          <p:cNvPicPr/>
+          <p:nvPr/>
+        </p:nvPicPr>
+        <p:blipFill>
+          <a:blip r:embed="rId1"/>
+          <a:stretch/>
+        </p:blipFill>
+        <p:spPr>
+          <a:xfrm>
+            <a:off x="1584000" y="1512000"/>
+            <a:ext cx="8711640" cy="4768920"/>
+          </a:xfrm>
+          <a:prstGeom prst="rect">
+            <a:avLst/>
+          </a:prstGeom>
+          <a:ln>
+            <a:noFill/>
+          </a:ln>
+        </p:spPr>
+      </p:pic>
+    </p:spTree>
+  </p:cSld>
+  <p:timing>
+    <p:tnLst>
+      <p:par>
+        <p:cTn id="15" dur="indefinite" restart="never" nodeType="tmRoot">
+          <p:childTnLst>
+            <p:seq>
+              <p:cTn id="16" nodeType="mainSeq"/>
+              <p:prevCondLst>
+                <p:cond delay="0" evt="onPrev">
+                  <p:tgtEl>
+                    <p:sldTgt/>
+                  </p:tgtEl>
+                </p:cond>
+              </p:prevCondLst>
+              <p:nextCondLst>
+                <p:cond delay="0" evt="onNext">
+                  <p:tgtEl>
+                    <p:sldTgt/>
+                  </p:tgtEl>
+                </p:cond>
+              </p:nextCondLst>
+            </p:seq>
+          </p:childTnLst>
+        </p:cTn>
+      </p:par>
+    </p:tnLst>
+  </p:timing>
+</p:sld>
+</file>
+
+<file path=ppt/slides/slide9.xml><?xml version="1.0" encoding="utf-8"?>
+<p:sld xmlns:a="http://schemas.openxmlformats.org/drawingml/2006/main" xmlns:p="http://schemas.openxmlformats.org/presentationml/2006/main" xmlns:r="http://schemas.openxmlformats.org/officeDocument/2006/relationships" xmlns:p14="http://schemas.microsoft.com/office/powerpoint/2010/main" xmlns:p15="http://schemas.microsoft.com/office/powerpoint/2012/main" xmlns:mc="http://schemas.openxmlformats.org/markup-compatibility/2006">
+  <p:cSld>
+    <p:spTree>
+      <p:nvGrpSpPr>
+        <p:cNvPr id="1" name=""/>
+        <p:cNvGrpSpPr/>
+        <p:nvPr/>
+      </p:nvGrpSpPr>
+      <p:grpSpPr>
+        <a:xfrm>
+          <a:off x="0" y="0"/>
+          <a:ext cx="0" cy="0"/>
+          <a:chOff x="0" y="0"/>
+          <a:chExt cx="0" cy="0"/>
+        </a:xfrm>
+      </p:grpSpPr>
+      <p:sp>
+        <p:nvSpPr>
+          <p:cNvPr id="118" name="CustomShape 1"/>
+          <p:cNvSpPr/>
+          <p:nvPr/>
+        </p:nvSpPr>
+        <p:spPr>
+          <a:xfrm>
+            <a:off x="838080" y="365040"/>
+            <a:ext cx="10514520" cy="1324440"/>
+          </a:xfrm>
+          <a:prstGeom prst="rect">
+            <a:avLst/>
+          </a:prstGeom>
+          <a:noFill/>
+          <a:ln>
+            <a:noFill/>
+          </a:ln>
+        </p:spPr>
+        <p:style>
+          <a:lnRef idx="0"/>
+          <a:fillRef idx="0"/>
+          <a:effectRef idx="0"/>
+          <a:fontRef idx="minor"/>
+        </p:style>
+        <p:txBody>
+          <a:bodyPr lIns="90000" rIns="90000" tIns="45000" bIns="45000" anchor="ctr"/>
+          <a:p>
+            <a:pPr algn="ctr">
+              <a:lnSpc>
+                <a:spcPct val="90000"/>
+              </a:lnSpc>
+            </a:pPr>
+            <a:r>
+              <a:rPr b="0" lang="de-DE" sz="4400" spc="-1" strike="noStrike">
+                <a:solidFill>
+                  <a:srgbClr val="000000"/>
+                </a:solidFill>
+                <a:uFill>
+                  <a:solidFill>
+                    <a:srgbClr val="ffffff"/>
+                  </a:solidFill>
+                </a:uFill>
+                <a:latin typeface="Calibri Light"/>
+                <a:ea typeface="DejaVu Sans"/>
+              </a:rPr>
+              <a:t>ParserModel</a:t>
+            </a:r>
+            <a:endParaRPr b="0" lang="de-DE" sz="4400" spc="-1" strike="noStrike">
+              <a:solidFill>
+                <a:srgbClr val="000000"/>
+              </a:solidFill>
+              <a:uFill>
+                <a:solidFill>
+                  <a:srgbClr val="ffffff"/>
+                </a:solidFill>
+              </a:uFill>
+              <a:latin typeface="Arial"/>
+            </a:endParaRPr>
+          </a:p>
+        </p:txBody>
+      </p:sp>
+      <p:sp>
+        <p:nvSpPr>
+          <p:cNvPr id="119" name="CustomShape 2"/>
+          <p:cNvSpPr/>
+          <p:nvPr/>
+        </p:nvSpPr>
+        <p:spPr>
+          <a:xfrm>
+            <a:off x="838080" y="6356520"/>
+            <a:ext cx="2742120" cy="363960"/>
+          </a:xfrm>
+          <a:prstGeom prst="rect">
+            <a:avLst/>
+          </a:prstGeom>
+          <a:noFill/>
+          <a:ln>
+            <a:noFill/>
+          </a:ln>
+        </p:spPr>
+        <p:style>
+          <a:lnRef idx="0"/>
+          <a:fillRef idx="0"/>
+          <a:effectRef idx="0"/>
+          <a:fontRef idx="minor"/>
+        </p:style>
+        <p:txBody>
+          <a:bodyPr lIns="90000" rIns="90000" tIns="45000" bIns="45000" anchor="ctr"/>
+          <a:p>
+            <a:pPr>
+              <a:lnSpc>
+                <a:spcPct val="100000"/>
+              </a:lnSpc>
+            </a:pPr>
+            <a:r>
+              <a:rPr b="0" lang="de-DE" sz="1200" spc="-1" strike="noStrike">
+                <a:solidFill>
+                  <a:srgbClr val="8b8b8b"/>
+                </a:solidFill>
+                <a:uFill>
+                  <a:solidFill>
+                    <a:srgbClr val="ffffff"/>
+                  </a:solidFill>
+                </a:uFill>
+                <a:latin typeface="Calibri"/>
+                <a:ea typeface="DejaVu Sans"/>
+              </a:rPr>
+              <a:t>5.12.2017</a:t>
+            </a:r>
+            <a:endParaRPr b="0" lang="de-DE" sz="1200" spc="-1" strike="noStrike">
+              <a:solidFill>
+                <a:srgbClr val="000000"/>
+              </a:solidFill>
+              <a:uFill>
+                <a:solidFill>
+                  <a:srgbClr val="ffffff"/>
+                </a:solidFill>
+              </a:uFill>
+              <a:latin typeface="Arial"/>
+            </a:endParaRPr>
+          </a:p>
+        </p:txBody>
+      </p:sp>
+      <p:sp>
+        <p:nvSpPr>
+          <p:cNvPr id="120" name="CustomShape 3"/>
+          <p:cNvSpPr/>
+          <p:nvPr/>
+        </p:nvSpPr>
+        <p:spPr>
+          <a:xfrm>
+            <a:off x="4038480" y="6356520"/>
+            <a:ext cx="4113720" cy="363960"/>
+          </a:xfrm>
+          <a:prstGeom prst="rect">
+            <a:avLst/>
+          </a:prstGeom>
+          <a:noFill/>
+          <a:ln>
+            <a:noFill/>
+          </a:ln>
+        </p:spPr>
+        <p:style>
+          <a:lnRef idx="0"/>
+          <a:fillRef idx="0"/>
+          <a:effectRef idx="0"/>
+          <a:fontRef idx="minor"/>
+        </p:style>
+        <p:txBody>
+          <a:bodyPr lIns="90000" rIns="90000" tIns="45000" bIns="45000" anchor="ctr"/>
+          <a:p>
+            <a:pPr algn="ctr">
+              <a:lnSpc>
+                <a:spcPct val="100000"/>
+              </a:lnSpc>
+            </a:pPr>
+            <a:r>
+              <a:rPr b="0" lang="de-DE" sz="1200" spc="-1" strike="noStrike">
+                <a:solidFill>
+                  <a:srgbClr val="8b8b8b"/>
+                </a:solidFill>
+                <a:uFill>
+                  <a:solidFill>
+                    <a:srgbClr val="ffffff"/>
+                  </a:solidFill>
+                </a:uFill>
+                <a:latin typeface="Calibri"/>
+                <a:ea typeface="DejaVu Sans"/>
+              </a:rPr>
+              <a:t>Philipp Pelcz, Philipp Karcher, Jan-Luca Vettel</a:t>
+            </a:r>
+            <a:endParaRPr b="0" lang="de-DE" sz="1200" spc="-1" strike="noStrike">
+              <a:solidFill>
+                <a:srgbClr val="000000"/>
+              </a:solidFill>
+              <a:uFill>
+                <a:solidFill>
+                  <a:srgbClr val="ffffff"/>
+                </a:solidFill>
+              </a:uFill>
+              <a:latin typeface="Arial"/>
+            </a:endParaRPr>
+          </a:p>
+        </p:txBody>
+      </p:sp>
+      <p:sp>
+        <p:nvSpPr>
+          <p:cNvPr id="121" name="CustomShape 4"/>
+          <p:cNvSpPr/>
+          <p:nvPr/>
+        </p:nvSpPr>
+        <p:spPr>
+          <a:xfrm>
+            <a:off x="8610480" y="6356520"/>
+            <a:ext cx="2742120" cy="363960"/>
+          </a:xfrm>
+          <a:prstGeom prst="rect">
+            <a:avLst/>
+          </a:prstGeom>
+          <a:noFill/>
+          <a:ln>
+            <a:noFill/>
+          </a:ln>
+        </p:spPr>
+        <p:style>
+          <a:lnRef idx="0"/>
+          <a:fillRef idx="0"/>
+          <a:effectRef idx="0"/>
+          <a:fontRef idx="minor"/>
+        </p:style>
+        <p:txBody>
+          <a:bodyPr lIns="90000" rIns="90000" tIns="45000" bIns="45000" anchor="ctr"/>
+          <a:p>
+            <a:pPr algn="r">
+              <a:lnSpc>
+                <a:spcPct val="100000"/>
+              </a:lnSpc>
+            </a:pPr>
+            <a:fld id="{EB622B27-30E8-42DE-9257-3A26634E08CB}" type="slidenum">
+              <a:rPr b="0" lang="de-DE" sz="1200" spc="-1" strike="noStrike">
+                <a:solidFill>
+                  <a:srgbClr val="8b8b8b"/>
+                </a:solidFill>
+                <a:uFill>
+                  <a:solidFill>
+                    <a:srgbClr val="ffffff"/>
+                  </a:solidFill>
+                </a:uFill>
+                <a:latin typeface="Calibri"/>
+                <a:ea typeface="DejaVu Sans"/>
+              </a:rPr>
+              <a:t>&lt;Foliennummer&gt;</a:t>
+            </a:fld>
+            <a:endParaRPr b="0" lang="de-DE" sz="1200" spc="-1" strike="noStrike">
+              <a:solidFill>
+                <a:srgbClr val="000000"/>
+              </a:solidFill>
+              <a:uFill>
+                <a:solidFill>
+                  <a:srgbClr val="ffffff"/>
+                </a:solidFill>
+              </a:uFill>
+              <a:latin typeface="Arial"/>
+            </a:endParaRPr>
+          </a:p>
+        </p:txBody>
+      </p:sp>
+      <p:pic>
+        <p:nvPicPr>
+          <p:cNvPr id="122" name="" descr=""/>
+          <p:cNvPicPr/>
+          <p:nvPr/>
+        </p:nvPicPr>
+        <p:blipFill>
+          <a:blip r:embed="rId1"/>
+          <a:stretch/>
+        </p:blipFill>
+        <p:spPr>
+          <a:xfrm>
+            <a:off x="648000" y="1512000"/>
+            <a:ext cx="5533200" cy="4187520"/>
+          </a:xfrm>
+          <a:prstGeom prst="rect">
+            <a:avLst/>
+          </a:prstGeom>
+          <a:ln>
+            <a:noFill/>
+          </a:ln>
+        </p:spPr>
+      </p:pic>
+      <p:sp>
+        <p:nvSpPr>
+          <p:cNvPr id="123" name="TextShape 5"/>
+          <p:cNvSpPr txBox="1"/>
+          <p:nvPr/>
+        </p:nvSpPr>
+        <p:spPr>
+          <a:xfrm>
+            <a:off x="6231960" y="1604520"/>
+            <a:ext cx="5354280" cy="3977280"/>
+          </a:xfrm>
+          <a:prstGeom prst="rect">
+            <a:avLst/>
+          </a:prstGeom>
+          <a:noFill/>
+          <a:ln>
+            <a:noFill/>
+          </a:ln>
+        </p:spPr>
+        <p:txBody>
+          <a:bodyPr lIns="0" rIns="0" tIns="0" bIns="0">
+            <a:normAutofit/>
+          </a:bodyPr>
+          <a:p>
+            <a:pPr marL="432000" indent="-324000">
+              <a:spcBef>
+                <a:spcPts val="1417"/>
+              </a:spcBef>
+              <a:buClr>
+                <a:srgbClr val="000000"/>
+              </a:buClr>
+              <a:buSzPct val="45000"/>
+              <a:buFont typeface="Wingdings" charset="2"/>
+              <a:buChar char=""/>
+            </a:pPr>
+            <a:r>
+              <a:rPr b="0" lang="de-DE" sz="3200" spc="-1" strike="noStrike">
+                <a:solidFill>
+                  <a:srgbClr val="000000"/>
+                </a:solidFill>
+                <a:uFill>
+                  <a:solidFill>
+                    <a:srgbClr val="ffffff"/>
+                  </a:solidFill>
+                </a:uFill>
+                <a:latin typeface="Arial"/>
+              </a:rPr>
+              <a:t>„</a:t>
+            </a:r>
+            <a:r>
+              <a:rPr b="0" lang="de-DE" sz="3200" spc="-1" strike="noStrike">
+                <a:solidFill>
+                  <a:srgbClr val="000000"/>
+                </a:solidFill>
+                <a:uFill>
+                  <a:solidFill>
+                    <a:srgbClr val="ffffff"/>
+                  </a:solidFill>
+                </a:uFill>
+                <a:latin typeface="Arial"/>
+              </a:rPr>
+              <a:t>Übersetzt“ unterstützte Dateiformate in Objekte aus DataModel</a:t>
+            </a:r>
+            <a:endParaRPr b="0" lang="de-DE" sz="3200" spc="-1" strike="noStrike">
+              <a:solidFill>
+                <a:srgbClr val="000000"/>
+              </a:solidFill>
+              <a:uFill>
+                <a:solidFill>
+                  <a:srgbClr val="ffffff"/>
+                </a:solidFill>
+              </a:uFill>
+              <a:latin typeface="Arial"/>
+            </a:endParaRPr>
+          </a:p>
+          <a:p>
+            <a:pPr marL="432000" indent="-324000">
+              <a:spcBef>
+                <a:spcPts val="1417"/>
+              </a:spcBef>
+              <a:buClr>
+                <a:srgbClr val="000000"/>
+              </a:buClr>
+              <a:buSzPct val="45000"/>
+              <a:buFont typeface="Wingdings" charset="2"/>
+              <a:buChar char=""/>
+            </a:pPr>
+            <a:r>
+              <a:rPr b="0" lang="de-DE" sz="3200" spc="-1" strike="noStrike">
+                <a:solidFill>
+                  <a:srgbClr val="000000"/>
+                </a:solidFill>
+                <a:uFill>
+                  <a:solidFill>
+                    <a:srgbClr val="ffffff"/>
+                  </a:solidFill>
+                </a:uFill>
+                <a:latin typeface="Arial"/>
+              </a:rPr>
+              <a:t>Dateiformate sind komplexer als unsere Darstellung und nicht untereinander kompatibel</a:t>
+            </a:r>
+            <a:endParaRPr b="0" lang="de-DE" sz="3200" spc="-1" strike="noStrike">
+              <a:solidFill>
+                <a:srgbClr val="000000"/>
+              </a:solidFill>
+              <a:uFill>
+                <a:solidFill>
+                  <a:srgbClr val="ffffff"/>
+                </a:solidFill>
+              </a:uFill>
+              <a:latin typeface="Arial"/>
+            </a:endParaRPr>
+          </a:p>
+          <a:p>
+            <a:pPr marL="432000" indent="-324000">
+              <a:spcBef>
+                <a:spcPts val="1417"/>
+              </a:spcBef>
+              <a:buClr>
+                <a:srgbClr val="000000"/>
+              </a:buClr>
+              <a:buSzPct val="45000"/>
+              <a:buFont typeface="Wingdings" charset="2"/>
+              <a:buChar char=""/>
+            </a:pPr>
+            <a:r>
+              <a:rPr b="0" lang="de-DE" sz="3200" spc="-1" strike="noStrike">
+                <a:solidFill>
+                  <a:srgbClr val="000000"/>
+                </a:solidFill>
+                <a:uFill>
+                  <a:solidFill>
+                    <a:srgbClr val="ffffff"/>
+                  </a:solidFill>
+                </a:uFill>
+                <a:latin typeface="Arial"/>
+              </a:rPr>
+              <a:t>Originaldateien werden für spätere Übertragung gespeichert</a:t>
+            </a:r>
+            <a:endParaRPr b="0" lang="de-DE" sz="3200" spc="-1" strike="noStrike">
+              <a:solidFill>
+                <a:srgbClr val="000000"/>
+              </a:solidFill>
+              <a:uFill>
+                <a:solidFill>
+                  <a:srgbClr val="ffffff"/>
+                </a:solidFill>
+              </a:uFill>
+              <a:latin typeface="Arial"/>
+            </a:endParaRPr>
+          </a:p>
+        </p:txBody>
+      </p:sp>
+    </p:spTree>
+  </p:cSld>
+  <p:timing>
+    <p:tnLst>
+      <p:par>
+        <p:cTn id="17" dur="indefinite" restart="never" nodeType="tmRoot">
+          <p:childTnLst>
+            <p:seq>
+              <p:cTn id="18" nodeType="mainSeq"/>
               <p:prevCondLst>
                 <p:cond delay="0" evt="onPrev">
                   <p:tgtEl>

--- a/Entwurf/1.Gruppentreffen.pptx
+++ b/Entwurf/1.Gruppentreffen.pptx
@@ -18,6 +18,7 @@
     <p:sldId id="265" r:id="rId13"/>
     <p:sldId id="266" r:id="rId14"/>
     <p:sldId id="267" r:id="rId15"/>
+    <p:sldId id="268" r:id="rId16"/>
   </p:sldIdLst>
   <p:sldSz cx="12192000" cy="6858000"/>
   <p:notesSz cx="7559675" cy="10691812"/>
@@ -4431,7 +4432,7 @@
                 <a:spcPct val="100000"/>
               </a:lnSpc>
             </a:pPr>
-            <a:fld id="{3A2312D5-55D7-4B64-AD46-796567ED52D0}" type="slidenum">
+            <a:fld id="{464A7D1E-4925-475B-876B-1054263CCEEF}" type="slidenum">
               <a:rPr b="0" lang="de-DE" sz="1200" spc="-1" strike="noStrike">
                 <a:solidFill>
                   <a:srgbClr val="8b8b8b"/>
@@ -4444,7 +4445,7 @@
                 <a:latin typeface="Calibri"/>
                 <a:ea typeface="DejaVu Sans"/>
               </a:rPr>
-              <a:t>&lt;Foliennummer&gt;</a:t>
+              <a:t>1</a:t>
             </a:fld>
             <a:endParaRPr b="0" lang="de-DE" sz="1200" spc="-1" strike="noStrike">
               <a:solidFill>
@@ -4852,7 +4853,7 @@
                 <a:spcPct val="100000"/>
               </a:lnSpc>
             </a:pPr>
-            <a:fld id="{79E3F3E1-5D39-41B7-867B-25870F118EBA}" type="slidenum">
+            <a:fld id="{1422A8A4-D1E0-4CC4-A0E5-87046AE1E3B3}" type="slidenum">
               <a:rPr b="0" lang="de-DE" sz="1200" spc="-1" strike="noStrike">
                 <a:solidFill>
                   <a:srgbClr val="8b8b8b"/>
@@ -5056,14 +5057,14 @@
       </p:grpSpPr>
       <p:sp>
         <p:nvSpPr>
-          <p:cNvPr id="136" name="TextShape 1"/>
-          <p:cNvSpPr txBox="1"/>
+          <p:cNvPr id="136" name="CustomShape 1"/>
+          <p:cNvSpPr/>
           <p:nvPr/>
         </p:nvSpPr>
         <p:spPr>
           <a:xfrm>
-            <a:off x="609480" y="273600"/>
-            <a:ext cx="10972440" cy="1144800"/>
+            <a:off x="838080" y="365040"/>
+            <a:ext cx="10514520" cy="1324440"/>
           </a:xfrm>
           <a:prstGeom prst="rect">
             <a:avLst/>
@@ -5073,10 +5074,35 @@
             <a:noFill/>
           </a:ln>
         </p:spPr>
-        <p:txBody>
-          <a:bodyPr lIns="0" rIns="0" tIns="0" bIns="0" anchor="ctr"/>
-          <a:p>
-            <a:pPr algn="ctr"/>
+        <p:style>
+          <a:lnRef idx="0"/>
+          <a:fillRef idx="0"/>
+          <a:effectRef idx="0"/>
+          <a:fontRef idx="minor"/>
+        </p:style>
+        <p:txBody>
+          <a:bodyPr lIns="90000" rIns="90000" tIns="45000" bIns="45000" anchor="ctr"/>
+          <a:p>
+            <a:pPr>
+              <a:lnSpc>
+                <a:spcPct val="90000"/>
+              </a:lnSpc>
+            </a:pPr>
+            <a:r>
+              <a:rPr b="0" lang="de-DE" sz="4400" spc="-1" strike="noStrike">
+                <a:solidFill>
+                  <a:srgbClr val="000000"/>
+                </a:solidFill>
+                <a:uFill>
+                  <a:solidFill>
+                    <a:srgbClr val="ffffff"/>
+                  </a:solidFill>
+                </a:uFill>
+                <a:latin typeface="Calibri Light"/>
+                <a:ea typeface="DejaVu Sans"/>
+              </a:rPr>
+              <a:t>TODO</a:t>
+            </a:r>
             <a:endParaRPr b="0" lang="de-DE" sz="4400" spc="-1" strike="noStrike">
               <a:solidFill>
                 <a:srgbClr val="000000"/>
@@ -5093,14 +5119,14 @@
       </p:sp>
       <p:sp>
         <p:nvSpPr>
-          <p:cNvPr id="137" name="TextShape 2"/>
-          <p:cNvSpPr txBox="1"/>
+          <p:cNvPr id="137" name="CustomShape 2"/>
+          <p:cNvSpPr/>
           <p:nvPr/>
         </p:nvSpPr>
         <p:spPr>
           <a:xfrm>
-            <a:off x="609480" y="1604520"/>
-            <a:ext cx="5354280" cy="3977280"/>
+            <a:off x="838080" y="1825560"/>
+            <a:ext cx="10514520" cy="4350240"/>
           </a:xfrm>
           <a:prstGeom prst="rect">
             <a:avLst/>
@@ -5110,35 +5136,108 @@
             <a:noFill/>
           </a:ln>
         </p:spPr>
-        <p:txBody>
-          <a:bodyPr lIns="0" rIns="0" tIns="0" bIns="0">
-            <a:normAutofit/>
-          </a:bodyPr>
-          <a:p>
-            <a:endParaRPr b="0" lang="de-DE" sz="3200" spc="-1" strike="noStrike">
-              <a:solidFill>
-                <a:srgbClr val="000000"/>
-              </a:solidFill>
-              <a:uFill>
-                <a:solidFill>
-                  <a:srgbClr val="ffffff"/>
-                </a:solidFill>
-              </a:uFill>
-              <a:latin typeface="Arial"/>
-            </a:endParaRPr>
-          </a:p>
-        </p:txBody>
-      </p:sp>
-      <p:sp>
-        <p:nvSpPr>
-          <p:cNvPr id="138" name="TextShape 3"/>
-          <p:cNvSpPr txBox="1"/>
+        <p:style>
+          <a:lnRef idx="0"/>
+          <a:fillRef idx="0"/>
+          <a:effectRef idx="0"/>
+          <a:fontRef idx="minor"/>
+        </p:style>
+        <p:txBody>
+          <a:bodyPr lIns="90000" rIns="90000" tIns="45000" bIns="45000"/>
+          <a:p>
+            <a:pPr marL="228600" indent="-227520">
+              <a:lnSpc>
+                <a:spcPct val="90000"/>
+              </a:lnSpc>
+              <a:spcBef>
+                <a:spcPts val="1001"/>
+              </a:spcBef>
+              <a:buClr>
+                <a:srgbClr val="000000"/>
+              </a:buClr>
+              <a:buFont typeface="Arial"/>
+              <a:buChar char="•"/>
+            </a:pPr>
+            <a:r>
+              <a:rPr b="0" lang="de-DE" sz="2800" spc="-1" strike="noStrike">
+                <a:solidFill>
+                  <a:srgbClr val="000000"/>
+                </a:solidFill>
+                <a:uFill>
+                  <a:solidFill>
+                    <a:srgbClr val="ffffff"/>
+                  </a:solidFill>
+                </a:uFill>
+                <a:latin typeface="Calibri"/>
+                <a:ea typeface="DejaVu Sans"/>
+              </a:rPr>
+              <a:t>Weiter entwerfen...</a:t>
+            </a:r>
+            <a:endParaRPr b="0" lang="de-DE" sz="2800" spc="-1" strike="noStrike">
+              <a:solidFill>
+                <a:srgbClr val="000000"/>
+              </a:solidFill>
+              <a:uFill>
+                <a:solidFill>
+                  <a:srgbClr val="ffffff"/>
+                </a:solidFill>
+              </a:uFill>
+              <a:latin typeface="Arial"/>
+            </a:endParaRPr>
+          </a:p>
+          <a:p>
+            <a:pPr marL="228600" indent="-227520">
+              <a:lnSpc>
+                <a:spcPct val="90000"/>
+              </a:lnSpc>
+              <a:spcBef>
+                <a:spcPts val="1001"/>
+              </a:spcBef>
+              <a:buClr>
+                <a:srgbClr val="000000"/>
+              </a:buClr>
+              <a:buFont typeface="Arial"/>
+              <a:buChar char="•"/>
+            </a:pPr>
+            <a:r>
+              <a:rPr b="0" lang="de-DE" sz="2800" spc="-1" strike="noStrike">
+                <a:solidFill>
+                  <a:srgbClr val="000000"/>
+                </a:solidFill>
+                <a:uFill>
+                  <a:solidFill>
+                    <a:srgbClr val="ffffff"/>
+                  </a:solidFill>
+                </a:uFill>
+                <a:latin typeface="Calibri"/>
+                <a:ea typeface="DejaVu Sans"/>
+              </a:rPr>
+              <a:t>Datenübertragung/Bluetooth</a:t>
+            </a:r>
+            <a:endParaRPr b="0" lang="de-DE" sz="2800" spc="-1" strike="noStrike">
+              <a:solidFill>
+                <a:srgbClr val="000000"/>
+              </a:solidFill>
+              <a:uFill>
+                <a:solidFill>
+                  <a:srgbClr val="ffffff"/>
+                </a:solidFill>
+              </a:uFill>
+              <a:latin typeface="Arial"/>
+            </a:endParaRPr>
+          </a:p>
+        </p:txBody>
+      </p:sp>
+      <p:sp>
+        <p:nvSpPr>
+          <p:cNvPr id="138" name="CustomShape 3"/>
+          <p:cNvSpPr/>
           <p:nvPr/>
         </p:nvSpPr>
         <p:spPr>
           <a:xfrm>
-            <a:off x="6231960" y="1604520"/>
-            <a:ext cx="5354280" cy="3977280"/>
+            <a:off x="838080" y="6356520"/>
+            <a:ext cx="2742120" cy="363960"/>
           </a:xfrm>
           <a:prstGeom prst="rect">
             <a:avLst/>
@@ -5148,12 +5247,160 @@
             <a:noFill/>
           </a:ln>
         </p:spPr>
-        <p:txBody>
-          <a:bodyPr lIns="0" rIns="0" tIns="0" bIns="0">
-            <a:normAutofit/>
-          </a:bodyPr>
-          <a:p>
-            <a:endParaRPr b="0" lang="de-DE" sz="3200" spc="-1" strike="noStrike">
+        <p:style>
+          <a:lnRef idx="0"/>
+          <a:fillRef idx="0"/>
+          <a:effectRef idx="0"/>
+          <a:fontRef idx="minor"/>
+        </p:style>
+        <p:txBody>
+          <a:bodyPr lIns="90000" rIns="90000" tIns="45000" bIns="45000" anchor="ctr"/>
+          <a:p>
+            <a:pPr>
+              <a:lnSpc>
+                <a:spcPct val="100000"/>
+              </a:lnSpc>
+            </a:pPr>
+            <a:r>
+              <a:rPr b="0" lang="de-DE" sz="1200" spc="-1" strike="noStrike">
+                <a:solidFill>
+                  <a:srgbClr val="8b8b8b"/>
+                </a:solidFill>
+                <a:uFill>
+                  <a:solidFill>
+                    <a:srgbClr val="ffffff"/>
+                  </a:solidFill>
+                </a:uFill>
+                <a:latin typeface="Calibri"/>
+                <a:ea typeface="DejaVu Sans"/>
+              </a:rPr>
+              <a:t>5.12.2017</a:t>
+            </a:r>
+            <a:endParaRPr b="0" lang="de-DE" sz="1200" spc="-1" strike="noStrike">
+              <a:solidFill>
+                <a:srgbClr val="000000"/>
+              </a:solidFill>
+              <a:uFill>
+                <a:solidFill>
+                  <a:srgbClr val="ffffff"/>
+                </a:solidFill>
+              </a:uFill>
+              <a:latin typeface="Arial"/>
+            </a:endParaRPr>
+          </a:p>
+        </p:txBody>
+      </p:sp>
+      <p:sp>
+        <p:nvSpPr>
+          <p:cNvPr id="139" name="CustomShape 4"/>
+          <p:cNvSpPr/>
+          <p:nvPr/>
+        </p:nvSpPr>
+        <p:spPr>
+          <a:xfrm>
+            <a:off x="4038480" y="6356520"/>
+            <a:ext cx="4113720" cy="363960"/>
+          </a:xfrm>
+          <a:prstGeom prst="rect">
+            <a:avLst/>
+          </a:prstGeom>
+          <a:noFill/>
+          <a:ln>
+            <a:noFill/>
+          </a:ln>
+        </p:spPr>
+        <p:style>
+          <a:lnRef idx="0"/>
+          <a:fillRef idx="0"/>
+          <a:effectRef idx="0"/>
+          <a:fontRef idx="minor"/>
+        </p:style>
+        <p:txBody>
+          <a:bodyPr lIns="90000" rIns="90000" tIns="45000" bIns="45000" anchor="ctr"/>
+          <a:p>
+            <a:pPr algn="ctr">
+              <a:lnSpc>
+                <a:spcPct val="100000"/>
+              </a:lnSpc>
+            </a:pPr>
+            <a:r>
+              <a:rPr b="0" lang="de-DE" sz="1200" spc="-1" strike="noStrike">
+                <a:solidFill>
+                  <a:srgbClr val="8b8b8b"/>
+                </a:solidFill>
+                <a:uFill>
+                  <a:solidFill>
+                    <a:srgbClr val="ffffff"/>
+                  </a:solidFill>
+                </a:uFill>
+                <a:latin typeface="Calibri"/>
+                <a:ea typeface="DejaVu Sans"/>
+              </a:rPr>
+              <a:t>Philipp Pelcz, Philipp Karcher, Jan-Luca Vettel</a:t>
+            </a:r>
+            <a:endParaRPr b="0" lang="de-DE" sz="1200" spc="-1" strike="noStrike">
+              <a:solidFill>
+                <a:srgbClr val="000000"/>
+              </a:solidFill>
+              <a:uFill>
+                <a:solidFill>
+                  <a:srgbClr val="ffffff"/>
+                </a:solidFill>
+              </a:uFill>
+              <a:latin typeface="Arial"/>
+            </a:endParaRPr>
+          </a:p>
+        </p:txBody>
+      </p:sp>
+      <p:sp>
+        <p:nvSpPr>
+          <p:cNvPr id="140" name="CustomShape 5"/>
+          <p:cNvSpPr/>
+          <p:nvPr/>
+        </p:nvSpPr>
+        <p:spPr>
+          <a:xfrm>
+            <a:off x="8610480" y="6356520"/>
+            <a:ext cx="2742120" cy="363960"/>
+          </a:xfrm>
+          <a:prstGeom prst="rect">
+            <a:avLst/>
+          </a:prstGeom>
+          <a:noFill/>
+          <a:ln>
+            <a:noFill/>
+          </a:ln>
+        </p:spPr>
+        <p:style>
+          <a:lnRef idx="0"/>
+          <a:fillRef idx="0"/>
+          <a:effectRef idx="0"/>
+          <a:fontRef idx="minor"/>
+        </p:style>
+        <p:txBody>
+          <a:bodyPr lIns="90000" rIns="90000" tIns="45000" bIns="45000" anchor="ctr"/>
+          <a:p>
+            <a:pPr algn="r">
+              <a:lnSpc>
+                <a:spcPct val="100000"/>
+              </a:lnSpc>
+            </a:pPr>
+            <a:fld id="{79A65043-1B5E-4CA1-A9C9-8D0A5C9FDA26}" type="slidenum">
+              <a:rPr b="0" lang="de-DE" sz="1200" spc="-1" strike="noStrike">
+                <a:solidFill>
+                  <a:srgbClr val="8b8b8b"/>
+                </a:solidFill>
+                <a:uFill>
+                  <a:solidFill>
+                    <a:srgbClr val="ffffff"/>
+                  </a:solidFill>
+                </a:uFill>
+                <a:latin typeface="Calibri"/>
+                <a:ea typeface="DejaVu Sans"/>
+              </a:rPr>
+              <a:t>&lt;Foliennummer&gt;</a:t>
+            </a:fld>
+            <a:endParaRPr b="0" lang="de-DE" sz="1200" spc="-1" strike="noStrike">
               <a:solidFill>
                 <a:srgbClr val="000000"/>
               </a:solidFill>
@@ -5169,6 +5416,482 @@
       </p:sp>
     </p:spTree>
   </p:cSld>
+  <p:timing>
+    <p:tnLst>
+      <p:par>
+        <p:cTn id="23" dur="indefinite" restart="never" nodeType="tmRoot">
+          <p:childTnLst>
+            <p:seq>
+              <p:cTn id="24" nodeType="mainSeq"/>
+              <p:prevCondLst>
+                <p:cond delay="0" evt="onPrev">
+                  <p:tgtEl>
+                    <p:sldTgt/>
+                  </p:tgtEl>
+                </p:cond>
+              </p:prevCondLst>
+              <p:nextCondLst>
+                <p:cond delay="0" evt="onNext">
+                  <p:tgtEl>
+                    <p:sldTgt/>
+                  </p:tgtEl>
+                </p:cond>
+              </p:nextCondLst>
+            </p:seq>
+          </p:childTnLst>
+        </p:cTn>
+      </p:par>
+    </p:tnLst>
+  </p:timing>
+</p:sld>
+</file>
+
+<file path=ppt/slides/slide13.xml><?xml version="1.0" encoding="utf-8"?>
+<p:sld xmlns:a="http://schemas.openxmlformats.org/drawingml/2006/main" xmlns:p="http://schemas.openxmlformats.org/presentationml/2006/main" xmlns:r="http://schemas.openxmlformats.org/officeDocument/2006/relationships" xmlns:p14="http://schemas.microsoft.com/office/powerpoint/2010/main" xmlns:p15="http://schemas.microsoft.com/office/powerpoint/2012/main" xmlns:mc="http://schemas.openxmlformats.org/markup-compatibility/2006">
+  <p:cSld>
+    <p:spTree>
+      <p:nvGrpSpPr>
+        <p:cNvPr id="1" name=""/>
+        <p:cNvGrpSpPr/>
+        <p:nvPr/>
+      </p:nvGrpSpPr>
+      <p:grpSpPr>
+        <a:xfrm>
+          <a:off x="0" y="0"/>
+          <a:ext cx="0" cy="0"/>
+          <a:chOff x="0" y="0"/>
+          <a:chExt cx="0" cy="0"/>
+        </a:xfrm>
+      </p:grpSpPr>
+      <p:sp>
+        <p:nvSpPr>
+          <p:cNvPr id="141" name="CustomShape 1"/>
+          <p:cNvSpPr/>
+          <p:nvPr/>
+        </p:nvSpPr>
+        <p:spPr>
+          <a:xfrm>
+            <a:off x="838080" y="365040"/>
+            <a:ext cx="10514520" cy="1324440"/>
+          </a:xfrm>
+          <a:prstGeom prst="rect">
+            <a:avLst/>
+          </a:prstGeom>
+          <a:noFill/>
+          <a:ln>
+            <a:noFill/>
+          </a:ln>
+        </p:spPr>
+        <p:style>
+          <a:lnRef idx="0"/>
+          <a:fillRef idx="0"/>
+          <a:effectRef idx="0"/>
+          <a:fontRef idx="minor"/>
+        </p:style>
+        <p:txBody>
+          <a:bodyPr lIns="90000" rIns="90000" tIns="45000" bIns="45000" anchor="ctr"/>
+          <a:p>
+            <a:pPr>
+              <a:lnSpc>
+                <a:spcPct val="90000"/>
+              </a:lnSpc>
+            </a:pPr>
+            <a:r>
+              <a:rPr b="0" lang="de-DE" sz="4400" spc="-1" strike="noStrike">
+                <a:solidFill>
+                  <a:srgbClr val="000000"/>
+                </a:solidFill>
+                <a:uFill>
+                  <a:solidFill>
+                    <a:srgbClr val="ffffff"/>
+                  </a:solidFill>
+                </a:uFill>
+                <a:latin typeface="Calibri Light"/>
+                <a:ea typeface="DejaVu Sans"/>
+              </a:rPr>
+              <a:t>UML Tool</a:t>
+            </a:r>
+            <a:endParaRPr b="0" lang="de-DE" sz="4400" spc="-1" strike="noStrike">
+              <a:solidFill>
+                <a:srgbClr val="000000"/>
+              </a:solidFill>
+              <a:uFill>
+                <a:solidFill>
+                  <a:srgbClr val="ffffff"/>
+                </a:solidFill>
+              </a:uFill>
+              <a:latin typeface="Arial"/>
+            </a:endParaRPr>
+          </a:p>
+        </p:txBody>
+      </p:sp>
+      <p:sp>
+        <p:nvSpPr>
+          <p:cNvPr id="142" name="CustomShape 2"/>
+          <p:cNvSpPr/>
+          <p:nvPr/>
+        </p:nvSpPr>
+        <p:spPr>
+          <a:xfrm>
+            <a:off x="838080" y="1825560"/>
+            <a:ext cx="10514520" cy="4350240"/>
+          </a:xfrm>
+          <a:prstGeom prst="rect">
+            <a:avLst/>
+          </a:prstGeom>
+          <a:noFill/>
+          <a:ln>
+            <a:noFill/>
+          </a:ln>
+        </p:spPr>
+        <p:style>
+          <a:lnRef idx="0"/>
+          <a:fillRef idx="0"/>
+          <a:effectRef idx="0"/>
+          <a:fontRef idx="minor"/>
+        </p:style>
+        <p:txBody>
+          <a:bodyPr lIns="90000" rIns="90000" tIns="45000" bIns="45000"/>
+          <a:p>
+            <a:pPr marL="228600" indent="-227520">
+              <a:lnSpc>
+                <a:spcPct val="90000"/>
+              </a:lnSpc>
+              <a:spcBef>
+                <a:spcPts val="1001"/>
+              </a:spcBef>
+              <a:buClr>
+                <a:srgbClr val="000000"/>
+              </a:buClr>
+              <a:buFont typeface="Arial"/>
+              <a:buChar char="•"/>
+            </a:pPr>
+            <a:r>
+              <a:rPr b="0" lang="de-DE" sz="2800" spc="-1" strike="noStrike">
+                <a:solidFill>
+                  <a:srgbClr val="000000"/>
+                </a:solidFill>
+                <a:uFill>
+                  <a:solidFill>
+                    <a:srgbClr val="ffffff"/>
+                  </a:solidFill>
+                </a:uFill>
+                <a:latin typeface="Calibri"/>
+                <a:ea typeface="DejaVu Sans"/>
+              </a:rPr>
+              <a:t>Astah</a:t>
+            </a:r>
+            <a:endParaRPr b="0" lang="de-DE" sz="2800" spc="-1" strike="noStrike">
+              <a:solidFill>
+                <a:srgbClr val="000000"/>
+              </a:solidFill>
+              <a:uFill>
+                <a:solidFill>
+                  <a:srgbClr val="ffffff"/>
+                </a:solidFill>
+              </a:uFill>
+              <a:latin typeface="Arial"/>
+            </a:endParaRPr>
+          </a:p>
+          <a:p>
+            <a:pPr marL="228600" indent="-227520">
+              <a:lnSpc>
+                <a:spcPct val="90000"/>
+              </a:lnSpc>
+              <a:spcBef>
+                <a:spcPts val="1001"/>
+              </a:spcBef>
+              <a:buClr>
+                <a:srgbClr val="000000"/>
+              </a:buClr>
+              <a:buFont typeface="Arial"/>
+              <a:buChar char="•"/>
+            </a:pPr>
+            <a:r>
+              <a:rPr b="0" lang="de-DE" sz="2800" spc="-1" strike="noStrike">
+                <a:solidFill>
+                  <a:srgbClr val="000000"/>
+                </a:solidFill>
+                <a:uFill>
+                  <a:solidFill>
+                    <a:srgbClr val="ffffff"/>
+                  </a:solidFill>
+                </a:uFill>
+                <a:latin typeface="Calibri"/>
+                <a:ea typeface="DejaVu Sans"/>
+              </a:rPr>
+              <a:t>Professional umsonst für Studenten</a:t>
+            </a:r>
+            <a:endParaRPr b="0" lang="de-DE" sz="2800" spc="-1" strike="noStrike">
+              <a:solidFill>
+                <a:srgbClr val="000000"/>
+              </a:solidFill>
+              <a:uFill>
+                <a:solidFill>
+                  <a:srgbClr val="ffffff"/>
+                </a:solidFill>
+              </a:uFill>
+              <a:latin typeface="Arial"/>
+            </a:endParaRPr>
+          </a:p>
+          <a:p>
+            <a:pPr marL="228600" indent="-227520">
+              <a:lnSpc>
+                <a:spcPct val="90000"/>
+              </a:lnSpc>
+              <a:spcBef>
+                <a:spcPts val="1001"/>
+              </a:spcBef>
+              <a:buClr>
+                <a:srgbClr val="000000"/>
+              </a:buClr>
+              <a:buFont typeface="Arial"/>
+              <a:buChar char="•"/>
+            </a:pPr>
+            <a:r>
+              <a:rPr b="0" lang="de-DE" sz="2800" spc="-1" strike="noStrike">
+                <a:solidFill>
+                  <a:srgbClr val="000000"/>
+                </a:solidFill>
+                <a:uFill>
+                  <a:solidFill>
+                    <a:srgbClr val="ffffff"/>
+                  </a:solidFill>
+                </a:uFill>
+                <a:latin typeface="Calibri"/>
+                <a:ea typeface="DejaVu Sans"/>
+              </a:rPr>
+              <a:t>Code Generierung, etc.</a:t>
+            </a:r>
+            <a:endParaRPr b="0" lang="de-DE" sz="2800" spc="-1" strike="noStrike">
+              <a:solidFill>
+                <a:srgbClr val="000000"/>
+              </a:solidFill>
+              <a:uFill>
+                <a:solidFill>
+                  <a:srgbClr val="ffffff"/>
+                </a:solidFill>
+              </a:uFill>
+              <a:latin typeface="Arial"/>
+            </a:endParaRPr>
+          </a:p>
+        </p:txBody>
+      </p:sp>
+      <p:sp>
+        <p:nvSpPr>
+          <p:cNvPr id="143" name="CustomShape 3"/>
+          <p:cNvSpPr/>
+          <p:nvPr/>
+        </p:nvSpPr>
+        <p:spPr>
+          <a:xfrm>
+            <a:off x="838080" y="6356520"/>
+            <a:ext cx="2742120" cy="363960"/>
+          </a:xfrm>
+          <a:prstGeom prst="rect">
+            <a:avLst/>
+          </a:prstGeom>
+          <a:noFill/>
+          <a:ln>
+            <a:noFill/>
+          </a:ln>
+        </p:spPr>
+        <p:style>
+          <a:lnRef idx="0"/>
+          <a:fillRef idx="0"/>
+          <a:effectRef idx="0"/>
+          <a:fontRef idx="minor"/>
+        </p:style>
+        <p:txBody>
+          <a:bodyPr lIns="90000" rIns="90000" tIns="45000" bIns="45000" anchor="ctr"/>
+          <a:p>
+            <a:pPr>
+              <a:lnSpc>
+                <a:spcPct val="100000"/>
+              </a:lnSpc>
+            </a:pPr>
+            <a:r>
+              <a:rPr b="0" lang="de-DE" sz="1200" spc="-1" strike="noStrike">
+                <a:solidFill>
+                  <a:srgbClr val="8b8b8b"/>
+                </a:solidFill>
+                <a:uFill>
+                  <a:solidFill>
+                    <a:srgbClr val="ffffff"/>
+                  </a:solidFill>
+                </a:uFill>
+                <a:latin typeface="Calibri"/>
+                <a:ea typeface="DejaVu Sans"/>
+              </a:rPr>
+              <a:t>5.12.2017</a:t>
+            </a:r>
+            <a:endParaRPr b="0" lang="de-DE" sz="1200" spc="-1" strike="noStrike">
+              <a:solidFill>
+                <a:srgbClr val="000000"/>
+              </a:solidFill>
+              <a:uFill>
+                <a:solidFill>
+                  <a:srgbClr val="ffffff"/>
+                </a:solidFill>
+              </a:uFill>
+              <a:latin typeface="Arial"/>
+            </a:endParaRPr>
+          </a:p>
+        </p:txBody>
+      </p:sp>
+      <p:sp>
+        <p:nvSpPr>
+          <p:cNvPr id="144" name="CustomShape 4"/>
+          <p:cNvSpPr/>
+          <p:nvPr/>
+        </p:nvSpPr>
+        <p:spPr>
+          <a:xfrm>
+            <a:off x="4038480" y="6356520"/>
+            <a:ext cx="4113720" cy="363960"/>
+          </a:xfrm>
+          <a:prstGeom prst="rect">
+            <a:avLst/>
+          </a:prstGeom>
+          <a:noFill/>
+          <a:ln>
+            <a:noFill/>
+          </a:ln>
+        </p:spPr>
+        <p:style>
+          <a:lnRef idx="0"/>
+          <a:fillRef idx="0"/>
+          <a:effectRef idx="0"/>
+          <a:fontRef idx="minor"/>
+        </p:style>
+        <p:txBody>
+          <a:bodyPr lIns="90000" rIns="90000" tIns="45000" bIns="45000" anchor="ctr"/>
+          <a:p>
+            <a:pPr algn="ctr">
+              <a:lnSpc>
+                <a:spcPct val="100000"/>
+              </a:lnSpc>
+            </a:pPr>
+            <a:r>
+              <a:rPr b="0" lang="de-DE" sz="1200" spc="-1" strike="noStrike">
+                <a:solidFill>
+                  <a:srgbClr val="8b8b8b"/>
+                </a:solidFill>
+                <a:uFill>
+                  <a:solidFill>
+                    <a:srgbClr val="ffffff"/>
+                  </a:solidFill>
+                </a:uFill>
+                <a:latin typeface="Calibri"/>
+                <a:ea typeface="DejaVu Sans"/>
+              </a:rPr>
+              <a:t>Philipp Pelcz, Philipp Karcher, Jan-Luca Vettel</a:t>
+            </a:r>
+            <a:endParaRPr b="0" lang="de-DE" sz="1200" spc="-1" strike="noStrike">
+              <a:solidFill>
+                <a:srgbClr val="000000"/>
+              </a:solidFill>
+              <a:uFill>
+                <a:solidFill>
+                  <a:srgbClr val="ffffff"/>
+                </a:solidFill>
+              </a:uFill>
+              <a:latin typeface="Arial"/>
+            </a:endParaRPr>
+          </a:p>
+        </p:txBody>
+      </p:sp>
+      <p:sp>
+        <p:nvSpPr>
+          <p:cNvPr id="145" name="CustomShape 5"/>
+          <p:cNvSpPr/>
+          <p:nvPr/>
+        </p:nvSpPr>
+        <p:spPr>
+          <a:xfrm>
+            <a:off x="8610480" y="6356520"/>
+            <a:ext cx="2742120" cy="363960"/>
+          </a:xfrm>
+          <a:prstGeom prst="rect">
+            <a:avLst/>
+          </a:prstGeom>
+          <a:noFill/>
+          <a:ln>
+            <a:noFill/>
+          </a:ln>
+        </p:spPr>
+        <p:style>
+          <a:lnRef idx="0"/>
+          <a:fillRef idx="0"/>
+          <a:effectRef idx="0"/>
+          <a:fontRef idx="minor"/>
+        </p:style>
+        <p:txBody>
+          <a:bodyPr lIns="90000" rIns="90000" tIns="45000" bIns="45000" anchor="ctr"/>
+          <a:p>
+            <a:pPr algn="r">
+              <a:lnSpc>
+                <a:spcPct val="100000"/>
+              </a:lnSpc>
+            </a:pPr>
+            <a:fld id="{E2D4C480-45FE-439A-AC09-2D12ACEB3CEE}" type="slidenum">
+              <a:rPr b="0" lang="de-DE" sz="1200" spc="-1" strike="noStrike">
+                <a:solidFill>
+                  <a:srgbClr val="8b8b8b"/>
+                </a:solidFill>
+                <a:uFill>
+                  <a:solidFill>
+                    <a:srgbClr val="ffffff"/>
+                  </a:solidFill>
+                </a:uFill>
+                <a:latin typeface="Calibri"/>
+                <a:ea typeface="DejaVu Sans"/>
+              </a:rPr>
+              <a:t>&lt;Foliennummer&gt;</a:t>
+            </a:fld>
+            <a:endParaRPr b="0" lang="de-DE" sz="1200" spc="-1" strike="noStrike">
+              <a:solidFill>
+                <a:srgbClr val="000000"/>
+              </a:solidFill>
+              <a:uFill>
+                <a:solidFill>
+                  <a:srgbClr val="ffffff"/>
+                </a:solidFill>
+              </a:uFill>
+              <a:latin typeface="Arial"/>
+            </a:endParaRPr>
+          </a:p>
+        </p:txBody>
+      </p:sp>
+    </p:spTree>
+  </p:cSld>
+  <p:timing>
+    <p:tnLst>
+      <p:par>
+        <p:cTn id="25" dur="indefinite" restart="never" nodeType="tmRoot">
+          <p:childTnLst>
+            <p:seq>
+              <p:cTn id="26" nodeType="mainSeq"/>
+              <p:prevCondLst>
+                <p:cond delay="0" evt="onPrev">
+                  <p:tgtEl>
+                    <p:sldTgt/>
+                  </p:tgtEl>
+                </p:cond>
+              </p:prevCondLst>
+              <p:nextCondLst>
+                <p:cond delay="0" evt="onNext">
+                  <p:tgtEl>
+                    <p:sldTgt/>
+                  </p:tgtEl>
+                </p:cond>
+              </p:nextCondLst>
+            </p:seq>
+          </p:childTnLst>
+        </p:cTn>
+      </p:par>
+    </p:tnLst>
+  </p:timing>
 </p:sld>
 </file>
 
@@ -5235,7 +5958,7 @@
                 <a:latin typeface="Calibri Light"/>
                 <a:ea typeface="DejaVu Sans"/>
               </a:rPr>
-              <a:t>UML Tool</a:t>
+              <a:t>Was wir gemacht haben</a:t>
             </a:r>
             <a:endParaRPr b="0" lang="de-DE" sz="4400" spc="-1" strike="noStrike">
               <a:solidFill>
@@ -5305,7 +6028,7 @@
                 <a:latin typeface="Calibri"/>
                 <a:ea typeface="DejaVu Sans"/>
               </a:rPr>
-              <a:t>Astah</a:t>
+              <a:t>SWT-Stoff wiederholt...</a:t>
             </a:r>
             <a:endParaRPr b="0" lang="de-DE" sz="2800" spc="-1" strike="noStrike">
               <a:solidFill>
@@ -5346,48 +6069,7 @@
                 <a:latin typeface="Calibri"/>
                 <a:ea typeface="DejaVu Sans"/>
               </a:rPr>
-              <a:t>Professional umsonst für Studenten</a:t>
-            </a:r>
-            <a:endParaRPr b="0" lang="de-DE" sz="2800" spc="-1" strike="noStrike">
-              <a:solidFill>
-                <a:srgbClr val="000000"/>
-              </a:solidFill>
-              <a:uFill>
-                <a:solidFill>
-                  <a:srgbClr val="ffffff"/>
-                </a:solidFill>
-              </a:uFill>
-              <a:latin typeface="Arial"/>
-            </a:endParaRPr>
-          </a:p>
-          <a:p>
-            <a:pPr marL="228600" indent="-227520">
-              <a:lnSpc>
-                <a:spcPct val="90000"/>
-              </a:lnSpc>
-              <a:spcBef>
-                <a:spcPts val="1001"/>
-              </a:spcBef>
-              <a:buClr>
-                <a:srgbClr val="000000"/>
-              </a:buClr>
-              <a:buFont typeface="Arial"/>
-              <a:buChar char="•"/>
-            </a:pPr>
-            <a:r>
-              <a:rPr b="0" lang="de-DE" sz="2800" spc="-1" strike="noStrike">
-                <a:solidFill>
-                  <a:srgbClr val="000000"/>
-                </a:solidFill>
-                <a:uFill>
-                  <a:solidFill>
-                    <a:srgbClr val="ffffff"/>
-                  </a:solidFill>
-                </a:uFill>
-                <a:latin typeface="Calibri"/>
-                <a:ea typeface="DejaVu Sans"/>
-              </a:rPr>
-              <a:t>Code Generierung, etc.</a:t>
+              <a:t>Grobentwurf/Architektur</a:t>
             </a:r>
             <a:endParaRPr b="0" lang="de-DE" sz="2800" spc="-1" strike="noStrike">
               <a:solidFill>
@@ -5560,7 +6242,7 @@
                 <a:spcPct val="100000"/>
               </a:lnSpc>
             </a:pPr>
-            <a:fld id="{7F00EB24-240D-46AD-B2DC-BED6A9CB7EA9}" type="slidenum">
+            <a:fld id="{FD9E2918-DD20-4313-B273-5FF75725BCA5}" type="slidenum">
               <a:rPr b="0" lang="de-DE" sz="1200" spc="-1" strike="noStrike">
                 <a:solidFill>
                   <a:srgbClr val="8b8b8b"/>
@@ -5857,7 +6539,7 @@
                 <a:spcPct val="100000"/>
               </a:lnSpc>
             </a:pPr>
-            <a:fld id="{45882F74-6074-4F9E-9BB0-29AC19BF3DA4}" type="slidenum">
+            <a:fld id="{2C73783D-0137-41BC-8AB4-B48C20D1E148}" type="slidenum">
               <a:rPr b="0" lang="de-DE" sz="1200" spc="-1" strike="noStrike">
                 <a:solidFill>
                   <a:srgbClr val="8b8b8b"/>
@@ -6316,7 +6998,7 @@
                 <a:spcPct val="100000"/>
               </a:lnSpc>
             </a:pPr>
-            <a:fld id="{2733E00B-28BE-4226-A35B-FBCB6DFBFED5}" type="slidenum">
+            <a:fld id="{8C741197-193B-4299-8A55-6924EC0B59D6}" type="slidenum">
               <a:rPr b="0" lang="de-DE" sz="1200" spc="-1" strike="noStrike">
                 <a:solidFill>
                   <a:srgbClr val="8b8b8b"/>
@@ -7008,7 +7690,7 @@
                 <a:spcPct val="100000"/>
               </a:lnSpc>
             </a:pPr>
-            <a:fld id="{3E60435F-A823-47C6-881B-9D256F2E7783}" type="slidenum">
+            <a:fld id="{28B3897C-CD5D-46B7-A65D-7729587B2D66}" type="slidenum">
               <a:rPr b="0" lang="de-DE" sz="1200" spc="-1" strike="noStrike">
                 <a:solidFill>
                   <a:srgbClr val="8b8b8b"/>
@@ -7021,7 +7703,7 @@
                 <a:latin typeface="Calibri"/>
                 <a:ea typeface="DejaVu Sans"/>
               </a:rPr>
-              <a:t>&lt;Foliennummer&gt;</a:t>
+              <a:t>1</a:t>
             </a:fld>
             <a:endParaRPr b="0" lang="de-DE" sz="1200" spc="-1" strike="noStrike">
               <a:solidFill>
@@ -7305,7 +7987,7 @@
                 <a:spcPct val="100000"/>
               </a:lnSpc>
             </a:pPr>
-            <a:fld id="{53834A55-C417-48A2-A390-6B7D114B1496}" type="slidenum">
+            <a:fld id="{09E97166-07CF-4FCF-B2F5-93D3124130AF}" type="slidenum">
               <a:rPr b="0" lang="de-DE" sz="1200" spc="-1" strike="noStrike">
                 <a:solidFill>
                   <a:srgbClr val="8b8b8b"/>
@@ -7318,7 +8000,7 @@
                 <a:latin typeface="Calibri"/>
                 <a:ea typeface="DejaVu Sans"/>
               </a:rPr>
-              <a:t>&lt;Foliennummer&gt;</a:t>
+              <a:t>1</a:t>
             </a:fld>
             <a:endParaRPr b="0" lang="de-DE" sz="1200" spc="-1" strike="noStrike">
               <a:solidFill>
@@ -7726,7 +8408,7 @@
                 <a:spcPct val="100000"/>
               </a:lnSpc>
             </a:pPr>
-            <a:fld id="{3ABD423F-9974-49EA-9675-5B938D70BABE}" type="slidenum">
+            <a:fld id="{55BE079F-022A-45DF-BC5E-2260F0246F1F}" type="slidenum">
               <a:rPr b="0" lang="de-DE" sz="1200" spc="-1" strike="noStrike">
                 <a:solidFill>
                   <a:srgbClr val="8b8b8b"/>
@@ -7739,7 +8421,7 @@
                 <a:latin typeface="Calibri"/>
                 <a:ea typeface="DejaVu Sans"/>
               </a:rPr>
-              <a:t>&lt;Foliennummer&gt;</a:t>
+              <a:t>1</a:t>
             </a:fld>
             <a:endParaRPr b="0" lang="de-DE" sz="1200" spc="-1" strike="noStrike">
               <a:solidFill>
@@ -8185,7 +8867,7 @@
                 <a:spcPct val="100000"/>
               </a:lnSpc>
             </a:pPr>
-            <a:fld id="{2A55EC0E-E92A-4528-8541-451279382DEB}" type="slidenum">
+            <a:fld id="{C3C4A1AC-AEE0-489C-9871-22D80B0DFA94}" type="slidenum">
               <a:rPr b="0" lang="de-DE" sz="1200" spc="-1" strike="noStrike">
                 <a:solidFill>
                   <a:srgbClr val="8b8b8b"/>
@@ -8198,7 +8880,7 @@
                 <a:latin typeface="Calibri"/>
                 <a:ea typeface="DejaVu Sans"/>
               </a:rPr>
-              <a:t>&lt;Foliennummer&gt;</a:t>
+              <a:t>1</a:t>
             </a:fld>
             <a:endParaRPr b="0" lang="de-DE" sz="1200" spc="-1" strike="noStrike">
               <a:solidFill>
@@ -8505,7 +9187,7 @@
                 <a:spcPct val="100000"/>
               </a:lnSpc>
             </a:pPr>
-            <a:fld id="{EB622B27-30E8-42DE-9257-3A26634E08CB}" type="slidenum">
+            <a:fld id="{01403215-BFF2-46D5-B22A-3527FB837D9F}" type="slidenum">
               <a:rPr b="0" lang="de-DE" sz="1200" spc="-1" strike="noStrike">
                 <a:solidFill>
                   <a:srgbClr val="8b8b8b"/>
@@ -8518,7 +9200,7 @@
                 <a:latin typeface="Calibri"/>
                 <a:ea typeface="DejaVu Sans"/>
               </a:rPr>
-              <a:t>&lt;Foliennummer&gt;</a:t>
+              <a:t>1</a:t>
             </a:fld>
             <a:endParaRPr b="0" lang="de-DE" sz="1200" spc="-1" strike="noStrike">
               <a:solidFill>

--- a/Entwurf/1.Gruppentreffen.pptx
+++ b/Entwurf/1.Gruppentreffen.pptx
@@ -19,6 +19,7 @@
     <p:sldId id="266" r:id="rId14"/>
     <p:sldId id="267" r:id="rId15"/>
     <p:sldId id="268" r:id="rId16"/>
+    <p:sldId id="269" r:id="rId17"/>
   </p:sldIdLst>
   <p:sldSz cx="12192000" cy="6858000"/>
   <p:notesSz cx="7559675" cy="10691812"/>
@@ -4215,7 +4216,7 @@
       </p:grpSpPr>
       <p:sp>
         <p:nvSpPr>
-          <p:cNvPr id="124" name="CustomShape 1"/>
+          <p:cNvPr id="123" name="CustomShape 1"/>
           <p:cNvSpPr/>
           <p:nvPr/>
         </p:nvSpPr>
@@ -4259,7 +4260,7 @@
                 <a:latin typeface="Calibri Light"/>
                 <a:ea typeface="DejaVu Sans"/>
               </a:rPr>
-              <a:t>OperationModel</a:t>
+              <a:t>ParserModel</a:t>
             </a:r>
             <a:endParaRPr b="0" lang="de-DE" sz="4400" spc="-1" strike="noStrike">
               <a:solidFill>
@@ -4277,7 +4278,7 @@
       </p:sp>
       <p:sp>
         <p:nvSpPr>
-          <p:cNvPr id="125" name="CustomShape 2"/>
+          <p:cNvPr id="124" name="CustomShape 2"/>
           <p:cNvSpPr/>
           <p:nvPr/>
         </p:nvSpPr>
@@ -4339,7 +4340,7 @@
       </p:sp>
       <p:sp>
         <p:nvSpPr>
-          <p:cNvPr id="126" name="CustomShape 3"/>
+          <p:cNvPr id="125" name="CustomShape 3"/>
           <p:cNvSpPr/>
           <p:nvPr/>
         </p:nvSpPr>
@@ -4401,7 +4402,7 @@
       </p:sp>
       <p:sp>
         <p:nvSpPr>
-          <p:cNvPr id="127" name="CustomShape 4"/>
+          <p:cNvPr id="126" name="CustomShape 4"/>
           <p:cNvSpPr/>
           <p:nvPr/>
         </p:nvSpPr>
@@ -4432,7 +4433,7 @@
                 <a:spcPct val="100000"/>
               </a:lnSpc>
             </a:pPr>
-            <a:fld id="{464A7D1E-4925-475B-876B-1054263CCEEF}" type="slidenum">
+            <a:fld id="{036FF3E8-7E07-4B49-BD6F-4367EFC529AB}" type="slidenum">
               <a:rPr b="0" lang="de-DE" sz="1200" spc="-1" strike="noStrike">
                 <a:solidFill>
                   <a:srgbClr val="8b8b8b"/>
@@ -4445,7 +4446,7 @@
                 <a:latin typeface="Calibri"/>
                 <a:ea typeface="DejaVu Sans"/>
               </a:rPr>
-              <a:t>1</a:t>
+              <a:t>&lt;Foliennummer&gt;</a:t>
             </a:fld>
             <a:endParaRPr b="0" lang="de-DE" sz="1200" spc="-1" strike="noStrike">
               <a:solidFill>
@@ -4463,7 +4464,7 @@
       </p:sp>
       <p:pic>
         <p:nvPicPr>
-          <p:cNvPr id="128" name="" descr=""/>
+          <p:cNvPr id="127" name="" descr=""/>
           <p:cNvPicPr/>
           <p:nvPr/>
         </p:nvPicPr>
@@ -4473,8 +4474,8 @@
         </p:blipFill>
         <p:spPr>
           <a:xfrm>
-            <a:off x="752760" y="1604520"/>
-            <a:ext cx="5067000" cy="3977280"/>
+            <a:off x="648000" y="1512000"/>
+            <a:ext cx="5533200" cy="4187520"/>
           </a:xfrm>
           <a:prstGeom prst="rect">
             <a:avLst/>
@@ -4486,7 +4487,7 @@
       </p:pic>
       <p:sp>
         <p:nvSpPr>
-          <p:cNvPr id="129" name="TextShape 5"/>
+          <p:cNvPr id="128" name="TextShape 5"/>
           <p:cNvSpPr txBox="1"/>
           <p:nvPr/>
         </p:nvSpPr>
@@ -4531,7 +4532,21 @@
                 </a:uFill>
                 <a:latin typeface="Arial"/>
               </a:rPr>
-              <a:t>Operationen auf Objekten in DataModel</a:t>
+              <a:t>„</a:t>
+            </a:r>
+            <a:r>
+              <a:rPr b="0" lang="de-DE" sz="3200" spc="-1" strike="noStrike">
+                <a:solidFill>
+                  <a:srgbClr val="000000"/>
+                </a:solidFill>
+                <a:uFill>
+                  <a:solidFill>
+                    <a:srgbClr val="ffffff"/>
+                  </a:solidFill>
+                </a:uFill>
+                <a:latin typeface="Arial"/>
+              </a:rPr>
+              <a:t>Übersetzt“ unterstützte Dateiformate in Objekte aus DataModel</a:t>
             </a:r>
             <a:endParaRPr b="0" lang="de-DE" sz="3200" spc="-1" strike="noStrike">
               <a:solidFill>
@@ -4569,7 +4584,45 @@
                 </a:uFill>
                 <a:latin typeface="Arial"/>
               </a:rPr>
-              <a:t>TODO (Besucher?)</a:t>
+              <a:t>Dateiformate sind komplexer als unsere Darstellung und nicht untereinander kompatibel</a:t>
+            </a:r>
+            <a:endParaRPr b="0" lang="de-DE" sz="3200" spc="-1" strike="noStrike">
+              <a:solidFill>
+                <a:srgbClr val="000000"/>
+              </a:solidFill>
+              <a:uFill>
+                <a:solidFill>
+                  <a:srgbClr val="ffffff"/>
+                </a:solidFill>
+              </a:uFill>
+              <a:latin typeface="Arial"/>
+            </a:endParaRPr>
+          </a:p>
+          <a:p>
+            <a:pPr marL="432000" indent="-324000">
+              <a:spcBef>
+                <a:spcPts val="1417"/>
+              </a:spcBef>
+              <a:buClr>
+                <a:srgbClr val="000000"/>
+              </a:buClr>
+              <a:buSzPct val="45000"/>
+              <a:buFont typeface="Wingdings" charset="2"/>
+              <a:buChar char=""/>
+            </a:pPr>
+            <a:r>
+              <a:rPr b="0" lang="de-DE" sz="3200" spc="-1" strike="noStrike">
+                <a:solidFill>
+                  <a:srgbClr val="000000"/>
+                </a:solidFill>
+                <a:uFill>
+                  <a:solidFill>
+                    <a:srgbClr val="ffffff"/>
+                  </a:solidFill>
+                </a:uFill>
+                <a:latin typeface="Arial"/>
+              </a:rPr>
+              <a:t>Originaldateien werden für spätere Übertragung gespeichert</a:t>
             </a:r>
             <a:endParaRPr b="0" lang="de-DE" sz="3200" spc="-1" strike="noStrike">
               <a:solidFill>
@@ -4636,7 +4689,7 @@
       </p:grpSpPr>
       <p:sp>
         <p:nvSpPr>
-          <p:cNvPr id="130" name="CustomShape 1"/>
+          <p:cNvPr id="129" name="CustomShape 1"/>
           <p:cNvSpPr/>
           <p:nvPr/>
         </p:nvSpPr>
@@ -4680,7 +4733,7 @@
                 <a:latin typeface="Calibri Light"/>
                 <a:ea typeface="DejaVu Sans"/>
               </a:rPr>
-              <a:t>TransmissionModel</a:t>
+              <a:t>OperationModel</a:t>
             </a:r>
             <a:endParaRPr b="0" lang="de-DE" sz="4400" spc="-1" strike="noStrike">
               <a:solidFill>
@@ -4698,7 +4751,7 @@
       </p:sp>
       <p:sp>
         <p:nvSpPr>
-          <p:cNvPr id="131" name="CustomShape 2"/>
+          <p:cNvPr id="130" name="CustomShape 2"/>
           <p:cNvSpPr/>
           <p:nvPr/>
         </p:nvSpPr>
@@ -4760,7 +4813,7 @@
       </p:sp>
       <p:sp>
         <p:nvSpPr>
-          <p:cNvPr id="132" name="CustomShape 3"/>
+          <p:cNvPr id="131" name="CustomShape 3"/>
           <p:cNvSpPr/>
           <p:nvPr/>
         </p:nvSpPr>
@@ -4822,7 +4875,7 @@
       </p:sp>
       <p:sp>
         <p:nvSpPr>
-          <p:cNvPr id="133" name="CustomShape 4"/>
+          <p:cNvPr id="132" name="CustomShape 4"/>
           <p:cNvSpPr/>
           <p:nvPr/>
         </p:nvSpPr>
@@ -4853,7 +4906,7 @@
                 <a:spcPct val="100000"/>
               </a:lnSpc>
             </a:pPr>
-            <a:fld id="{1422A8A4-D1E0-4CC4-A0E5-87046AE1E3B3}" type="slidenum">
+            <a:fld id="{361FBD0F-3E8D-4C0E-A404-7B30FF9EA3DA}" type="slidenum">
               <a:rPr b="0" lang="de-DE" sz="1200" spc="-1" strike="noStrike">
                 <a:solidFill>
                   <a:srgbClr val="8b8b8b"/>
@@ -4884,7 +4937,7 @@
       </p:sp>
       <p:pic>
         <p:nvPicPr>
-          <p:cNvPr id="134" name="" descr=""/>
+          <p:cNvPr id="133" name="" descr=""/>
           <p:cNvPicPr/>
           <p:nvPr/>
         </p:nvPicPr>
@@ -4907,7 +4960,7 @@
       </p:pic>
       <p:sp>
         <p:nvSpPr>
-          <p:cNvPr id="135" name="TextShape 5"/>
+          <p:cNvPr id="134" name="TextShape 5"/>
           <p:cNvSpPr txBox="1"/>
           <p:nvPr/>
         </p:nvSpPr>
@@ -4952,7 +5005,7 @@
                 </a:uFill>
                 <a:latin typeface="Arial"/>
               </a:rPr>
-              <a:t>Datenübertragunslogik </a:t>
+              <a:t>Operationen auf Objekten in DataModel</a:t>
             </a:r>
             <a:endParaRPr b="0" lang="de-DE" sz="3200" spc="-1" strike="noStrike">
               <a:solidFill>
@@ -4990,7 +5043,7 @@
                 </a:uFill>
                 <a:latin typeface="Arial"/>
               </a:rPr>
-              <a:t>TODO</a:t>
+              <a:t>TODO (Besucher?)</a:t>
             </a:r>
             <a:endParaRPr b="0" lang="de-DE" sz="3200" spc="-1" strike="noStrike">
               <a:solidFill>
@@ -5057,7 +5110,7 @@
       </p:grpSpPr>
       <p:sp>
         <p:nvSpPr>
-          <p:cNvPr id="136" name="CustomShape 1"/>
+          <p:cNvPr id="135" name="CustomShape 1"/>
           <p:cNvSpPr/>
           <p:nvPr/>
         </p:nvSpPr>
@@ -5083,7 +5136,7 @@
         <p:txBody>
           <a:bodyPr lIns="90000" rIns="90000" tIns="45000" bIns="45000" anchor="ctr"/>
           <a:p>
-            <a:pPr>
+            <a:pPr algn="ctr">
               <a:lnSpc>
                 <a:spcPct val="90000"/>
               </a:lnSpc>
@@ -5101,7 +5154,7 @@
                 <a:latin typeface="Calibri Light"/>
                 <a:ea typeface="DejaVu Sans"/>
               </a:rPr>
-              <a:t>TODO</a:t>
+              <a:t>TransmissionModel</a:t>
             </a:r>
             <a:endParaRPr b="0" lang="de-DE" sz="4400" spc="-1" strike="noStrike">
               <a:solidFill>
@@ -5119,118 +5172,7 @@
       </p:sp>
       <p:sp>
         <p:nvSpPr>
-          <p:cNvPr id="137" name="CustomShape 2"/>
-          <p:cNvSpPr/>
-          <p:nvPr/>
-        </p:nvSpPr>
-        <p:spPr>
-          <a:xfrm>
-            <a:off x="838080" y="1825560"/>
-            <a:ext cx="10514520" cy="4350240"/>
-          </a:xfrm>
-          <a:prstGeom prst="rect">
-            <a:avLst/>
-          </a:prstGeom>
-          <a:noFill/>
-          <a:ln>
-            <a:noFill/>
-          </a:ln>
-        </p:spPr>
-        <p:style>
-          <a:lnRef idx="0"/>
-          <a:fillRef idx="0"/>
-          <a:effectRef idx="0"/>
-          <a:fontRef idx="minor"/>
-        </p:style>
-        <p:txBody>
-          <a:bodyPr lIns="90000" rIns="90000" tIns="45000" bIns="45000"/>
-          <a:p>
-            <a:pPr marL="228600" indent="-227520">
-              <a:lnSpc>
-                <a:spcPct val="90000"/>
-              </a:lnSpc>
-              <a:spcBef>
-                <a:spcPts val="1001"/>
-              </a:spcBef>
-              <a:buClr>
-                <a:srgbClr val="000000"/>
-              </a:buClr>
-              <a:buFont typeface="Arial"/>
-              <a:buChar char="•"/>
-            </a:pPr>
-            <a:r>
-              <a:rPr b="0" lang="de-DE" sz="2800" spc="-1" strike="noStrike">
-                <a:solidFill>
-                  <a:srgbClr val="000000"/>
-                </a:solidFill>
-                <a:uFill>
-                  <a:solidFill>
-                    <a:srgbClr val="ffffff"/>
-                  </a:solidFill>
-                </a:uFill>
-                <a:latin typeface="Calibri"/>
-                <a:ea typeface="DejaVu Sans"/>
-              </a:rPr>
-              <a:t>Weiter entwerfen...</a:t>
-            </a:r>
-            <a:endParaRPr b="0" lang="de-DE" sz="2800" spc="-1" strike="noStrike">
-              <a:solidFill>
-                <a:srgbClr val="000000"/>
-              </a:solidFill>
-              <a:uFill>
-                <a:solidFill>
-                  <a:srgbClr val="ffffff"/>
-                </a:solidFill>
-              </a:uFill>
-              <a:latin typeface="Arial"/>
-            </a:endParaRPr>
-          </a:p>
-          <a:p>
-            <a:pPr marL="228600" indent="-227520">
-              <a:lnSpc>
-                <a:spcPct val="90000"/>
-              </a:lnSpc>
-              <a:spcBef>
-                <a:spcPts val="1001"/>
-              </a:spcBef>
-              <a:buClr>
-                <a:srgbClr val="000000"/>
-              </a:buClr>
-              <a:buFont typeface="Arial"/>
-              <a:buChar char="•"/>
-            </a:pPr>
-            <a:r>
-              <a:rPr b="0" lang="de-DE" sz="2800" spc="-1" strike="noStrike">
-                <a:solidFill>
-                  <a:srgbClr val="000000"/>
-                </a:solidFill>
-                <a:uFill>
-                  <a:solidFill>
-                    <a:srgbClr val="ffffff"/>
-                  </a:solidFill>
-                </a:uFill>
-                <a:latin typeface="Calibri"/>
-                <a:ea typeface="DejaVu Sans"/>
-              </a:rPr>
-              <a:t>Datenübertragung/Bluetooth</a:t>
-            </a:r>
-            <a:endParaRPr b="0" lang="de-DE" sz="2800" spc="-1" strike="noStrike">
-              <a:solidFill>
-                <a:srgbClr val="000000"/>
-              </a:solidFill>
-              <a:uFill>
-                <a:solidFill>
-                  <a:srgbClr val="ffffff"/>
-                </a:solidFill>
-              </a:uFill>
-              <a:latin typeface="Arial"/>
-            </a:endParaRPr>
-          </a:p>
-        </p:txBody>
-      </p:sp>
-      <p:sp>
-        <p:nvSpPr>
-          <p:cNvPr id="138" name="CustomShape 3"/>
+          <p:cNvPr id="136" name="CustomShape 2"/>
           <p:cNvSpPr/>
           <p:nvPr/>
         </p:nvSpPr>
@@ -5292,7 +5234,7 @@
       </p:sp>
       <p:sp>
         <p:nvSpPr>
-          <p:cNvPr id="139" name="CustomShape 4"/>
+          <p:cNvPr id="137" name="CustomShape 3"/>
           <p:cNvSpPr/>
           <p:nvPr/>
         </p:nvSpPr>
@@ -5354,7 +5296,7 @@
       </p:sp>
       <p:sp>
         <p:nvSpPr>
-          <p:cNvPr id="140" name="CustomShape 5"/>
+          <p:cNvPr id="138" name="CustomShape 4"/>
           <p:cNvSpPr/>
           <p:nvPr/>
         </p:nvSpPr>
@@ -5385,7 +5327,7 @@
                 <a:spcPct val="100000"/>
               </a:lnSpc>
             </a:pPr>
-            <a:fld id="{79A65043-1B5E-4CA1-A9C9-8D0A5C9FDA26}" type="slidenum">
+            <a:fld id="{0F123003-CBE8-4644-93B2-6F193F122E29}" type="slidenum">
               <a:rPr b="0" lang="de-DE" sz="1200" spc="-1" strike="noStrike">
                 <a:solidFill>
                   <a:srgbClr val="8b8b8b"/>
@@ -5401,6 +5343,130 @@
               <a:t>&lt;Foliennummer&gt;</a:t>
             </a:fld>
             <a:endParaRPr b="0" lang="de-DE" sz="1200" spc="-1" strike="noStrike">
+              <a:solidFill>
+                <a:srgbClr val="000000"/>
+              </a:solidFill>
+              <a:uFill>
+                <a:solidFill>
+                  <a:srgbClr val="ffffff"/>
+                </a:solidFill>
+              </a:uFill>
+              <a:latin typeface="Arial"/>
+            </a:endParaRPr>
+          </a:p>
+        </p:txBody>
+      </p:sp>
+      <p:pic>
+        <p:nvPicPr>
+          <p:cNvPr id="139" name="" descr=""/>
+          <p:cNvPicPr/>
+          <p:nvPr/>
+        </p:nvPicPr>
+        <p:blipFill>
+          <a:blip r:embed="rId1"/>
+          <a:stretch/>
+        </p:blipFill>
+        <p:spPr>
+          <a:xfrm>
+            <a:off x="752760" y="1604520"/>
+            <a:ext cx="5067000" cy="3977280"/>
+          </a:xfrm>
+          <a:prstGeom prst="rect">
+            <a:avLst/>
+          </a:prstGeom>
+          <a:ln>
+            <a:noFill/>
+          </a:ln>
+        </p:spPr>
+      </p:pic>
+      <p:sp>
+        <p:nvSpPr>
+          <p:cNvPr id="140" name="TextShape 5"/>
+          <p:cNvSpPr txBox="1"/>
+          <p:nvPr/>
+        </p:nvSpPr>
+        <p:spPr>
+          <a:xfrm>
+            <a:off x="6231960" y="1604520"/>
+            <a:ext cx="5354280" cy="3977280"/>
+          </a:xfrm>
+          <a:prstGeom prst="rect">
+            <a:avLst/>
+          </a:prstGeom>
+          <a:noFill/>
+          <a:ln>
+            <a:noFill/>
+          </a:ln>
+        </p:spPr>
+        <p:txBody>
+          <a:bodyPr lIns="0" rIns="0" tIns="0" bIns="0">
+            <a:normAutofit/>
+          </a:bodyPr>
+          <a:p>
+            <a:pPr marL="432000" indent="-324000">
+              <a:spcBef>
+                <a:spcPts val="1417"/>
+              </a:spcBef>
+              <a:buClr>
+                <a:srgbClr val="000000"/>
+              </a:buClr>
+              <a:buSzPct val="45000"/>
+              <a:buFont typeface="Wingdings" charset="2"/>
+              <a:buChar char=""/>
+            </a:pPr>
+            <a:r>
+              <a:rPr b="0" lang="de-DE" sz="3200" spc="-1" strike="noStrike">
+                <a:solidFill>
+                  <a:srgbClr val="000000"/>
+                </a:solidFill>
+                <a:uFill>
+                  <a:solidFill>
+                    <a:srgbClr val="ffffff"/>
+                  </a:solidFill>
+                </a:uFill>
+                <a:latin typeface="Arial"/>
+              </a:rPr>
+              <a:t>Datenübertragunslogik </a:t>
+            </a:r>
+            <a:endParaRPr b="0" lang="de-DE" sz="3200" spc="-1" strike="noStrike">
+              <a:solidFill>
+                <a:srgbClr val="000000"/>
+              </a:solidFill>
+              <a:uFill>
+                <a:solidFill>
+                  <a:srgbClr val="ffffff"/>
+                </a:solidFill>
+              </a:uFill>
+              <a:latin typeface="Arial"/>
+            </a:endParaRPr>
+          </a:p>
+          <a:p>
+            <a:pPr marL="432000" indent="-324000">
+              <a:spcBef>
+                <a:spcPts val="1417"/>
+              </a:spcBef>
+              <a:buClr>
+                <a:srgbClr val="000000"/>
+              </a:buClr>
+              <a:buSzPct val="45000"/>
+              <a:buFont typeface="Wingdings" charset="2"/>
+              <a:buChar char=""/>
+            </a:pPr>
+            <a:r>
+              <a:rPr b="0" lang="de-DE" sz="3200" spc="-1" strike="noStrike">
+                <a:solidFill>
+                  <a:srgbClr val="000000"/>
+                </a:solidFill>
+                <a:uFill>
+                  <a:solidFill>
+                    <a:srgbClr val="ffffff"/>
+                  </a:solidFill>
+                </a:uFill>
+                <a:latin typeface="Arial"/>
+              </a:rPr>
+              <a:t>TODO</a:t>
+            </a:r>
+            <a:endParaRPr b="0" lang="de-DE" sz="3200" spc="-1" strike="noStrike">
               <a:solidFill>
                 <a:srgbClr val="000000"/>
               </a:solidFill>
@@ -5509,7 +5575,7 @@
                 <a:latin typeface="Calibri Light"/>
                 <a:ea typeface="DejaVu Sans"/>
               </a:rPr>
-              <a:t>UML Tool</a:t>
+              <a:t>Desktop Anwendung</a:t>
             </a:r>
             <a:endParaRPr b="0" lang="de-DE" sz="4400" spc="-1" strike="noStrike">
               <a:solidFill>
@@ -5579,7 +5645,7 @@
                 <a:latin typeface="Calibri"/>
                 <a:ea typeface="DejaVu Sans"/>
               </a:rPr>
-              <a:t>Astah</a:t>
+              <a:t>Aufbau ähnlich wie App</a:t>
             </a:r>
             <a:endParaRPr b="0" lang="de-DE" sz="2800" spc="-1" strike="noStrike">
               <a:solidFill>
@@ -5620,7 +5686,7 @@
                 <a:latin typeface="Calibri"/>
                 <a:ea typeface="DejaVu Sans"/>
               </a:rPr>
-              <a:t>Professional umsonst für Studenten</a:t>
+              <a:t>Model besteht nur noch aus TransmissionModel</a:t>
             </a:r>
             <a:endParaRPr b="0" lang="de-DE" sz="2800" spc="-1" strike="noStrike">
               <a:solidFill>
@@ -5661,7 +5727,7 @@
                 <a:latin typeface="Calibri"/>
                 <a:ea typeface="DejaVu Sans"/>
               </a:rPr>
-              <a:t>Code Generierung, etc.</a:t>
+              <a:t>Presenter/View dementsprechend angepasst</a:t>
             </a:r>
             <a:endParaRPr b="0" lang="de-DE" sz="2800" spc="-1" strike="noStrike">
               <a:solidFill>
@@ -5834,7 +5900,7 @@
                 <a:spcPct val="100000"/>
               </a:lnSpc>
             </a:pPr>
-            <a:fld id="{E2D4C480-45FE-439A-AC09-2D12ACEB3CEE}" type="slidenum">
+            <a:fld id="{2DF008FC-9905-44FD-A0D7-87B927B15108}" type="slidenum">
               <a:rPr b="0" lang="de-DE" sz="1200" spc="-1" strike="noStrike">
                 <a:solidFill>
                   <a:srgbClr val="8b8b8b"/>
@@ -5872,6 +5938,414 @@
           <p:childTnLst>
             <p:seq>
               <p:cTn id="26" nodeType="mainSeq"/>
+              <p:prevCondLst>
+                <p:cond delay="0" evt="onPrev">
+                  <p:tgtEl>
+                    <p:sldTgt/>
+                  </p:tgtEl>
+                </p:cond>
+              </p:prevCondLst>
+              <p:nextCondLst>
+                <p:cond delay="0" evt="onNext">
+                  <p:tgtEl>
+                    <p:sldTgt/>
+                  </p:tgtEl>
+                </p:cond>
+              </p:nextCondLst>
+            </p:seq>
+          </p:childTnLst>
+        </p:cTn>
+      </p:par>
+    </p:tnLst>
+  </p:timing>
+</p:sld>
+</file>
+
+<file path=ppt/slides/slide14.xml><?xml version="1.0" encoding="utf-8"?>
+<p:sld xmlns:a="http://schemas.openxmlformats.org/drawingml/2006/main" xmlns:p="http://schemas.openxmlformats.org/presentationml/2006/main" xmlns:r="http://schemas.openxmlformats.org/officeDocument/2006/relationships" xmlns:p14="http://schemas.microsoft.com/office/powerpoint/2010/main" xmlns:p15="http://schemas.microsoft.com/office/powerpoint/2012/main" xmlns:mc="http://schemas.openxmlformats.org/markup-compatibility/2006">
+  <p:cSld>
+    <p:spTree>
+      <p:nvGrpSpPr>
+        <p:cNvPr id="1" name=""/>
+        <p:cNvGrpSpPr/>
+        <p:nvPr/>
+      </p:nvGrpSpPr>
+      <p:grpSpPr>
+        <a:xfrm>
+          <a:off x="0" y="0"/>
+          <a:ext cx="0" cy="0"/>
+          <a:chOff x="0" y="0"/>
+          <a:chExt cx="0" cy="0"/>
+        </a:xfrm>
+      </p:grpSpPr>
+      <p:sp>
+        <p:nvSpPr>
+          <p:cNvPr id="146" name="CustomShape 1"/>
+          <p:cNvSpPr/>
+          <p:nvPr/>
+        </p:nvSpPr>
+        <p:spPr>
+          <a:xfrm>
+            <a:off x="838080" y="365040"/>
+            <a:ext cx="10514520" cy="1324440"/>
+          </a:xfrm>
+          <a:prstGeom prst="rect">
+            <a:avLst/>
+          </a:prstGeom>
+          <a:noFill/>
+          <a:ln>
+            <a:noFill/>
+          </a:ln>
+        </p:spPr>
+        <p:style>
+          <a:lnRef idx="0"/>
+          <a:fillRef idx="0"/>
+          <a:effectRef idx="0"/>
+          <a:fontRef idx="minor"/>
+        </p:style>
+        <p:txBody>
+          <a:bodyPr lIns="90000" rIns="90000" tIns="45000" bIns="45000" anchor="ctr"/>
+          <a:p>
+            <a:pPr>
+              <a:lnSpc>
+                <a:spcPct val="90000"/>
+              </a:lnSpc>
+            </a:pPr>
+            <a:r>
+              <a:rPr b="0" lang="de-DE" sz="4400" spc="-1" strike="noStrike">
+                <a:solidFill>
+                  <a:srgbClr val="000000"/>
+                </a:solidFill>
+                <a:uFill>
+                  <a:solidFill>
+                    <a:srgbClr val="ffffff"/>
+                  </a:solidFill>
+                </a:uFill>
+                <a:latin typeface="Calibri Light"/>
+                <a:ea typeface="DejaVu Sans"/>
+              </a:rPr>
+              <a:t>TODO</a:t>
+            </a:r>
+            <a:endParaRPr b="0" lang="de-DE" sz="4400" spc="-1" strike="noStrike">
+              <a:solidFill>
+                <a:srgbClr val="000000"/>
+              </a:solidFill>
+              <a:uFill>
+                <a:solidFill>
+                  <a:srgbClr val="ffffff"/>
+                </a:solidFill>
+              </a:uFill>
+              <a:latin typeface="Arial"/>
+            </a:endParaRPr>
+          </a:p>
+        </p:txBody>
+      </p:sp>
+      <p:sp>
+        <p:nvSpPr>
+          <p:cNvPr id="147" name="CustomShape 2"/>
+          <p:cNvSpPr/>
+          <p:nvPr/>
+        </p:nvSpPr>
+        <p:spPr>
+          <a:xfrm>
+            <a:off x="838080" y="1825560"/>
+            <a:ext cx="10514520" cy="4350240"/>
+          </a:xfrm>
+          <a:prstGeom prst="rect">
+            <a:avLst/>
+          </a:prstGeom>
+          <a:noFill/>
+          <a:ln>
+            <a:noFill/>
+          </a:ln>
+        </p:spPr>
+        <p:style>
+          <a:lnRef idx="0"/>
+          <a:fillRef idx="0"/>
+          <a:effectRef idx="0"/>
+          <a:fontRef idx="minor"/>
+        </p:style>
+        <p:txBody>
+          <a:bodyPr lIns="90000" rIns="90000" tIns="45000" bIns="45000"/>
+          <a:p>
+            <a:pPr marL="228600" indent="-227520">
+              <a:lnSpc>
+                <a:spcPct val="90000"/>
+              </a:lnSpc>
+              <a:spcBef>
+                <a:spcPts val="1001"/>
+              </a:spcBef>
+              <a:buClr>
+                <a:srgbClr val="000000"/>
+              </a:buClr>
+              <a:buFont typeface="Arial"/>
+              <a:buChar char="•"/>
+            </a:pPr>
+            <a:r>
+              <a:rPr b="0" lang="de-DE" sz="2800" spc="-1" strike="noStrike">
+                <a:solidFill>
+                  <a:srgbClr val="000000"/>
+                </a:solidFill>
+                <a:uFill>
+                  <a:solidFill>
+                    <a:srgbClr val="ffffff"/>
+                  </a:solidFill>
+                </a:uFill>
+                <a:latin typeface="Calibri"/>
+                <a:ea typeface="DejaVu Sans"/>
+              </a:rPr>
+              <a:t>Weiter entwerfen...</a:t>
+            </a:r>
+            <a:endParaRPr b="0" lang="de-DE" sz="2800" spc="-1" strike="noStrike">
+              <a:solidFill>
+                <a:srgbClr val="000000"/>
+              </a:solidFill>
+              <a:uFill>
+                <a:solidFill>
+                  <a:srgbClr val="ffffff"/>
+                </a:solidFill>
+              </a:uFill>
+              <a:latin typeface="Arial"/>
+            </a:endParaRPr>
+          </a:p>
+          <a:p>
+            <a:pPr marL="228600" indent="-227520">
+              <a:lnSpc>
+                <a:spcPct val="90000"/>
+              </a:lnSpc>
+              <a:spcBef>
+                <a:spcPts val="1001"/>
+              </a:spcBef>
+              <a:buClr>
+                <a:srgbClr val="000000"/>
+              </a:buClr>
+              <a:buFont typeface="Arial"/>
+              <a:buChar char="•"/>
+            </a:pPr>
+            <a:r>
+              <a:rPr b="0" lang="de-DE" sz="2800" spc="-1" strike="noStrike">
+                <a:solidFill>
+                  <a:srgbClr val="000000"/>
+                </a:solidFill>
+                <a:uFill>
+                  <a:solidFill>
+                    <a:srgbClr val="ffffff"/>
+                  </a:solidFill>
+                </a:uFill>
+                <a:latin typeface="Calibri"/>
+                <a:ea typeface="DejaVu Sans"/>
+              </a:rPr>
+              <a:t>Datenübertragung/Bluetooth</a:t>
+            </a:r>
+            <a:endParaRPr b="0" lang="de-DE" sz="2800" spc="-1" strike="noStrike">
+              <a:solidFill>
+                <a:srgbClr val="000000"/>
+              </a:solidFill>
+              <a:uFill>
+                <a:solidFill>
+                  <a:srgbClr val="ffffff"/>
+                </a:solidFill>
+              </a:uFill>
+              <a:latin typeface="Arial"/>
+            </a:endParaRPr>
+          </a:p>
+        </p:txBody>
+      </p:sp>
+      <p:sp>
+        <p:nvSpPr>
+          <p:cNvPr id="148" name="CustomShape 3"/>
+          <p:cNvSpPr/>
+          <p:nvPr/>
+        </p:nvSpPr>
+        <p:spPr>
+          <a:xfrm>
+            <a:off x="838080" y="6356520"/>
+            <a:ext cx="2742120" cy="363960"/>
+          </a:xfrm>
+          <a:prstGeom prst="rect">
+            <a:avLst/>
+          </a:prstGeom>
+          <a:noFill/>
+          <a:ln>
+            <a:noFill/>
+          </a:ln>
+        </p:spPr>
+        <p:style>
+          <a:lnRef idx="0"/>
+          <a:fillRef idx="0"/>
+          <a:effectRef idx="0"/>
+          <a:fontRef idx="minor"/>
+        </p:style>
+        <p:txBody>
+          <a:bodyPr lIns="90000" rIns="90000" tIns="45000" bIns="45000" anchor="ctr"/>
+          <a:p>
+            <a:pPr>
+              <a:lnSpc>
+                <a:spcPct val="100000"/>
+              </a:lnSpc>
+            </a:pPr>
+            <a:r>
+              <a:rPr b="0" lang="de-DE" sz="1200" spc="-1" strike="noStrike">
+                <a:solidFill>
+                  <a:srgbClr val="8b8b8b"/>
+                </a:solidFill>
+                <a:uFill>
+                  <a:solidFill>
+                    <a:srgbClr val="ffffff"/>
+                  </a:solidFill>
+                </a:uFill>
+                <a:latin typeface="Calibri"/>
+                <a:ea typeface="DejaVu Sans"/>
+              </a:rPr>
+              <a:t>5.12.2017</a:t>
+            </a:r>
+            <a:endParaRPr b="0" lang="de-DE" sz="1200" spc="-1" strike="noStrike">
+              <a:solidFill>
+                <a:srgbClr val="000000"/>
+              </a:solidFill>
+              <a:uFill>
+                <a:solidFill>
+                  <a:srgbClr val="ffffff"/>
+                </a:solidFill>
+              </a:uFill>
+              <a:latin typeface="Arial"/>
+            </a:endParaRPr>
+          </a:p>
+        </p:txBody>
+      </p:sp>
+      <p:sp>
+        <p:nvSpPr>
+          <p:cNvPr id="149" name="CustomShape 4"/>
+          <p:cNvSpPr/>
+          <p:nvPr/>
+        </p:nvSpPr>
+        <p:spPr>
+          <a:xfrm>
+            <a:off x="4038480" y="6356520"/>
+            <a:ext cx="4113720" cy="363960"/>
+          </a:xfrm>
+          <a:prstGeom prst="rect">
+            <a:avLst/>
+          </a:prstGeom>
+          <a:noFill/>
+          <a:ln>
+            <a:noFill/>
+          </a:ln>
+        </p:spPr>
+        <p:style>
+          <a:lnRef idx="0"/>
+          <a:fillRef idx="0"/>
+          <a:effectRef idx="0"/>
+          <a:fontRef idx="minor"/>
+        </p:style>
+        <p:txBody>
+          <a:bodyPr lIns="90000" rIns="90000" tIns="45000" bIns="45000" anchor="ctr"/>
+          <a:p>
+            <a:pPr algn="ctr">
+              <a:lnSpc>
+                <a:spcPct val="100000"/>
+              </a:lnSpc>
+            </a:pPr>
+            <a:r>
+              <a:rPr b="0" lang="de-DE" sz="1200" spc="-1" strike="noStrike">
+                <a:solidFill>
+                  <a:srgbClr val="8b8b8b"/>
+                </a:solidFill>
+                <a:uFill>
+                  <a:solidFill>
+                    <a:srgbClr val="ffffff"/>
+                  </a:solidFill>
+                </a:uFill>
+                <a:latin typeface="Calibri"/>
+                <a:ea typeface="DejaVu Sans"/>
+              </a:rPr>
+              <a:t>Philipp Pelcz, Philipp Karcher, Jan-Luca Vettel</a:t>
+            </a:r>
+            <a:endParaRPr b="0" lang="de-DE" sz="1200" spc="-1" strike="noStrike">
+              <a:solidFill>
+                <a:srgbClr val="000000"/>
+              </a:solidFill>
+              <a:uFill>
+                <a:solidFill>
+                  <a:srgbClr val="ffffff"/>
+                </a:solidFill>
+              </a:uFill>
+              <a:latin typeface="Arial"/>
+            </a:endParaRPr>
+          </a:p>
+        </p:txBody>
+      </p:sp>
+      <p:sp>
+        <p:nvSpPr>
+          <p:cNvPr id="150" name="CustomShape 5"/>
+          <p:cNvSpPr/>
+          <p:nvPr/>
+        </p:nvSpPr>
+        <p:spPr>
+          <a:xfrm>
+            <a:off x="8610480" y="6356520"/>
+            <a:ext cx="2742120" cy="363960"/>
+          </a:xfrm>
+          <a:prstGeom prst="rect">
+            <a:avLst/>
+          </a:prstGeom>
+          <a:noFill/>
+          <a:ln>
+            <a:noFill/>
+          </a:ln>
+        </p:spPr>
+        <p:style>
+          <a:lnRef idx="0"/>
+          <a:fillRef idx="0"/>
+          <a:effectRef idx="0"/>
+          <a:fontRef idx="minor"/>
+        </p:style>
+        <p:txBody>
+          <a:bodyPr lIns="90000" rIns="90000" tIns="45000" bIns="45000" anchor="ctr"/>
+          <a:p>
+            <a:pPr algn="r">
+              <a:lnSpc>
+                <a:spcPct val="100000"/>
+              </a:lnSpc>
+            </a:pPr>
+            <a:fld id="{718C67E3-CB57-49F5-BF25-F1C1D5B44903}" type="slidenum">
+              <a:rPr b="0" lang="de-DE" sz="1200" spc="-1" strike="noStrike">
+                <a:solidFill>
+                  <a:srgbClr val="8b8b8b"/>
+                </a:solidFill>
+                <a:uFill>
+                  <a:solidFill>
+                    <a:srgbClr val="ffffff"/>
+                  </a:solidFill>
+                </a:uFill>
+                <a:latin typeface="Calibri"/>
+                <a:ea typeface="DejaVu Sans"/>
+              </a:rPr>
+              <a:t>&lt;Foliennummer&gt;</a:t>
+            </a:fld>
+            <a:endParaRPr b="0" lang="de-DE" sz="1200" spc="-1" strike="noStrike">
+              <a:solidFill>
+                <a:srgbClr val="000000"/>
+              </a:solidFill>
+              <a:uFill>
+                <a:solidFill>
+                  <a:srgbClr val="ffffff"/>
+                </a:solidFill>
+              </a:uFill>
+              <a:latin typeface="Arial"/>
+            </a:endParaRPr>
+          </a:p>
+        </p:txBody>
+      </p:sp>
+    </p:spTree>
+  </p:cSld>
+  <p:timing>
+    <p:tnLst>
+      <p:par>
+        <p:cTn id="27" dur="indefinite" restart="never" nodeType="tmRoot">
+          <p:childTnLst>
+            <p:seq>
+              <p:cTn id="28" nodeType="mainSeq"/>
               <p:prevCondLst>
                 <p:cond delay="0" evt="onPrev">
                   <p:tgtEl>
@@ -6242,7 +6716,7 @@
                 <a:spcPct val="100000"/>
               </a:lnSpc>
             </a:pPr>
-            <a:fld id="{FD9E2918-DD20-4313-B273-5FF75725BCA5}" type="slidenum">
+            <a:fld id="{C056F0BD-AF97-4B8A-AA1B-345BEAE36449}" type="slidenum">
               <a:rPr b="0" lang="de-DE" sz="1200" spc="-1" strike="noStrike">
                 <a:solidFill>
                   <a:srgbClr val="8b8b8b"/>
@@ -6348,7 +6822,7 @@
         <p:txBody>
           <a:bodyPr lIns="90000" rIns="90000" tIns="45000" bIns="45000" anchor="ctr"/>
           <a:p>
-            <a:pPr algn="ctr">
+            <a:pPr>
               <a:lnSpc>
                 <a:spcPct val="90000"/>
               </a:lnSpc>
@@ -6366,7 +6840,7 @@
                 <a:latin typeface="Calibri Light"/>
                 <a:ea typeface="DejaVu Sans"/>
               </a:rPr>
-              <a:t>Überblick</a:t>
+              <a:t>UML Tool</a:t>
             </a:r>
             <a:endParaRPr b="0" lang="de-DE" sz="4400" spc="-1" strike="noStrike">
               <a:solidFill>
@@ -6385,6 +6859,158 @@
       <p:sp>
         <p:nvSpPr>
           <p:cNvPr id="85" name="CustomShape 2"/>
+          <p:cNvSpPr/>
+          <p:nvPr/>
+        </p:nvSpPr>
+        <p:spPr>
+          <a:xfrm>
+            <a:off x="838080" y="1825560"/>
+            <a:ext cx="10514520" cy="4350240"/>
+          </a:xfrm>
+          <a:prstGeom prst="rect">
+            <a:avLst/>
+          </a:prstGeom>
+          <a:noFill/>
+          <a:ln>
+            <a:noFill/>
+          </a:ln>
+        </p:spPr>
+        <p:style>
+          <a:lnRef idx="0"/>
+          <a:fillRef idx="0"/>
+          <a:effectRef idx="0"/>
+          <a:fontRef idx="minor"/>
+        </p:style>
+        <p:txBody>
+          <a:bodyPr lIns="90000" rIns="90000" tIns="45000" bIns="45000"/>
+          <a:p>
+            <a:pPr marL="228600" indent="-227520">
+              <a:lnSpc>
+                <a:spcPct val="90000"/>
+              </a:lnSpc>
+              <a:spcBef>
+                <a:spcPts val="1001"/>
+              </a:spcBef>
+              <a:buClr>
+                <a:srgbClr val="000000"/>
+              </a:buClr>
+              <a:buFont typeface="Arial"/>
+              <a:buChar char="•"/>
+            </a:pPr>
+            <a:r>
+              <a:rPr b="0" lang="de-DE" sz="2800" spc="-1" strike="noStrike">
+                <a:solidFill>
+                  <a:srgbClr val="000000"/>
+                </a:solidFill>
+                <a:uFill>
+                  <a:solidFill>
+                    <a:srgbClr val="ffffff"/>
+                  </a:solidFill>
+                </a:uFill>
+                <a:latin typeface="Calibri"/>
+                <a:ea typeface="DejaVu Sans"/>
+              </a:rPr>
+              <a:t>Astah</a:t>
+            </a:r>
+            <a:endParaRPr b="0" lang="de-DE" sz="2800" spc="-1" strike="noStrike">
+              <a:solidFill>
+                <a:srgbClr val="000000"/>
+              </a:solidFill>
+              <a:uFill>
+                <a:solidFill>
+                  <a:srgbClr val="ffffff"/>
+                </a:solidFill>
+              </a:uFill>
+              <a:latin typeface="Arial"/>
+            </a:endParaRPr>
+          </a:p>
+          <a:p>
+            <a:pPr marL="228600" indent="-227520">
+              <a:lnSpc>
+                <a:spcPct val="90000"/>
+              </a:lnSpc>
+              <a:spcBef>
+                <a:spcPts val="1001"/>
+              </a:spcBef>
+              <a:buClr>
+                <a:srgbClr val="000000"/>
+              </a:buClr>
+              <a:buFont typeface="Arial"/>
+              <a:buChar char="•"/>
+            </a:pPr>
+            <a:r>
+              <a:rPr b="0" lang="de-DE" sz="2800" spc="-1" strike="noStrike">
+                <a:solidFill>
+                  <a:srgbClr val="000000"/>
+                </a:solidFill>
+                <a:uFill>
+                  <a:solidFill>
+                    <a:srgbClr val="ffffff"/>
+                  </a:solidFill>
+                </a:uFill>
+                <a:latin typeface="Calibri"/>
+                <a:ea typeface="DejaVu Sans"/>
+              </a:rPr>
+              <a:t>Professional umsonst für Studenten</a:t>
+            </a:r>
+            <a:endParaRPr b="0" lang="de-DE" sz="2800" spc="-1" strike="noStrike">
+              <a:solidFill>
+                <a:srgbClr val="000000"/>
+              </a:solidFill>
+              <a:uFill>
+                <a:solidFill>
+                  <a:srgbClr val="ffffff"/>
+                </a:solidFill>
+              </a:uFill>
+              <a:latin typeface="Arial"/>
+            </a:endParaRPr>
+          </a:p>
+          <a:p>
+            <a:pPr marL="228600" indent="-227520">
+              <a:lnSpc>
+                <a:spcPct val="90000"/>
+              </a:lnSpc>
+              <a:spcBef>
+                <a:spcPts val="1001"/>
+              </a:spcBef>
+              <a:buClr>
+                <a:srgbClr val="000000"/>
+              </a:buClr>
+              <a:buFont typeface="Arial"/>
+              <a:buChar char="•"/>
+            </a:pPr>
+            <a:r>
+              <a:rPr b="0" lang="de-DE" sz="2800" spc="-1" strike="noStrike">
+                <a:solidFill>
+                  <a:srgbClr val="000000"/>
+                </a:solidFill>
+                <a:uFill>
+                  <a:solidFill>
+                    <a:srgbClr val="ffffff"/>
+                  </a:solidFill>
+                </a:uFill>
+                <a:latin typeface="Calibri"/>
+                <a:ea typeface="DejaVu Sans"/>
+              </a:rPr>
+              <a:t>Code Generierung, etc.</a:t>
+            </a:r>
+            <a:endParaRPr b="0" lang="de-DE" sz="2800" spc="-1" strike="noStrike">
+              <a:solidFill>
+                <a:srgbClr val="000000"/>
+              </a:solidFill>
+              <a:uFill>
+                <a:solidFill>
+                  <a:srgbClr val="ffffff"/>
+                </a:solidFill>
+              </a:uFill>
+              <a:latin typeface="Arial"/>
+            </a:endParaRPr>
+          </a:p>
+        </p:txBody>
+      </p:sp>
+      <p:sp>
+        <p:nvSpPr>
+          <p:cNvPr id="86" name="CustomShape 3"/>
           <p:cNvSpPr/>
           <p:nvPr/>
         </p:nvSpPr>
@@ -6446,7 +7072,7 @@
       </p:sp>
       <p:sp>
         <p:nvSpPr>
-          <p:cNvPr id="86" name="CustomShape 3"/>
+          <p:cNvPr id="87" name="CustomShape 4"/>
           <p:cNvSpPr/>
           <p:nvPr/>
         </p:nvSpPr>
@@ -6508,7 +7134,7 @@
       </p:sp>
       <p:sp>
         <p:nvSpPr>
-          <p:cNvPr id="87" name="CustomShape 4"/>
+          <p:cNvPr id="88" name="CustomShape 5"/>
           <p:cNvSpPr/>
           <p:nvPr/>
         </p:nvSpPr>
@@ -6539,7 +7165,7 @@
                 <a:spcPct val="100000"/>
               </a:lnSpc>
             </a:pPr>
-            <a:fld id="{2C73783D-0137-41BC-8AB4-B48C20D1E148}" type="slidenum">
+            <a:fld id="{D5F7B820-86B8-4262-BE87-5A33706AADDE}" type="slidenum">
               <a:rPr b="0" lang="de-DE" sz="1200" spc="-1" strike="noStrike">
                 <a:solidFill>
                   <a:srgbClr val="8b8b8b"/>
@@ -6555,168 +7181,6 @@
               <a:t>1</a:t>
             </a:fld>
             <a:endParaRPr b="0" lang="de-DE" sz="1200" spc="-1" strike="noStrike">
-              <a:solidFill>
-                <a:srgbClr val="000000"/>
-              </a:solidFill>
-              <a:uFill>
-                <a:solidFill>
-                  <a:srgbClr val="ffffff"/>
-                </a:solidFill>
-              </a:uFill>
-              <a:latin typeface="Arial"/>
-            </a:endParaRPr>
-          </a:p>
-        </p:txBody>
-      </p:sp>
-      <p:pic>
-        <p:nvPicPr>
-          <p:cNvPr id="88" name="" descr=""/>
-          <p:cNvPicPr/>
-          <p:nvPr/>
-        </p:nvPicPr>
-        <p:blipFill>
-          <a:blip r:embed="rId1"/>
-          <a:stretch/>
-        </p:blipFill>
-        <p:spPr>
-          <a:xfrm>
-            <a:off x="752760" y="1604520"/>
-            <a:ext cx="5067000" cy="3977280"/>
-          </a:xfrm>
-          <a:prstGeom prst="rect">
-            <a:avLst/>
-          </a:prstGeom>
-          <a:ln>
-            <a:noFill/>
-          </a:ln>
-        </p:spPr>
-      </p:pic>
-      <p:sp>
-        <p:nvSpPr>
-          <p:cNvPr id="89" name="TextShape 5"/>
-          <p:cNvSpPr txBox="1"/>
-          <p:nvPr/>
-        </p:nvSpPr>
-        <p:spPr>
-          <a:xfrm>
-            <a:off x="6231960" y="1604520"/>
-            <a:ext cx="5354280" cy="3977280"/>
-          </a:xfrm>
-          <a:prstGeom prst="rect">
-            <a:avLst/>
-          </a:prstGeom>
-          <a:noFill/>
-          <a:ln>
-            <a:noFill/>
-          </a:ln>
-        </p:spPr>
-        <p:txBody>
-          <a:bodyPr lIns="0" rIns="0" tIns="0" bIns="0">
-            <a:normAutofit/>
-          </a:bodyPr>
-          <a:p>
-            <a:pPr marL="432000" indent="-324000">
-              <a:spcBef>
-                <a:spcPts val="1417"/>
-              </a:spcBef>
-              <a:buClr>
-                <a:srgbClr val="000000"/>
-              </a:buClr>
-              <a:buSzPct val="45000"/>
-              <a:buFont typeface="Wingdings" charset="2"/>
-              <a:buChar char=""/>
-            </a:pPr>
-            <a:r>
-              <a:rPr b="0" lang="de-DE" sz="3200" spc="-1" strike="noStrike">
-                <a:solidFill>
-                  <a:srgbClr val="000000"/>
-                </a:solidFill>
-                <a:uFill>
-                  <a:solidFill>
-                    <a:srgbClr val="ffffff"/>
-                  </a:solidFill>
-                </a:uFill>
-                <a:latin typeface="Arial"/>
-              </a:rPr>
-              <a:t>Model View Presenter mit passivem View</a:t>
-            </a:r>
-            <a:endParaRPr b="0" lang="de-DE" sz="3200" spc="-1" strike="noStrike">
-              <a:solidFill>
-                <a:srgbClr val="000000"/>
-              </a:solidFill>
-              <a:uFill>
-                <a:solidFill>
-                  <a:srgbClr val="ffffff"/>
-                </a:solidFill>
-              </a:uFill>
-              <a:latin typeface="Arial"/>
-            </a:endParaRPr>
-          </a:p>
-          <a:p>
-            <a:pPr marL="432000" indent="-324000">
-              <a:spcBef>
-                <a:spcPts val="1417"/>
-              </a:spcBef>
-              <a:buClr>
-                <a:srgbClr val="000000"/>
-              </a:buClr>
-              <a:buSzPct val="45000"/>
-              <a:buFont typeface="Wingdings" charset="2"/>
-              <a:buChar char=""/>
-            </a:pPr>
-            <a:r>
-              <a:rPr b="0" lang="de-DE" sz="3200" spc="-1" strike="noStrike">
-                <a:solidFill>
-                  <a:srgbClr val="000000"/>
-                </a:solidFill>
-                <a:uFill>
-                  <a:solidFill>
-                    <a:srgbClr val="ffffff"/>
-                  </a:solidFill>
-                </a:uFill>
-                <a:latin typeface="Arial"/>
-              </a:rPr>
-              <a:t>Presenter kennt View/Model über ihre Schnittstelle</a:t>
-            </a:r>
-            <a:endParaRPr b="0" lang="de-DE" sz="3200" spc="-1" strike="noStrike">
-              <a:solidFill>
-                <a:srgbClr val="000000"/>
-              </a:solidFill>
-              <a:uFill>
-                <a:solidFill>
-                  <a:srgbClr val="ffffff"/>
-                </a:solidFill>
-              </a:uFill>
-              <a:latin typeface="Arial"/>
-            </a:endParaRPr>
-          </a:p>
-          <a:p>
-            <a:pPr marL="432000" indent="-324000">
-              <a:spcBef>
-                <a:spcPts val="1417"/>
-              </a:spcBef>
-              <a:buClr>
-                <a:srgbClr val="000000"/>
-              </a:buClr>
-              <a:buSzPct val="45000"/>
-              <a:buFont typeface="Wingdings" charset="2"/>
-              <a:buChar char=""/>
-            </a:pPr>
-            <a:r>
-              <a:rPr b="0" lang="de-DE" sz="3200" spc="-1" strike="noStrike">
-                <a:solidFill>
-                  <a:srgbClr val="000000"/>
-                </a:solidFill>
-                <a:uFill>
-                  <a:solidFill>
-                    <a:srgbClr val="ffffff"/>
-                  </a:solidFill>
-                </a:uFill>
-                <a:latin typeface="Arial"/>
-              </a:rPr>
-              <a:t>UI-Logik komplett im Presenter</a:t>
-            </a:r>
-            <a:endParaRPr b="0" lang="de-DE" sz="3200" spc="-1" strike="noStrike">
               <a:solidFill>
                 <a:srgbClr val="000000"/>
               </a:solidFill>
@@ -6781,7 +7245,7 @@
       </p:grpSpPr>
       <p:sp>
         <p:nvSpPr>
-          <p:cNvPr id="90" name="CustomShape 1"/>
+          <p:cNvPr id="89" name="CustomShape 1"/>
           <p:cNvSpPr/>
           <p:nvPr/>
         </p:nvSpPr>
@@ -6843,7 +7307,7 @@
       </p:sp>
       <p:sp>
         <p:nvSpPr>
-          <p:cNvPr id="91" name="CustomShape 2"/>
+          <p:cNvPr id="90" name="CustomShape 2"/>
           <p:cNvSpPr/>
           <p:nvPr/>
         </p:nvSpPr>
@@ -6905,7 +7369,7 @@
       </p:sp>
       <p:sp>
         <p:nvSpPr>
-          <p:cNvPr id="92" name="CustomShape 3"/>
+          <p:cNvPr id="91" name="CustomShape 3"/>
           <p:cNvSpPr/>
           <p:nvPr/>
         </p:nvSpPr>
@@ -6967,7 +7431,7 @@
       </p:sp>
       <p:sp>
         <p:nvSpPr>
-          <p:cNvPr id="93" name="CustomShape 4"/>
+          <p:cNvPr id="92" name="CustomShape 4"/>
           <p:cNvSpPr/>
           <p:nvPr/>
         </p:nvSpPr>
@@ -6998,7 +7462,7 @@
                 <a:spcPct val="100000"/>
               </a:lnSpc>
             </a:pPr>
-            <a:fld id="{8C741197-193B-4299-8A55-6924EC0B59D6}" type="slidenum">
+            <a:fld id="{84BF3B20-AC2C-407C-BBB0-194DC63254A2}" type="slidenum">
               <a:rPr b="0" lang="de-DE" sz="1200" spc="-1" strike="noStrike">
                 <a:solidFill>
                   <a:srgbClr val="8b8b8b"/>
@@ -7029,7 +7493,7 @@
       </p:sp>
       <p:pic>
         <p:nvPicPr>
-          <p:cNvPr id="94" name="" descr=""/>
+          <p:cNvPr id="93" name="" descr=""/>
           <p:cNvPicPr/>
           <p:nvPr/>
         </p:nvPicPr>
@@ -7052,7 +7516,7 @@
       </p:pic>
       <p:sp>
         <p:nvSpPr>
-          <p:cNvPr id="95" name="TextShape 5"/>
+          <p:cNvPr id="94" name="TextShape 5"/>
           <p:cNvSpPr txBox="1"/>
           <p:nvPr/>
         </p:nvSpPr>
@@ -7097,7 +7561,7 @@
                 </a:uFill>
                 <a:latin typeface="Arial"/>
               </a:rPr>
-              <a:t>View registriert Benutzereingabe</a:t>
+              <a:t>Model View Presenter mit passivem View</a:t>
             </a:r>
             <a:endParaRPr b="0" lang="de-DE" sz="3200" spc="-1" strike="noStrike">
               <a:solidFill>
@@ -7135,7 +7599,7 @@
                 </a:uFill>
                 <a:latin typeface="Arial"/>
               </a:rPr>
-              <a:t>Übergibt an Presenter</a:t>
+              <a:t>Presenter kennt View/Model über ihre Schnittstelle</a:t>
             </a:r>
             <a:endParaRPr b="0" lang="de-DE" sz="3200" spc="-1" strike="noStrike">
               <a:solidFill>
@@ -7173,45 +7637,7 @@
                 </a:uFill>
                 <a:latin typeface="Arial"/>
               </a:rPr>
-              <a:t>Presenter modifiziert Model und/oder holt Daten aus Model</a:t>
-            </a:r>
-            <a:endParaRPr b="0" lang="de-DE" sz="3200" spc="-1" strike="noStrike">
-              <a:solidFill>
-                <a:srgbClr val="000000"/>
-              </a:solidFill>
-              <a:uFill>
-                <a:solidFill>
-                  <a:srgbClr val="ffffff"/>
-                </a:solidFill>
-              </a:uFill>
-              <a:latin typeface="Arial"/>
-            </a:endParaRPr>
-          </a:p>
-          <a:p>
-            <a:pPr marL="432000" indent="-324000">
-              <a:spcBef>
-                <a:spcPts val="1417"/>
-              </a:spcBef>
-              <a:buClr>
-                <a:srgbClr val="000000"/>
-              </a:buClr>
-              <a:buSzPct val="45000"/>
-              <a:buFont typeface="Wingdings" charset="2"/>
-              <a:buChar char=""/>
-            </a:pPr>
-            <a:r>
-              <a:rPr b="0" lang="de-DE" sz="3200" spc="-1" strike="noStrike">
-                <a:solidFill>
-                  <a:srgbClr val="000000"/>
-                </a:solidFill>
-                <a:uFill>
-                  <a:solidFill>
-                    <a:srgbClr val="ffffff"/>
-                  </a:solidFill>
-                </a:uFill>
-                <a:latin typeface="Arial"/>
-              </a:rPr>
-              <a:t>Übergibt sie formatiert an View</a:t>
+              <a:t>UI-Logik komplett im Presenter</a:t>
             </a:r>
             <a:endParaRPr b="0" lang="de-DE" sz="3200" spc="-1" strike="noStrike">
               <a:solidFill>
@@ -7278,7 +7704,7 @@
       </p:grpSpPr>
       <p:sp>
         <p:nvSpPr>
-          <p:cNvPr id="96" name="CustomShape 1"/>
+          <p:cNvPr id="95" name="CustomShape 1"/>
           <p:cNvSpPr/>
           <p:nvPr/>
         </p:nvSpPr>
@@ -7304,7 +7730,7 @@
         <p:txBody>
           <a:bodyPr lIns="90000" rIns="90000" tIns="45000" bIns="45000" anchor="ctr"/>
           <a:p>
-            <a:pPr>
+            <a:pPr algn="ctr">
               <a:lnSpc>
                 <a:spcPct val="90000"/>
               </a:lnSpc>
@@ -7322,7 +7748,7 @@
                 <a:latin typeface="Calibri Light"/>
                 <a:ea typeface="DejaVu Sans"/>
               </a:rPr>
-              <a:t>View</a:t>
+              <a:t>Überblick</a:t>
             </a:r>
             <a:endParaRPr b="0" lang="de-DE" sz="4400" spc="-1" strike="noStrike">
               <a:solidFill>
@@ -7340,202 +7766,7 @@
       </p:sp>
       <p:sp>
         <p:nvSpPr>
-          <p:cNvPr id="97" name="CustomShape 2"/>
-          <p:cNvSpPr/>
-          <p:nvPr/>
-        </p:nvSpPr>
-        <p:spPr>
-          <a:xfrm>
-            <a:off x="838080" y="1825560"/>
-            <a:ext cx="10514520" cy="4350240"/>
-          </a:xfrm>
-          <a:prstGeom prst="rect">
-            <a:avLst/>
-          </a:prstGeom>
-          <a:noFill/>
-          <a:ln>
-            <a:noFill/>
-          </a:ln>
-        </p:spPr>
-        <p:style>
-          <a:lnRef idx="0"/>
-          <a:fillRef idx="0"/>
-          <a:effectRef idx="0"/>
-          <a:fontRef idx="minor"/>
-        </p:style>
-        <p:txBody>
-          <a:bodyPr lIns="90000" rIns="90000" tIns="45000" bIns="45000"/>
-          <a:p>
-            <a:pPr marL="228600" indent="-227520">
-              <a:lnSpc>
-                <a:spcPct val="90000"/>
-              </a:lnSpc>
-              <a:spcBef>
-                <a:spcPts val="1001"/>
-              </a:spcBef>
-              <a:buClr>
-                <a:srgbClr val="000000"/>
-              </a:buClr>
-              <a:buFont typeface="Arial"/>
-              <a:buChar char="•"/>
-            </a:pPr>
-            <a:r>
-              <a:rPr b="0" lang="de-DE" sz="2800" spc="-1" strike="noStrike">
-                <a:solidFill>
-                  <a:srgbClr val="000000"/>
-                </a:solidFill>
-                <a:uFill>
-                  <a:solidFill>
-                    <a:srgbClr val="ffffff"/>
-                  </a:solidFill>
-                </a:uFill>
-                <a:latin typeface="Calibri"/>
-                <a:ea typeface="DejaVu Sans"/>
-              </a:rPr>
-              <a:t>So „dumm“ wie möglich</a:t>
-            </a:r>
-            <a:endParaRPr b="0" lang="de-DE" sz="2800" spc="-1" strike="noStrike">
-              <a:solidFill>
-                <a:srgbClr val="000000"/>
-              </a:solidFill>
-              <a:uFill>
-                <a:solidFill>
-                  <a:srgbClr val="ffffff"/>
-                </a:solidFill>
-              </a:uFill>
-              <a:latin typeface="Arial"/>
-            </a:endParaRPr>
-          </a:p>
-          <a:p>
-            <a:pPr marL="228600" indent="-227520">
-              <a:lnSpc>
-                <a:spcPct val="90000"/>
-              </a:lnSpc>
-              <a:spcBef>
-                <a:spcPts val="1001"/>
-              </a:spcBef>
-              <a:buClr>
-                <a:srgbClr val="000000"/>
-              </a:buClr>
-              <a:buFont typeface="Arial"/>
-              <a:buChar char="•"/>
-            </a:pPr>
-            <a:r>
-              <a:rPr b="0" lang="de-DE" sz="2800" spc="-1" strike="noStrike">
-                <a:solidFill>
-                  <a:srgbClr val="000000"/>
-                </a:solidFill>
-                <a:uFill>
-                  <a:solidFill>
-                    <a:srgbClr val="ffffff"/>
-                  </a:solidFill>
-                </a:uFill>
-                <a:latin typeface="Calibri"/>
-                <a:ea typeface="DejaVu Sans"/>
-              </a:rPr>
-              <a:t>Durch Schnittstelle einfach austauschbar</a:t>
-            </a:r>
-            <a:endParaRPr b="0" lang="de-DE" sz="2800" spc="-1" strike="noStrike">
-              <a:solidFill>
-                <a:srgbClr val="000000"/>
-              </a:solidFill>
-              <a:uFill>
-                <a:solidFill>
-                  <a:srgbClr val="ffffff"/>
-                </a:solidFill>
-              </a:uFill>
-              <a:latin typeface="Arial"/>
-            </a:endParaRPr>
-          </a:p>
-          <a:p>
-            <a:pPr lvl="1" marL="432000" indent="-216000">
-              <a:lnSpc>
-                <a:spcPct val="90000"/>
-              </a:lnSpc>
-              <a:spcBef>
-                <a:spcPts val="1001"/>
-              </a:spcBef>
-              <a:buClr>
-                <a:srgbClr val="000000"/>
-              </a:buClr>
-              <a:buSzPct val="45000"/>
-              <a:buFont typeface="Wingdings" charset="2"/>
-              <a:buChar char=""/>
-            </a:pPr>
-            <a:r>
-              <a:rPr b="0" lang="de-DE" sz="2800" spc="-1" strike="noStrike">
-                <a:solidFill>
-                  <a:srgbClr val="000000"/>
-                </a:solidFill>
-                <a:uFill>
-                  <a:solidFill>
-                    <a:srgbClr val="ffffff"/>
-                  </a:solidFill>
-                </a:uFill>
-                <a:latin typeface="Calibri"/>
-                <a:ea typeface="DejaVu Sans"/>
-              </a:rPr>
-              <a:t>Stub für UI-Logik Tests</a:t>
-            </a:r>
-            <a:endParaRPr b="0" lang="de-DE" sz="2800" spc="-1" strike="noStrike">
-              <a:solidFill>
-                <a:srgbClr val="000000"/>
-              </a:solidFill>
-              <a:uFill>
-                <a:solidFill>
-                  <a:srgbClr val="ffffff"/>
-                </a:solidFill>
-              </a:uFill>
-              <a:latin typeface="Arial"/>
-            </a:endParaRPr>
-          </a:p>
-          <a:p>
-            <a:pPr lvl="1" marL="432000" indent="-216000">
-              <a:lnSpc>
-                <a:spcPct val="90000"/>
-              </a:lnSpc>
-              <a:spcBef>
-                <a:spcPts val="1001"/>
-              </a:spcBef>
-              <a:buClr>
-                <a:srgbClr val="000000"/>
-              </a:buClr>
-              <a:buSzPct val="45000"/>
-              <a:buFont typeface="Wingdings" charset="2"/>
-              <a:buChar char=""/>
-            </a:pPr>
-            <a:r>
-              <a:rPr b="0" lang="de-DE" sz="2800" spc="-1" strike="noStrike">
-                <a:solidFill>
-                  <a:srgbClr val="000000"/>
-                </a:solidFill>
-                <a:uFill>
-                  <a:solidFill>
-                    <a:srgbClr val="ffffff"/>
-                  </a:solidFill>
-                </a:uFill>
-                <a:latin typeface="Calibri"/>
-                <a:ea typeface="DejaVu Sans"/>
-              </a:rPr>
-              <a:t>Android/iOS</a:t>
-            </a:r>
-            <a:endParaRPr b="0" lang="de-DE" sz="2800" spc="-1" strike="noStrike">
-              <a:solidFill>
-                <a:srgbClr val="000000"/>
-              </a:solidFill>
-              <a:uFill>
-                <a:solidFill>
-                  <a:srgbClr val="ffffff"/>
-                </a:solidFill>
-              </a:uFill>
-              <a:latin typeface="Arial"/>
-            </a:endParaRPr>
-          </a:p>
-        </p:txBody>
-      </p:sp>
-      <p:sp>
-        <p:nvSpPr>
-          <p:cNvPr id="98" name="CustomShape 3"/>
+          <p:cNvPr id="96" name="CustomShape 2"/>
           <p:cNvSpPr/>
           <p:nvPr/>
         </p:nvSpPr>
@@ -7597,7 +7828,7 @@
       </p:sp>
       <p:sp>
         <p:nvSpPr>
-          <p:cNvPr id="99" name="CustomShape 4"/>
+          <p:cNvPr id="97" name="CustomShape 3"/>
           <p:cNvSpPr/>
           <p:nvPr/>
         </p:nvSpPr>
@@ -7659,7 +7890,7 @@
       </p:sp>
       <p:sp>
         <p:nvSpPr>
-          <p:cNvPr id="100" name="CustomShape 5"/>
+          <p:cNvPr id="98" name="CustomShape 4"/>
           <p:cNvSpPr/>
           <p:nvPr/>
         </p:nvSpPr>
@@ -7690,7 +7921,7 @@
                 <a:spcPct val="100000"/>
               </a:lnSpc>
             </a:pPr>
-            <a:fld id="{28B3897C-CD5D-46B7-A65D-7729587B2D66}" type="slidenum">
+            <a:fld id="{04E45408-23BA-4980-87F5-A0A757BFCDC6}" type="slidenum">
               <a:rPr b="0" lang="de-DE" sz="1200" spc="-1" strike="noStrike">
                 <a:solidFill>
                   <a:srgbClr val="8b8b8b"/>
@@ -7706,6 +7937,206 @@
               <a:t>1</a:t>
             </a:fld>
             <a:endParaRPr b="0" lang="de-DE" sz="1200" spc="-1" strike="noStrike">
+              <a:solidFill>
+                <a:srgbClr val="000000"/>
+              </a:solidFill>
+              <a:uFill>
+                <a:solidFill>
+                  <a:srgbClr val="ffffff"/>
+                </a:solidFill>
+              </a:uFill>
+              <a:latin typeface="Arial"/>
+            </a:endParaRPr>
+          </a:p>
+        </p:txBody>
+      </p:sp>
+      <p:pic>
+        <p:nvPicPr>
+          <p:cNvPr id="99" name="" descr=""/>
+          <p:cNvPicPr/>
+          <p:nvPr/>
+        </p:nvPicPr>
+        <p:blipFill>
+          <a:blip r:embed="rId1"/>
+          <a:stretch/>
+        </p:blipFill>
+        <p:spPr>
+          <a:xfrm>
+            <a:off x="752760" y="1604520"/>
+            <a:ext cx="5067000" cy="3977280"/>
+          </a:xfrm>
+          <a:prstGeom prst="rect">
+            <a:avLst/>
+          </a:prstGeom>
+          <a:ln>
+            <a:noFill/>
+          </a:ln>
+        </p:spPr>
+      </p:pic>
+      <p:sp>
+        <p:nvSpPr>
+          <p:cNvPr id="100" name="TextShape 5"/>
+          <p:cNvSpPr txBox="1"/>
+          <p:nvPr/>
+        </p:nvSpPr>
+        <p:spPr>
+          <a:xfrm>
+            <a:off x="6231960" y="1604520"/>
+            <a:ext cx="5354280" cy="3977280"/>
+          </a:xfrm>
+          <a:prstGeom prst="rect">
+            <a:avLst/>
+          </a:prstGeom>
+          <a:noFill/>
+          <a:ln>
+            <a:noFill/>
+          </a:ln>
+        </p:spPr>
+        <p:txBody>
+          <a:bodyPr lIns="0" rIns="0" tIns="0" bIns="0">
+            <a:normAutofit/>
+          </a:bodyPr>
+          <a:p>
+            <a:pPr marL="432000" indent="-324000">
+              <a:spcBef>
+                <a:spcPts val="1417"/>
+              </a:spcBef>
+              <a:buClr>
+                <a:srgbClr val="000000"/>
+              </a:buClr>
+              <a:buSzPct val="45000"/>
+              <a:buFont typeface="Wingdings" charset="2"/>
+              <a:buChar char=""/>
+            </a:pPr>
+            <a:r>
+              <a:rPr b="0" lang="de-DE" sz="3200" spc="-1" strike="noStrike">
+                <a:solidFill>
+                  <a:srgbClr val="000000"/>
+                </a:solidFill>
+                <a:uFill>
+                  <a:solidFill>
+                    <a:srgbClr val="ffffff"/>
+                  </a:solidFill>
+                </a:uFill>
+                <a:latin typeface="Arial"/>
+              </a:rPr>
+              <a:t>View registriert Benutzereingabe</a:t>
+            </a:r>
+            <a:endParaRPr b="0" lang="de-DE" sz="3200" spc="-1" strike="noStrike">
+              <a:solidFill>
+                <a:srgbClr val="000000"/>
+              </a:solidFill>
+              <a:uFill>
+                <a:solidFill>
+                  <a:srgbClr val="ffffff"/>
+                </a:solidFill>
+              </a:uFill>
+              <a:latin typeface="Arial"/>
+            </a:endParaRPr>
+          </a:p>
+          <a:p>
+            <a:pPr marL="432000" indent="-324000">
+              <a:spcBef>
+                <a:spcPts val="1417"/>
+              </a:spcBef>
+              <a:buClr>
+                <a:srgbClr val="000000"/>
+              </a:buClr>
+              <a:buSzPct val="45000"/>
+              <a:buFont typeface="Wingdings" charset="2"/>
+              <a:buChar char=""/>
+            </a:pPr>
+            <a:r>
+              <a:rPr b="0" lang="de-DE" sz="3200" spc="-1" strike="noStrike">
+                <a:solidFill>
+                  <a:srgbClr val="000000"/>
+                </a:solidFill>
+                <a:uFill>
+                  <a:solidFill>
+                    <a:srgbClr val="ffffff"/>
+                  </a:solidFill>
+                </a:uFill>
+                <a:latin typeface="Arial"/>
+              </a:rPr>
+              <a:t>Übergibt an Presenter</a:t>
+            </a:r>
+            <a:endParaRPr b="0" lang="de-DE" sz="3200" spc="-1" strike="noStrike">
+              <a:solidFill>
+                <a:srgbClr val="000000"/>
+              </a:solidFill>
+              <a:uFill>
+                <a:solidFill>
+                  <a:srgbClr val="ffffff"/>
+                </a:solidFill>
+              </a:uFill>
+              <a:latin typeface="Arial"/>
+            </a:endParaRPr>
+          </a:p>
+          <a:p>
+            <a:pPr marL="432000" indent="-324000">
+              <a:spcBef>
+                <a:spcPts val="1417"/>
+              </a:spcBef>
+              <a:buClr>
+                <a:srgbClr val="000000"/>
+              </a:buClr>
+              <a:buSzPct val="45000"/>
+              <a:buFont typeface="Wingdings" charset="2"/>
+              <a:buChar char=""/>
+            </a:pPr>
+            <a:r>
+              <a:rPr b="0" lang="de-DE" sz="3200" spc="-1" strike="noStrike">
+                <a:solidFill>
+                  <a:srgbClr val="000000"/>
+                </a:solidFill>
+                <a:uFill>
+                  <a:solidFill>
+                    <a:srgbClr val="ffffff"/>
+                  </a:solidFill>
+                </a:uFill>
+                <a:latin typeface="Arial"/>
+              </a:rPr>
+              <a:t>Presenter modifiziert Model und/oder holt Daten aus Model</a:t>
+            </a:r>
+            <a:endParaRPr b="0" lang="de-DE" sz="3200" spc="-1" strike="noStrike">
+              <a:solidFill>
+                <a:srgbClr val="000000"/>
+              </a:solidFill>
+              <a:uFill>
+                <a:solidFill>
+                  <a:srgbClr val="ffffff"/>
+                </a:solidFill>
+              </a:uFill>
+              <a:latin typeface="Arial"/>
+            </a:endParaRPr>
+          </a:p>
+          <a:p>
+            <a:pPr marL="432000" indent="-324000">
+              <a:spcBef>
+                <a:spcPts val="1417"/>
+              </a:spcBef>
+              <a:buClr>
+                <a:srgbClr val="000000"/>
+              </a:buClr>
+              <a:buSzPct val="45000"/>
+              <a:buFont typeface="Wingdings" charset="2"/>
+              <a:buChar char=""/>
+            </a:pPr>
+            <a:r>
+              <a:rPr b="0" lang="de-DE" sz="3200" spc="-1" strike="noStrike">
+                <a:solidFill>
+                  <a:srgbClr val="000000"/>
+                </a:solidFill>
+                <a:uFill>
+                  <a:solidFill>
+                    <a:srgbClr val="ffffff"/>
+                  </a:solidFill>
+                </a:uFill>
+                <a:latin typeface="Arial"/>
+              </a:rPr>
+              <a:t>Übergibt sie formatiert an View</a:t>
+            </a:r>
+            <a:endParaRPr b="0" lang="de-DE" sz="3200" spc="-1" strike="noStrike">
               <a:solidFill>
                 <a:srgbClr val="000000"/>
               </a:solidFill>
@@ -7796,7 +8227,7 @@
         <p:txBody>
           <a:bodyPr lIns="90000" rIns="90000" tIns="45000" bIns="45000" anchor="ctr"/>
           <a:p>
-            <a:pPr algn="ctr">
+            <a:pPr>
               <a:lnSpc>
                 <a:spcPct val="90000"/>
               </a:lnSpc>
@@ -7814,7 +8245,7 @@
                 <a:latin typeface="Calibri Light"/>
                 <a:ea typeface="DejaVu Sans"/>
               </a:rPr>
-              <a:t>Model</a:t>
+              <a:t>View</a:t>
             </a:r>
             <a:endParaRPr b="0" lang="de-DE" sz="4400" spc="-1" strike="noStrike">
               <a:solidFill>
@@ -7833,6 +8264,201 @@
       <p:sp>
         <p:nvSpPr>
           <p:cNvPr id="102" name="CustomShape 2"/>
+          <p:cNvSpPr/>
+          <p:nvPr/>
+        </p:nvSpPr>
+        <p:spPr>
+          <a:xfrm>
+            <a:off x="838080" y="1825560"/>
+            <a:ext cx="10514520" cy="4350240"/>
+          </a:xfrm>
+          <a:prstGeom prst="rect">
+            <a:avLst/>
+          </a:prstGeom>
+          <a:noFill/>
+          <a:ln>
+            <a:noFill/>
+          </a:ln>
+        </p:spPr>
+        <p:style>
+          <a:lnRef idx="0"/>
+          <a:fillRef idx="0"/>
+          <a:effectRef idx="0"/>
+          <a:fontRef idx="minor"/>
+        </p:style>
+        <p:txBody>
+          <a:bodyPr lIns="90000" rIns="90000" tIns="45000" bIns="45000"/>
+          <a:p>
+            <a:pPr marL="228600" indent="-227520">
+              <a:lnSpc>
+                <a:spcPct val="90000"/>
+              </a:lnSpc>
+              <a:spcBef>
+                <a:spcPts val="1001"/>
+              </a:spcBef>
+              <a:buClr>
+                <a:srgbClr val="000000"/>
+              </a:buClr>
+              <a:buFont typeface="Arial"/>
+              <a:buChar char="•"/>
+            </a:pPr>
+            <a:r>
+              <a:rPr b="0" lang="de-DE" sz="2800" spc="-1" strike="noStrike">
+                <a:solidFill>
+                  <a:srgbClr val="000000"/>
+                </a:solidFill>
+                <a:uFill>
+                  <a:solidFill>
+                    <a:srgbClr val="ffffff"/>
+                  </a:solidFill>
+                </a:uFill>
+                <a:latin typeface="Calibri"/>
+                <a:ea typeface="DejaVu Sans"/>
+              </a:rPr>
+              <a:t>So „dumm“ wie möglich</a:t>
+            </a:r>
+            <a:endParaRPr b="0" lang="de-DE" sz="2800" spc="-1" strike="noStrike">
+              <a:solidFill>
+                <a:srgbClr val="000000"/>
+              </a:solidFill>
+              <a:uFill>
+                <a:solidFill>
+                  <a:srgbClr val="ffffff"/>
+                </a:solidFill>
+              </a:uFill>
+              <a:latin typeface="Arial"/>
+            </a:endParaRPr>
+          </a:p>
+          <a:p>
+            <a:pPr marL="228600" indent="-227520">
+              <a:lnSpc>
+                <a:spcPct val="90000"/>
+              </a:lnSpc>
+              <a:spcBef>
+                <a:spcPts val="1001"/>
+              </a:spcBef>
+              <a:buClr>
+                <a:srgbClr val="000000"/>
+              </a:buClr>
+              <a:buFont typeface="Arial"/>
+              <a:buChar char="•"/>
+            </a:pPr>
+            <a:r>
+              <a:rPr b="0" lang="de-DE" sz="2800" spc="-1" strike="noStrike">
+                <a:solidFill>
+                  <a:srgbClr val="000000"/>
+                </a:solidFill>
+                <a:uFill>
+                  <a:solidFill>
+                    <a:srgbClr val="ffffff"/>
+                  </a:solidFill>
+                </a:uFill>
+                <a:latin typeface="Calibri"/>
+                <a:ea typeface="DejaVu Sans"/>
+              </a:rPr>
+              <a:t>Durch Schnittstelle einfach austauschbar</a:t>
+            </a:r>
+            <a:endParaRPr b="0" lang="de-DE" sz="2800" spc="-1" strike="noStrike">
+              <a:solidFill>
+                <a:srgbClr val="000000"/>
+              </a:solidFill>
+              <a:uFill>
+                <a:solidFill>
+                  <a:srgbClr val="ffffff"/>
+                </a:solidFill>
+              </a:uFill>
+              <a:latin typeface="Arial"/>
+            </a:endParaRPr>
+          </a:p>
+          <a:p>
+            <a:pPr lvl="1" marL="432000" indent="-216000">
+              <a:lnSpc>
+                <a:spcPct val="90000"/>
+              </a:lnSpc>
+              <a:spcBef>
+                <a:spcPts val="1001"/>
+              </a:spcBef>
+              <a:buClr>
+                <a:srgbClr val="000000"/>
+              </a:buClr>
+              <a:buSzPct val="45000"/>
+              <a:buFont typeface="Wingdings" charset="2"/>
+              <a:buChar char=""/>
+            </a:pPr>
+            <a:r>
+              <a:rPr b="0" lang="de-DE" sz="2800" spc="-1" strike="noStrike">
+                <a:solidFill>
+                  <a:srgbClr val="000000"/>
+                </a:solidFill>
+                <a:uFill>
+                  <a:solidFill>
+                    <a:srgbClr val="ffffff"/>
+                  </a:solidFill>
+                </a:uFill>
+                <a:latin typeface="Calibri"/>
+                <a:ea typeface="DejaVu Sans"/>
+              </a:rPr>
+              <a:t>Stub für UI-Logik Tests</a:t>
+            </a:r>
+            <a:endParaRPr b="0" lang="de-DE" sz="2800" spc="-1" strike="noStrike">
+              <a:solidFill>
+                <a:srgbClr val="000000"/>
+              </a:solidFill>
+              <a:uFill>
+                <a:solidFill>
+                  <a:srgbClr val="ffffff"/>
+                </a:solidFill>
+              </a:uFill>
+              <a:latin typeface="Arial"/>
+            </a:endParaRPr>
+          </a:p>
+          <a:p>
+            <a:pPr lvl="1" marL="432000" indent="-216000">
+              <a:lnSpc>
+                <a:spcPct val="90000"/>
+              </a:lnSpc>
+              <a:spcBef>
+                <a:spcPts val="1001"/>
+              </a:spcBef>
+              <a:buClr>
+                <a:srgbClr val="000000"/>
+              </a:buClr>
+              <a:buSzPct val="45000"/>
+              <a:buFont typeface="Wingdings" charset="2"/>
+              <a:buChar char=""/>
+            </a:pPr>
+            <a:r>
+              <a:rPr b="0" lang="de-DE" sz="2800" spc="-1" strike="noStrike">
+                <a:solidFill>
+                  <a:srgbClr val="000000"/>
+                </a:solidFill>
+                <a:uFill>
+                  <a:solidFill>
+                    <a:srgbClr val="ffffff"/>
+                  </a:solidFill>
+                </a:uFill>
+                <a:latin typeface="Calibri"/>
+                <a:ea typeface="DejaVu Sans"/>
+              </a:rPr>
+              <a:t>Android/iOS</a:t>
+            </a:r>
+            <a:endParaRPr b="0" lang="de-DE" sz="2800" spc="-1" strike="noStrike">
+              <a:solidFill>
+                <a:srgbClr val="000000"/>
+              </a:solidFill>
+              <a:uFill>
+                <a:solidFill>
+                  <a:srgbClr val="ffffff"/>
+                </a:solidFill>
+              </a:uFill>
+              <a:latin typeface="Arial"/>
+            </a:endParaRPr>
+          </a:p>
+        </p:txBody>
+      </p:sp>
+      <p:sp>
+        <p:nvSpPr>
+          <p:cNvPr id="103" name="CustomShape 3"/>
           <p:cNvSpPr/>
           <p:nvPr/>
         </p:nvSpPr>
@@ -7894,7 +8520,7 @@
       </p:sp>
       <p:sp>
         <p:nvSpPr>
-          <p:cNvPr id="103" name="CustomShape 3"/>
+          <p:cNvPr id="104" name="CustomShape 4"/>
           <p:cNvSpPr/>
           <p:nvPr/>
         </p:nvSpPr>
@@ -7956,7 +8582,7 @@
       </p:sp>
       <p:sp>
         <p:nvSpPr>
-          <p:cNvPr id="104" name="CustomShape 4"/>
+          <p:cNvPr id="105" name="CustomShape 5"/>
           <p:cNvSpPr/>
           <p:nvPr/>
         </p:nvSpPr>
@@ -7987,7 +8613,7 @@
                 <a:spcPct val="100000"/>
               </a:lnSpc>
             </a:pPr>
-            <a:fld id="{09E97166-07CF-4FCF-B2F5-93D3124130AF}" type="slidenum">
+            <a:fld id="{A524255E-6E62-403B-8F43-8B0AA79A4241}" type="slidenum">
               <a:rPr b="0" lang="de-DE" sz="1200" spc="-1" strike="noStrike">
                 <a:solidFill>
                   <a:srgbClr val="8b8b8b"/>
@@ -8000,133 +8626,9 @@
                 <a:latin typeface="Calibri"/>
                 <a:ea typeface="DejaVu Sans"/>
               </a:rPr>
-              <a:t>1</a:t>
+              <a:t>&lt;Foliennummer&gt;</a:t>
             </a:fld>
             <a:endParaRPr b="0" lang="de-DE" sz="1200" spc="-1" strike="noStrike">
-              <a:solidFill>
-                <a:srgbClr val="000000"/>
-              </a:solidFill>
-              <a:uFill>
-                <a:solidFill>
-                  <a:srgbClr val="ffffff"/>
-                </a:solidFill>
-              </a:uFill>
-              <a:latin typeface="Arial"/>
-            </a:endParaRPr>
-          </a:p>
-        </p:txBody>
-      </p:sp>
-      <p:pic>
-        <p:nvPicPr>
-          <p:cNvPr id="105" name="" descr=""/>
-          <p:cNvPicPr/>
-          <p:nvPr/>
-        </p:nvPicPr>
-        <p:blipFill>
-          <a:blip r:embed="rId1"/>
-          <a:stretch/>
-        </p:blipFill>
-        <p:spPr>
-          <a:xfrm>
-            <a:off x="752760" y="1604520"/>
-            <a:ext cx="5067000" cy="3977280"/>
-          </a:xfrm>
-          <a:prstGeom prst="rect">
-            <a:avLst/>
-          </a:prstGeom>
-          <a:ln>
-            <a:noFill/>
-          </a:ln>
-        </p:spPr>
-      </p:pic>
-      <p:sp>
-        <p:nvSpPr>
-          <p:cNvPr id="106" name="TextShape 5"/>
-          <p:cNvSpPr txBox="1"/>
-          <p:nvPr/>
-        </p:nvSpPr>
-        <p:spPr>
-          <a:xfrm>
-            <a:off x="6231960" y="1604520"/>
-            <a:ext cx="5354280" cy="3977280"/>
-          </a:xfrm>
-          <a:prstGeom prst="rect">
-            <a:avLst/>
-          </a:prstGeom>
-          <a:noFill/>
-          <a:ln>
-            <a:noFill/>
-          </a:ln>
-        </p:spPr>
-        <p:txBody>
-          <a:bodyPr lIns="0" rIns="0" tIns="0" bIns="0">
-            <a:normAutofit/>
-          </a:bodyPr>
-          <a:p>
-            <a:pPr marL="432000" indent="-324000">
-              <a:spcBef>
-                <a:spcPts val="1417"/>
-              </a:spcBef>
-              <a:buClr>
-                <a:srgbClr val="000000"/>
-              </a:buClr>
-              <a:buSzPct val="45000"/>
-              <a:buFont typeface="Wingdings" charset="2"/>
-              <a:buChar char=""/>
-            </a:pPr>
-            <a:r>
-              <a:rPr b="0" lang="de-DE" sz="3200" spc="-1" strike="noStrike">
-                <a:solidFill>
-                  <a:srgbClr val="000000"/>
-                </a:solidFill>
-                <a:uFill>
-                  <a:solidFill>
-                    <a:srgbClr val="ffffff"/>
-                  </a:solidFill>
-                </a:uFill>
-                <a:latin typeface="Arial"/>
-              </a:rPr>
-              <a:t>Zugriff durch Presenter über Schnittstelle</a:t>
-            </a:r>
-            <a:endParaRPr b="0" lang="de-DE" sz="3200" spc="-1" strike="noStrike">
-              <a:solidFill>
-                <a:srgbClr val="000000"/>
-              </a:solidFill>
-              <a:uFill>
-                <a:solidFill>
-                  <a:srgbClr val="ffffff"/>
-                </a:solidFill>
-              </a:uFill>
-              <a:latin typeface="Arial"/>
-            </a:endParaRPr>
-          </a:p>
-          <a:p>
-            <a:pPr marL="432000" indent="-324000">
-              <a:spcBef>
-                <a:spcPts val="1417"/>
-              </a:spcBef>
-              <a:buClr>
-                <a:srgbClr val="000000"/>
-              </a:buClr>
-              <a:buSzPct val="45000"/>
-              <a:buFont typeface="Wingdings" charset="2"/>
-              <a:buChar char=""/>
-            </a:pPr>
-            <a:r>
-              <a:rPr b="0" lang="de-DE" sz="3200" spc="-1" strike="noStrike">
-                <a:solidFill>
-                  <a:srgbClr val="000000"/>
-                </a:solidFill>
-                <a:uFill>
-                  <a:solidFill>
-                    <a:srgbClr val="ffffff"/>
-                  </a:solidFill>
-                </a:uFill>
-                <a:latin typeface="Arial"/>
-              </a:rPr>
-              <a:t>Aufbau hinter Fassade versteckt</a:t>
-            </a:r>
-            <a:endParaRPr b="0" lang="de-DE" sz="3200" spc="-1" strike="noStrike">
               <a:solidFill>
                 <a:srgbClr val="000000"/>
               </a:solidFill>
@@ -8191,7 +8693,7 @@
       </p:grpSpPr>
       <p:sp>
         <p:nvSpPr>
-          <p:cNvPr id="107" name="CustomShape 1"/>
+          <p:cNvPr id="106" name="CustomShape 1"/>
           <p:cNvSpPr/>
           <p:nvPr/>
         </p:nvSpPr>
@@ -8235,7 +8737,7 @@
                 <a:latin typeface="Calibri Light"/>
                 <a:ea typeface="DejaVu Sans"/>
               </a:rPr>
-              <a:t>DataModel</a:t>
+              <a:t>Model</a:t>
             </a:r>
             <a:endParaRPr b="0" lang="de-DE" sz="4400" spc="-1" strike="noStrike">
               <a:solidFill>
@@ -8253,7 +8755,7 @@
       </p:sp>
       <p:sp>
         <p:nvSpPr>
-          <p:cNvPr id="108" name="CustomShape 2"/>
+          <p:cNvPr id="107" name="CustomShape 2"/>
           <p:cNvSpPr/>
           <p:nvPr/>
         </p:nvSpPr>
@@ -8315,7 +8817,7 @@
       </p:sp>
       <p:sp>
         <p:nvSpPr>
-          <p:cNvPr id="109" name="CustomShape 3"/>
+          <p:cNvPr id="108" name="CustomShape 3"/>
           <p:cNvSpPr/>
           <p:nvPr/>
         </p:nvSpPr>
@@ -8377,7 +8879,7 @@
       </p:sp>
       <p:sp>
         <p:nvSpPr>
-          <p:cNvPr id="110" name="CustomShape 4"/>
+          <p:cNvPr id="109" name="CustomShape 4"/>
           <p:cNvSpPr/>
           <p:nvPr/>
         </p:nvSpPr>
@@ -8408,7 +8910,7 @@
                 <a:spcPct val="100000"/>
               </a:lnSpc>
             </a:pPr>
-            <a:fld id="{55BE079F-022A-45DF-BC5E-2260F0246F1F}" type="slidenum">
+            <a:fld id="{9D3D2417-7970-42A5-A9E3-092D6640E722}" type="slidenum">
               <a:rPr b="0" lang="de-DE" sz="1200" spc="-1" strike="noStrike">
                 <a:solidFill>
                   <a:srgbClr val="8b8b8b"/>
@@ -8421,7 +8923,7 @@
                 <a:latin typeface="Calibri"/>
                 <a:ea typeface="DejaVu Sans"/>
               </a:rPr>
-              <a:t>1</a:t>
+              <a:t>&lt;Foliennummer&gt;</a:t>
             </a:fld>
             <a:endParaRPr b="0" lang="de-DE" sz="1200" spc="-1" strike="noStrike">
               <a:solidFill>
@@ -8439,7 +8941,7 @@
       </p:sp>
       <p:pic>
         <p:nvPicPr>
-          <p:cNvPr id="111" name="" descr=""/>
+          <p:cNvPr id="110" name="" descr=""/>
           <p:cNvPicPr/>
           <p:nvPr/>
         </p:nvPicPr>
@@ -8462,7 +8964,7 @@
       </p:pic>
       <p:sp>
         <p:nvSpPr>
-          <p:cNvPr id="112" name="TextShape 5"/>
+          <p:cNvPr id="111" name="TextShape 5"/>
           <p:cNvSpPr txBox="1"/>
           <p:nvPr/>
         </p:nvSpPr>
@@ -8507,7 +9009,7 @@
                 </a:uFill>
                 <a:latin typeface="Arial"/>
               </a:rPr>
-              <a:t>In der App gespeicherte Daten</a:t>
+              <a:t>Zugriff durch Presenter über Schnittstelle</a:t>
             </a:r>
             <a:endParaRPr b="0" lang="de-DE" sz="3200" spc="-1" strike="noStrike">
               <a:solidFill>
@@ -8545,45 +9047,7 @@
                 </a:uFill>
                 <a:latin typeface="Arial"/>
               </a:rPr>
-              <a:t>Arztbriefe, Medikation, etc.</a:t>
-            </a:r>
-            <a:endParaRPr b="0" lang="de-DE" sz="3200" spc="-1" strike="noStrike">
-              <a:solidFill>
-                <a:srgbClr val="000000"/>
-              </a:solidFill>
-              <a:uFill>
-                <a:solidFill>
-                  <a:srgbClr val="ffffff"/>
-                </a:solidFill>
-              </a:uFill>
-              <a:latin typeface="Arial"/>
-            </a:endParaRPr>
-          </a:p>
-          <a:p>
-            <a:pPr marL="432000" indent="-324000">
-              <a:spcBef>
-                <a:spcPts val="1417"/>
-              </a:spcBef>
-              <a:buClr>
-                <a:srgbClr val="000000"/>
-              </a:buClr>
-              <a:buSzPct val="45000"/>
-              <a:buFont typeface="Wingdings" charset="2"/>
-              <a:buChar char=""/>
-            </a:pPr>
-            <a:r>
-              <a:rPr b="0" lang="de-DE" sz="3200" spc="-1" strike="noStrike">
-                <a:solidFill>
-                  <a:srgbClr val="000000"/>
-                </a:solidFill>
-                <a:uFill>
-                  <a:solidFill>
-                    <a:srgbClr val="ffffff"/>
-                  </a:solidFill>
-                </a:uFill>
-                <a:latin typeface="Arial"/>
-              </a:rPr>
-              <a:t>Speicherung mit SQLite</a:t>
+              <a:t>Aufbau hinter Fassade versteckt</a:t>
             </a:r>
             <a:endParaRPr b="0" lang="de-DE" sz="3200" spc="-1" strike="noStrike">
               <a:solidFill>
@@ -8650,7 +9114,7 @@
       </p:grpSpPr>
       <p:sp>
         <p:nvSpPr>
-          <p:cNvPr id="113" name="CustomShape 1"/>
+          <p:cNvPr id="112" name="CustomShape 1"/>
           <p:cNvSpPr/>
           <p:nvPr/>
         </p:nvSpPr>
@@ -8712,7 +9176,7 @@
       </p:sp>
       <p:sp>
         <p:nvSpPr>
-          <p:cNvPr id="114" name="CustomShape 2"/>
+          <p:cNvPr id="113" name="CustomShape 2"/>
           <p:cNvSpPr/>
           <p:nvPr/>
         </p:nvSpPr>
@@ -8774,7 +9238,7 @@
       </p:sp>
       <p:sp>
         <p:nvSpPr>
-          <p:cNvPr id="115" name="CustomShape 3"/>
+          <p:cNvPr id="114" name="CustomShape 3"/>
           <p:cNvSpPr/>
           <p:nvPr/>
         </p:nvSpPr>
@@ -8836,7 +9300,7 @@
       </p:sp>
       <p:sp>
         <p:nvSpPr>
-          <p:cNvPr id="116" name="CustomShape 4"/>
+          <p:cNvPr id="115" name="CustomShape 4"/>
           <p:cNvSpPr/>
           <p:nvPr/>
         </p:nvSpPr>
@@ -8867,7 +9331,7 @@
                 <a:spcPct val="100000"/>
               </a:lnSpc>
             </a:pPr>
-            <a:fld id="{C3C4A1AC-AEE0-489C-9871-22D80B0DFA94}" type="slidenum">
+            <a:fld id="{F11E6F24-2977-4A82-BACC-1E9460BB6E45}" type="slidenum">
               <a:rPr b="0" lang="de-DE" sz="1200" spc="-1" strike="noStrike">
                 <a:solidFill>
                   <a:srgbClr val="8b8b8b"/>
@@ -8880,7 +9344,7 @@
                 <a:latin typeface="Calibri"/>
                 <a:ea typeface="DejaVu Sans"/>
               </a:rPr>
-              <a:t>1</a:t>
+              <a:t>&lt;Foliennummer&gt;</a:t>
             </a:fld>
             <a:endParaRPr b="0" lang="de-DE" sz="1200" spc="-1" strike="noStrike">
               <a:solidFill>
@@ -8898,7 +9362,7 @@
       </p:sp>
       <p:pic>
         <p:nvPicPr>
-          <p:cNvPr id="117" name="" descr=""/>
+          <p:cNvPr id="116" name="" descr=""/>
           <p:cNvPicPr/>
           <p:nvPr/>
         </p:nvPicPr>
@@ -8908,8 +9372,8 @@
         </p:blipFill>
         <p:spPr>
           <a:xfrm>
-            <a:off x="1584000" y="1512000"/>
-            <a:ext cx="8711640" cy="4768920"/>
+            <a:off x="752760" y="1604520"/>
+            <a:ext cx="5067000" cy="3977280"/>
           </a:xfrm>
           <a:prstGeom prst="rect">
             <a:avLst/>
@@ -8919,6 +9383,145 @@
           </a:ln>
         </p:spPr>
       </p:pic>
+      <p:sp>
+        <p:nvSpPr>
+          <p:cNvPr id="117" name="TextShape 5"/>
+          <p:cNvSpPr txBox="1"/>
+          <p:nvPr/>
+        </p:nvSpPr>
+        <p:spPr>
+          <a:xfrm>
+            <a:off x="6231960" y="1604520"/>
+            <a:ext cx="5354280" cy="3977280"/>
+          </a:xfrm>
+          <a:prstGeom prst="rect">
+            <a:avLst/>
+          </a:prstGeom>
+          <a:noFill/>
+          <a:ln>
+            <a:noFill/>
+          </a:ln>
+        </p:spPr>
+        <p:txBody>
+          <a:bodyPr lIns="0" rIns="0" tIns="0" bIns="0">
+            <a:normAutofit/>
+          </a:bodyPr>
+          <a:p>
+            <a:pPr marL="432000" indent="-324000">
+              <a:spcBef>
+                <a:spcPts val="1417"/>
+              </a:spcBef>
+              <a:buClr>
+                <a:srgbClr val="000000"/>
+              </a:buClr>
+              <a:buSzPct val="45000"/>
+              <a:buFont typeface="Wingdings" charset="2"/>
+              <a:buChar char=""/>
+            </a:pPr>
+            <a:r>
+              <a:rPr b="0" lang="de-DE" sz="3200" spc="-1" strike="noStrike">
+                <a:solidFill>
+                  <a:srgbClr val="000000"/>
+                </a:solidFill>
+                <a:uFill>
+                  <a:solidFill>
+                    <a:srgbClr val="ffffff"/>
+                  </a:solidFill>
+                </a:uFill>
+                <a:latin typeface="Arial"/>
+              </a:rPr>
+              <a:t>In der App gespeicherte Daten</a:t>
+            </a:r>
+            <a:endParaRPr b="0" lang="de-DE" sz="3200" spc="-1" strike="noStrike">
+              <a:solidFill>
+                <a:srgbClr val="000000"/>
+              </a:solidFill>
+              <a:uFill>
+                <a:solidFill>
+                  <a:srgbClr val="ffffff"/>
+                </a:solidFill>
+              </a:uFill>
+              <a:latin typeface="Arial"/>
+            </a:endParaRPr>
+          </a:p>
+          <a:p>
+            <a:pPr marL="432000" indent="-324000">
+              <a:spcBef>
+                <a:spcPts val="1417"/>
+              </a:spcBef>
+              <a:buClr>
+                <a:srgbClr val="000000"/>
+              </a:buClr>
+              <a:buSzPct val="45000"/>
+              <a:buFont typeface="Wingdings" charset="2"/>
+              <a:buChar char=""/>
+            </a:pPr>
+            <a:r>
+              <a:rPr b="0" lang="de-DE" sz="3200" spc="-1" strike="noStrike">
+                <a:solidFill>
+                  <a:srgbClr val="000000"/>
+                </a:solidFill>
+                <a:uFill>
+                  <a:solidFill>
+                    <a:srgbClr val="ffffff"/>
+                  </a:solidFill>
+                </a:uFill>
+                <a:latin typeface="Arial"/>
+              </a:rPr>
+              <a:t>Arztbriefe, Medikation, etc.</a:t>
+            </a:r>
+            <a:endParaRPr b="0" lang="de-DE" sz="3200" spc="-1" strike="noStrike">
+              <a:solidFill>
+                <a:srgbClr val="000000"/>
+              </a:solidFill>
+              <a:uFill>
+                <a:solidFill>
+                  <a:srgbClr val="ffffff"/>
+                </a:solidFill>
+              </a:uFill>
+              <a:latin typeface="Arial"/>
+            </a:endParaRPr>
+          </a:p>
+          <a:p>
+            <a:pPr marL="432000" indent="-324000">
+              <a:spcBef>
+                <a:spcPts val="1417"/>
+              </a:spcBef>
+              <a:buClr>
+                <a:srgbClr val="000000"/>
+              </a:buClr>
+              <a:buSzPct val="45000"/>
+              <a:buFont typeface="Wingdings" charset="2"/>
+              <a:buChar char=""/>
+            </a:pPr>
+            <a:r>
+              <a:rPr b="0" lang="de-DE" sz="3200" spc="-1" strike="noStrike">
+                <a:solidFill>
+                  <a:srgbClr val="000000"/>
+                </a:solidFill>
+                <a:uFill>
+                  <a:solidFill>
+                    <a:srgbClr val="ffffff"/>
+                  </a:solidFill>
+                </a:uFill>
+                <a:latin typeface="Arial"/>
+              </a:rPr>
+              <a:t>Speicherung mit SQLite</a:t>
+            </a:r>
+            <a:endParaRPr b="0" lang="de-DE" sz="3200" spc="-1" strike="noStrike">
+              <a:solidFill>
+                <a:srgbClr val="000000"/>
+              </a:solidFill>
+              <a:uFill>
+                <a:solidFill>
+                  <a:srgbClr val="ffffff"/>
+                </a:solidFill>
+              </a:uFill>
+              <a:latin typeface="Arial"/>
+            </a:endParaRPr>
+          </a:p>
+        </p:txBody>
+      </p:sp>
     </p:spTree>
   </p:cSld>
   <p:timing>
@@ -9014,7 +9617,7 @@
                 <a:latin typeface="Calibri Light"/>
                 <a:ea typeface="DejaVu Sans"/>
               </a:rPr>
-              <a:t>ParserModel</a:t>
+              <a:t>DataModel</a:t>
             </a:r>
             <a:endParaRPr b="0" lang="de-DE" sz="4400" spc="-1" strike="noStrike">
               <a:solidFill>
@@ -9187,7 +9790,7 @@
                 <a:spcPct val="100000"/>
               </a:lnSpc>
             </a:pPr>
-            <a:fld id="{01403215-BFF2-46D5-B22A-3527FB837D9F}" type="slidenum">
+            <a:fld id="{23A4AD0C-7D8F-4801-9EBF-1192FEBC3625}" type="slidenum">
               <a:rPr b="0" lang="de-DE" sz="1200" spc="-1" strike="noStrike">
                 <a:solidFill>
                   <a:srgbClr val="8b8b8b"/>
@@ -9200,7 +9803,7 @@
                 <a:latin typeface="Calibri"/>
                 <a:ea typeface="DejaVu Sans"/>
               </a:rPr>
-              <a:t>1</a:t>
+              <a:t>&lt;Foliennummer&gt;</a:t>
             </a:fld>
             <a:endParaRPr b="0" lang="de-DE" sz="1200" spc="-1" strike="noStrike">
               <a:solidFill>
@@ -9228,8 +9831,8 @@
         </p:blipFill>
         <p:spPr>
           <a:xfrm>
-            <a:off x="648000" y="1512000"/>
-            <a:ext cx="5533200" cy="4187520"/>
+            <a:off x="1584000" y="1512000"/>
+            <a:ext cx="8711640" cy="4768920"/>
           </a:xfrm>
           <a:prstGeom prst="rect">
             <a:avLst/>
@@ -9239,159 +9842,6 @@
           </a:ln>
         </p:spPr>
       </p:pic>
-      <p:sp>
-        <p:nvSpPr>
-          <p:cNvPr id="123" name="TextShape 5"/>
-          <p:cNvSpPr txBox="1"/>
-          <p:nvPr/>
-        </p:nvSpPr>
-        <p:spPr>
-          <a:xfrm>
-            <a:off x="6231960" y="1604520"/>
-            <a:ext cx="5354280" cy="3977280"/>
-          </a:xfrm>
-          <a:prstGeom prst="rect">
-            <a:avLst/>
-          </a:prstGeom>
-          <a:noFill/>
-          <a:ln>
-            <a:noFill/>
-          </a:ln>
-        </p:spPr>
-        <p:txBody>
-          <a:bodyPr lIns="0" rIns="0" tIns="0" bIns="0">
-            <a:normAutofit/>
-          </a:bodyPr>
-          <a:p>
-            <a:pPr marL="432000" indent="-324000">
-              <a:spcBef>
-                <a:spcPts val="1417"/>
-              </a:spcBef>
-              <a:buClr>
-                <a:srgbClr val="000000"/>
-              </a:buClr>
-              <a:buSzPct val="45000"/>
-              <a:buFont typeface="Wingdings" charset="2"/>
-              <a:buChar char=""/>
-            </a:pPr>
-            <a:r>
-              <a:rPr b="0" lang="de-DE" sz="3200" spc="-1" strike="noStrike">
-                <a:solidFill>
-                  <a:srgbClr val="000000"/>
-                </a:solidFill>
-                <a:uFill>
-                  <a:solidFill>
-                    <a:srgbClr val="ffffff"/>
-                  </a:solidFill>
-                </a:uFill>
-                <a:latin typeface="Arial"/>
-              </a:rPr>
-              <a:t>„</a:t>
-            </a:r>
-            <a:r>
-              <a:rPr b="0" lang="de-DE" sz="3200" spc="-1" strike="noStrike">
-                <a:solidFill>
-                  <a:srgbClr val="000000"/>
-                </a:solidFill>
-                <a:uFill>
-                  <a:solidFill>
-                    <a:srgbClr val="ffffff"/>
-                  </a:solidFill>
-                </a:uFill>
-                <a:latin typeface="Arial"/>
-              </a:rPr>
-              <a:t>Übersetzt“ unterstützte Dateiformate in Objekte aus DataModel</a:t>
-            </a:r>
-            <a:endParaRPr b="0" lang="de-DE" sz="3200" spc="-1" strike="noStrike">
-              <a:solidFill>
-                <a:srgbClr val="000000"/>
-              </a:solidFill>
-              <a:uFill>
-                <a:solidFill>
-                  <a:srgbClr val="ffffff"/>
-                </a:solidFill>
-              </a:uFill>
-              <a:latin typeface="Arial"/>
-            </a:endParaRPr>
-          </a:p>
-          <a:p>
-            <a:pPr marL="432000" indent="-324000">
-              <a:spcBef>
-                <a:spcPts val="1417"/>
-              </a:spcBef>
-              <a:buClr>
-                <a:srgbClr val="000000"/>
-              </a:buClr>
-              <a:buSzPct val="45000"/>
-              <a:buFont typeface="Wingdings" charset="2"/>
-              <a:buChar char=""/>
-            </a:pPr>
-            <a:r>
-              <a:rPr b="0" lang="de-DE" sz="3200" spc="-1" strike="noStrike">
-                <a:solidFill>
-                  <a:srgbClr val="000000"/>
-                </a:solidFill>
-                <a:uFill>
-                  <a:solidFill>
-                    <a:srgbClr val="ffffff"/>
-                  </a:solidFill>
-                </a:uFill>
-                <a:latin typeface="Arial"/>
-              </a:rPr>
-              <a:t>Dateiformate sind komplexer als unsere Darstellung und nicht untereinander kompatibel</a:t>
-            </a:r>
-            <a:endParaRPr b="0" lang="de-DE" sz="3200" spc="-1" strike="noStrike">
-              <a:solidFill>
-                <a:srgbClr val="000000"/>
-              </a:solidFill>
-              <a:uFill>
-                <a:solidFill>
-                  <a:srgbClr val="ffffff"/>
-                </a:solidFill>
-              </a:uFill>
-              <a:latin typeface="Arial"/>
-            </a:endParaRPr>
-          </a:p>
-          <a:p>
-            <a:pPr marL="432000" indent="-324000">
-              <a:spcBef>
-                <a:spcPts val="1417"/>
-              </a:spcBef>
-              <a:buClr>
-                <a:srgbClr val="000000"/>
-              </a:buClr>
-              <a:buSzPct val="45000"/>
-              <a:buFont typeface="Wingdings" charset="2"/>
-              <a:buChar char=""/>
-            </a:pPr>
-            <a:r>
-              <a:rPr b="0" lang="de-DE" sz="3200" spc="-1" strike="noStrike">
-                <a:solidFill>
-                  <a:srgbClr val="000000"/>
-                </a:solidFill>
-                <a:uFill>
-                  <a:solidFill>
-                    <a:srgbClr val="ffffff"/>
-                  </a:solidFill>
-                </a:uFill>
-                <a:latin typeface="Arial"/>
-              </a:rPr>
-              <a:t>Originaldateien werden für spätere Übertragung gespeichert</a:t>
-            </a:r>
-            <a:endParaRPr b="0" lang="de-DE" sz="3200" spc="-1" strike="noStrike">
-              <a:solidFill>
-                <a:srgbClr val="000000"/>
-              </a:solidFill>
-              <a:uFill>
-                <a:solidFill>
-                  <a:srgbClr val="ffffff"/>
-                </a:solidFill>
-              </a:uFill>
-              <a:latin typeface="Arial"/>
-            </a:endParaRPr>
-          </a:p>
-        </p:txBody>
-      </p:sp>
     </p:spTree>
   </p:cSld>
   <p:timing>
